--- a/slides/07新・新貿易理論.pptx
+++ b/slides/07新・新貿易理論.pptx
@@ -610,23 +610,22 @@
         <inkml:traceFormat>
           <inkml:channel name="X" type="integer" min="-2.14748E9" max="2.14748E9" units="cm"/>
           <inkml:channel name="Y" type="integer" min="-2.14748E9" max="2.14748E9" units="cm"/>
+          <inkml:channel name="F" type="integer" max="32767" units="dev"/>
         </inkml:traceFormat>
         <inkml:channelProperties>
           <inkml:channelProperty channel="X" name="resolution" value="1000" units="1/cm"/>
           <inkml:channelProperty channel="Y" name="resolution" value="1000" units="1/cm"/>
+          <inkml:channelProperty channel="F" name="resolution" value="0" units="1/dev"/>
         </inkml:channelProperties>
       </inkml:inkSource>
-      <inkml:timestamp xml:id="ts0" timeString="2024-05-27T06:46:30.529"/>
+      <inkml:timestamp xml:id="ts0" timeString="2025-05-19T06:53:48.060"/>
     </inkml:context>
     <inkml:brush xml:id="br0">
-      <inkml:brushProperty name="width" value="0.4" units="cm"/>
-      <inkml:brushProperty name="height" value="0.8" units="cm"/>
-      <inkml:brushProperty name="color" value="#FFACD5"/>
-      <inkml:brushProperty name="tip" value="rectangle"/>
-      <inkml:brushProperty name="rasterOp" value="maskPen"/>
+      <inkml:brushProperty name="width" value="0.05" units="cm"/>
+      <inkml:brushProperty name="height" value="0.05" units="cm"/>
     </inkml:brush>
   </inkml:definitions>
-  <inkml:trace contextRef="#ctx0" brushRef="#br0">0 1,'95'0,"3"0,-14 0,-33 0,0 0,3 0,1 0,3 0,2 0,3 0,1 0,3 0,0 0,3 0,1 0,0 0,0 0,-2 0,0 0,-4 0,-1 0,-2 0,-2 0,-4 0,-1 0,-4 0,-1 0,47 0,-5 0,-4 0,1 0,-1 0,-4 0,-4 0,-5 0,-7 0,-9 2,-16 3,-14 0,-11 0,11-3,6-2,11 0,-6 0,-12-2,-15-4,-6-3</inkml:trace>
+  <inkml:trace contextRef="#ctx0" brushRef="#br0">8 50 24575,'-2'57'0,"0"-3"0,0-1 0,1 3 0,0 34 0,2-36 0,1 1 0,4 41 0,4 2 0,2-9 0,2-7 0,0 1 0,3-8 0,-2 4 0,7-5 0,7 3 0,8-3 0,7-4 0,13-3 0,5-13 0,-15-16 0,40 6-334,-33-30 1,4-4 333,9 5 0,5-2 0,-9-5 0,4-3 0,3-3 0,7-6 0,3-4 0,-5 0 0,13-1 0,-3-4 0,16-9 0,-11-8 0,-8-25 0,-49 17 0,-3-4 0,-2-5 0,-3-3 0,-2-5 0,-2-2 0,-1 3 0,0 1 0,0 0 0,1 3 0,15-29 0,-5 11 667,-5 10-667,-6-2 0,-2-3 0,-4-12 0,0-6 0,-5-6 0,-3 1 0,-4 5 0,-7 14 0,-2 13 0,-10 13 0,-1 14 0,-6 4 0,-2 8 0,-8 3 0,1 6 0,-7 1 0,2 6 0,1 5 0,-7 9 0,-1 11 0,-7 13 0,-5 25 0,7 12 0,24-28 0,2 2 0,-16 42 0,23-42 0,2 0 0,-10 46 0,15-45 0,0-1 0,2 1 0,0 1 0,0 6 0,-1 0 0,-1 1 0,-1 3 0,-2 8 0,0 2 0,-1-6 0,1-1 0,-3 5 0,1-1 0,2-10 0,0-2 0,0-1 0,1-2 0,-9 33 0,5-19 0,4-24 0,4-9 0,1-10 0,0-1 0,-6 10 0,-3 8 0,-2-1 0,-3 5 0,-1-13 0,-1 3 0,-5-1 0,-1 0 0,-4 4 0,-2-4 0,-8-1 0,-3-8 0,-4-2 0,1-7 0,-2-2 0,-7-3 0,-4-1 0,3-5 0,1-1 0,13-6 0,5 0 0,1-3 0,12 1 0,2-1 0,15 1 0,5 1 0,5 2 0</inkml:trace>
 </inkml:ink>
 </file>
 
@@ -638,23 +637,22 @@
         <inkml:traceFormat>
           <inkml:channel name="X" type="integer" min="-2.14748E9" max="2.14748E9" units="cm"/>
           <inkml:channel name="Y" type="integer" min="-2.14748E9" max="2.14748E9" units="cm"/>
+          <inkml:channel name="F" type="integer" max="32767" units="dev"/>
         </inkml:traceFormat>
         <inkml:channelProperties>
           <inkml:channelProperty channel="X" name="resolution" value="1000" units="1/cm"/>
           <inkml:channelProperty channel="Y" name="resolution" value="1000" units="1/cm"/>
+          <inkml:channelProperty channel="F" name="resolution" value="0" units="1/dev"/>
         </inkml:channelProperties>
       </inkml:inkSource>
-      <inkml:timestamp xml:id="ts0" timeString="2024-05-27T06:46:32.245"/>
+      <inkml:timestamp xml:id="ts0" timeString="2025-05-19T06:53:54.103"/>
     </inkml:context>
     <inkml:brush xml:id="br0">
-      <inkml:brushProperty name="width" value="0.4" units="cm"/>
-      <inkml:brushProperty name="height" value="0.8" units="cm"/>
-      <inkml:brushProperty name="color" value="#FFACD5"/>
-      <inkml:brushProperty name="tip" value="rectangle"/>
-      <inkml:brushProperty name="rasterOp" value="maskPen"/>
+      <inkml:brushProperty name="width" value="0.05" units="cm"/>
+      <inkml:brushProperty name="height" value="0.05" units="cm"/>
     </inkml:brush>
   </inkml:definitions>
-  <inkml:trace contextRef="#ctx0" brushRef="#br0">1 0,'59'0,"1"0,4 0,2 0,5 0,2 0,4 0,0 0,0 0,-1 0,1 0,-1 0,-4 0,1 0,-2 0,0 0,2 0,-1 0,0 0,-1 0,0 0,0 0,-6 0,-1 0,-6 0,-2 0,42 0,-9 0,-1 0,4 0,-1 0,-2 0,-1 0,-2 0,8 0,-1 0,-9 0,-18 0,-23 0,-12 0,6 0,20 0,16 0,3 0,-14 0,-25 0,-19 0,-13 0</inkml:trace>
+  <inkml:trace contextRef="#ctx0" brushRef="#br0">511 985 24575,'-52'-1'0,"-15"-4"0,-24-6 0,15-1 0,16-4 0,32 2 0,2-10 0,9-9 0,-7-28 0,2-22 0,2-5 0,4-9 0,8 19 0,5 6 0,6 12 0,1 14 0,5 11 0,1 10 0,7 4 0,13-2 0,26-15 0,22-1 0,-32 17 0,1 2 0,2 2 0,1 4 0,41-6 0,-3 12 0,-3 8 0,-4 13 0,7 10 0,-39-5 0,0 1 0,-1-1 0,-1 1 0,6 4 0,-3-1 0,21 12 0,-7 4 0,-31-10 0,-8 7 0,-12-2 0,-6 5 0,-4 7 0,-5 5 0,-5 2 0,-1-5 0,-2-11 0,2-15 0,3-8 0,-1-8 0,-6 2 0,-22 10 0,-18 11 0,-15 4 0,6-4 0,12-11 0,13-6 0,6-5 0,4-3 0,-11 0 0,-8 3 0,-16 3 0,-9 4 0,3-1 0,15-3 0,15-6 0,18-2 0,1-1 0,2 0 0,-8 1 0,1 0 0,-3 2 0,2-1 0,-2 0 0,9-1 0,4-1 0,11 0 0,1 0 0</inkml:trace>
 </inkml:ink>
 </file>
 
@@ -666,23 +664,22 @@
         <inkml:traceFormat>
           <inkml:channel name="X" type="integer" min="-2.14748E9" max="2.14748E9" units="cm"/>
           <inkml:channel name="Y" type="integer" min="-2.14748E9" max="2.14748E9" units="cm"/>
+          <inkml:channel name="F" type="integer" max="32767" units="dev"/>
         </inkml:traceFormat>
         <inkml:channelProperties>
           <inkml:channelProperty channel="X" name="resolution" value="1000" units="1/cm"/>
           <inkml:channelProperty channel="Y" name="resolution" value="1000" units="1/cm"/>
+          <inkml:channelProperty channel="F" name="resolution" value="0" units="1/dev"/>
         </inkml:channelProperties>
       </inkml:inkSource>
-      <inkml:timestamp xml:id="ts0" timeString="2024-05-27T06:46:35.795"/>
+      <inkml:timestamp xml:id="ts0" timeString="2025-05-19T06:53:55.440"/>
     </inkml:context>
     <inkml:brush xml:id="br0">
-      <inkml:brushProperty name="width" value="0.4" units="cm"/>
-      <inkml:brushProperty name="height" value="0.8" units="cm"/>
-      <inkml:brushProperty name="color" value="#FFACD5"/>
-      <inkml:brushProperty name="tip" value="rectangle"/>
-      <inkml:brushProperty name="rasterOp" value="maskPen"/>
+      <inkml:brushProperty name="width" value="0.05" units="cm"/>
+      <inkml:brushProperty name="height" value="0.05" units="cm"/>
     </inkml:brush>
   </inkml:definitions>
-  <inkml:trace contextRef="#ctx0" brushRef="#br0">1 1,'89'0,"-1"0,6 0,2 0,-30 0,1 0,1 0,1 0,1 0,0 0,3 0,0 0,1 0,0 0,-1 0,1 0,-4 0,1 0,-1 0,1 0,-1 0,0 0,30 0,-1 0,-3 0,-1 0,-4 0,-2 0,-5 0,-1 0,-8-1,-2 2,-6 0,-2 1,-5 0,-1 2,-6 1,-1 0,-1 2,-1 0,49 6,-49-6,0 0,45 6,-18-2,-23-2,-18-2,-17-3,-6-1</inkml:trace>
+  <inkml:trace contextRef="#ctx0" brushRef="#br0">587 0 24575,'-19'45'0,"-2"6"0,-3 7 0,5-3 0,0 6 0,-3 5 0,-1 7 0,1-1 0,-3 23 0,2 0 0,5-23 0,0 1 0,0-3 0,-1 9 0,1-5 0,0-6 0,2-6 0,-7 25 0,6-17 0,1 2 0,0 6 0,2 3 0,2 4 0,4-14 0,2-8 0,2-17 0,1-5 0,2-6 0,-2 11 0,1 0 0,-2 18 0,-2 14 0,-3 16 0,5-44 0,0 1 0,-3 6 0,0-1 0,0-3 0,0-2 0,-1 0 0,-1-1 0,-7 31 0,4-15 0,4-19 0,3-15 0,3-11 0,0-9 0,1-6 0,0-1 0,1-4 0</inkml:trace>
 </inkml:ink>
 </file>
 
@@ -700,17 +697,17 @@
           <inkml:channelProperty channel="Y" name="resolution" value="1000" units="1/cm"/>
         </inkml:channelProperties>
       </inkml:inkSource>
-      <inkml:timestamp xml:id="ts0" timeString="2024-05-27T06:46:37.464"/>
+      <inkml:timestamp xml:id="ts0" timeString="2025-05-19T06:57:11.782"/>
     </inkml:context>
     <inkml:brush xml:id="br0">
-      <inkml:brushProperty name="width" value="0.4" units="cm"/>
-      <inkml:brushProperty name="height" value="0.8" units="cm"/>
+      <inkml:brushProperty name="width" value="0.2" units="cm"/>
+      <inkml:brushProperty name="height" value="0.4" units="cm"/>
       <inkml:brushProperty name="color" value="#FFACD5"/>
       <inkml:brushProperty name="tip" value="rectangle"/>
       <inkml:brushProperty name="rasterOp" value="maskPen"/>
     </inkml:brush>
   </inkml:definitions>
-  <inkml:trace contextRef="#ctx0" brushRef="#br0">1 1,'100'0,"-1"0,-29 0,1 0,0 0,4 0,1 0,0 0,1 0,0 0,0 0,-1 0,0 0,-1 0,-3 0,0 0,-2 0,25 0,-2 0,-4 0,-2 0,-6 0,-2 0,-5 0,0 0,-2 0,1 0,-1 0,0 2,0 0,0 1,-4 0,-1 1,-5 1,-3 0,38 3,-30-4,-25-1,-19-3,-12 0,20 0,23 0,43 0,-40 0,1 0,-5 0,-2 0,27 0,-34 0,-25 0,-10 0</inkml:trace>
+  <inkml:trace contextRef="#ctx0" brushRef="#br0">0 289,'16'-51,"6"0,0 14,5-2,-5 13,-1 4,6 4,4 4,12 2,1 1,3 7,1 1,3 3,7 0,-3 0,4 0,-12 0,-2 1,1 5,-19-1,4 18,-18 18,-5 8,-1 26,-6-17,-3-2,0-19,-2-15,-3-10,-1 0,-8 1,-12 5,-6 1,-8 2,-3-3,4-4,-6-2,6-6,-2-1,3-6,-1-9,-4-8,-8-15,-1 1,1 3,9 9,21 13,7 2,14 5,0 0</inkml:trace>
 </inkml:ink>
 </file>
 
@@ -728,17 +725,17 @@
           <inkml:channelProperty channel="Y" name="resolution" value="1000" units="1/cm"/>
         </inkml:channelProperties>
       </inkml:inkSource>
-      <inkml:timestamp xml:id="ts0" timeString="2024-05-27T06:46:39.461"/>
+      <inkml:timestamp xml:id="ts0" timeString="2025-05-19T06:57:14.302"/>
     </inkml:context>
     <inkml:brush xml:id="br0">
-      <inkml:brushProperty name="width" value="0.4" units="cm"/>
-      <inkml:brushProperty name="height" value="0.8" units="cm"/>
+      <inkml:brushProperty name="width" value="0.2" units="cm"/>
+      <inkml:brushProperty name="height" value="0.4" units="cm"/>
       <inkml:brushProperty name="color" value="#FFACD5"/>
       <inkml:brushProperty name="tip" value="rectangle"/>
       <inkml:brushProperty name="rasterOp" value="maskPen"/>
     </inkml:brush>
   </inkml:definitions>
-  <inkml:trace contextRef="#ctx0" brushRef="#br0">0 29,'82'0,"-1"0,-11 0,4 0,5 0,-4 0,4 0,2 0,2 0,6 0,2 0,2 0,-1 0,3 0,0 0,1 0,-1 0,-3 0,1 0,-1 0,-1 0,0 0,-1 0,-1 0,-1 0,-5 0,-2 0,0 0,-2 0,17 0,-1 0,-4 0,-10 0,-2 0,-4 0,20 1,-5-2,-8-1,-3-2,-13 0,-3 0,-11 0,-4 0,24-2,-27 6,-18 0,-9 0,9 0,20 0,26 0,12 0,-11 0,-20 0,-24 0,-17 0,-6 0</inkml:trace>
+  <inkml:trace contextRef="#ctx0" brushRef="#br0">1 189,'69'-2,"0"0,5 0,8 0,0 0,2-2,2 0,5 0,-5 1,5 0,1 0,-5 0,8-1,-4 0,0 1,7 0,0 0,-4 2,-15 0,-3 0,1 1,7-2,3 0,0-1,4-1,0-1,3-1,-15 1,2-1,1 0,0 0,3 1,0-1,1 0,1 1,1-1,0 1,0 0,-1 0,-9 2,0 2,-2-1,0 0,21 0,-1 0,-3 0,-8 1,-2 0,1 0,2-1,0-1,0 1,-6-1,0 1,0-1,3 1,0-1,-1 0,-6 2,-2-1,0 1,-3 0,0 0,-4 0,15 1,-3 0,-1 0,-3 0,-12 0,1 0,20 1,3 0,-2 0,2 0,-20 0,1 1,0 0,32 0,0 1,-4 1,3 0,-23-1,4 0,-2-1,-5 0,-1 0,1-1,2 0,0 0,-2 0,20-2,-5 0,-10 0,-3 0,-6 0,1 0,1 0,1 0,-2 1,-1 0,0 1,-2 0,-3 1,-2-1,-5 1,-1 0,44 1,-1-3,-43 2,3-1,15 1,2 0,-1 1,0 1,10-2,-3 1,-21-2,-3 0,40 1,-18-2,-7 0,-1 0,3 0,-14 0,13 0,-5 0,-12 0,-21 0,-22 0,11 0,40 1,23 2,5 1,-30-1,-37-1,-21-1</inkml:trace>
 </inkml:ink>
 </file>
 
@@ -756,17 +753,17 @@
           <inkml:channelProperty channel="Y" name="resolution" value="1000" units="1/cm"/>
         </inkml:channelProperties>
       </inkml:inkSource>
-      <inkml:timestamp xml:id="ts0" timeString="2024-05-27T06:47:05.946"/>
+      <inkml:timestamp xml:id="ts0" timeString="2025-05-19T06:57:31.930"/>
     </inkml:context>
     <inkml:brush xml:id="br0">
       <inkml:brushProperty name="width" value="0.2" units="cm"/>
       <inkml:brushProperty name="height" value="0.4" units="cm"/>
-      <inkml:brushProperty name="color" value="#FFACD5"/>
+      <inkml:brushProperty name="color" value="#00FDFF"/>
       <inkml:brushProperty name="tip" value="rectangle"/>
       <inkml:brushProperty name="rasterOp" value="maskPen"/>
     </inkml:brush>
   </inkml:definitions>
-  <inkml:trace contextRef="#ctx0" brushRef="#br0">1 4409,'71'0,"3"-5,21-12,-33 2,5-4,15-6,5-2,-20 8,3-1,1 0,7-2,1-1,3 0,7-1,2-1,2-1,-18 6,1-1,1 0,1-1,4-2,2-1,1 0,-1-1,3-1,-1 0,2-1,-1-1,3-2,1 0,0-1,0-1,-16 6,0-1,0 0,0 0,0 0,3-1,-1 0,0 0,1-1,0 1,0-1,0 1,0-1,0 0,-1 1,0 0,0 0,-1 0,0 1,1-1,16-6,0 1,0 0,0 0,-3 1,0 1,0 0,-1 1,-2 1,0 1,0 0,-1 2,-2 1,1 1,-1 1,0 0,-1 2,-1 0,1 1,0 1,0 1,0 1,0 0,1 0,1 1,0 0,0-1,0 1,0-2,0 1,0-2,0 0,2-1,-1-1,1-1,0 0,1-2,0 0,0-1,0 0,2-1,0-1,0 1,0-1,1 0,0 0,0 0,0 0,-1 1,-1 0,1 1,-1-1,-1 0,1 0,-1 0,0 1,-4 0,0 0,-1 1,0-1,-4 2,0 0,-1 1,0 0,-5 1,0 1,-1 1,0 0,19-6,0 2,-1 0,-2 1,-1 1,0-1,-1 1,-1 0,-1-1,-5 0,-2 0,-1-1,-6 0,0 0,-1 0,-4 1,0 0,-1-1,25-12,0 0,2 1,0 1,-2 2,-1 1,-1 2,0 0,0 1,0 1,-1 1,0-1,-3 2,0 0,-3 0,-1 1,-2 2,-1 0,-4 0,-1 1,-2 0,0 0,-4 0,-1 0,-1 2,-1 1,-1-1,0 1,1 1,-1 2,0 1,0 0,-4 2,-1 1,-3 0,-2 2,44-11,-6 1,-1-1,-5 4,-10 1,-9 0,-9 1,-8-2,-7 0,-9 5,-8 4,-11 4,-6 3</inkml:trace>
+  <inkml:trace contextRef="#ctx0" brushRef="#br0">0 32,'66'-5,"-7"1,-55 4,15 0,7 0,19 0,9 0,-13 0,-13 0,-18 0,6-10,-11 7,10-7,-14 10</inkml:trace>
 </inkml:ink>
 </file>
 
@@ -812,17 +809,17 @@
           <inkml:channelProperty channel="Y" name="resolution" value="1000" units="1/cm"/>
         </inkml:channelProperties>
       </inkml:inkSource>
-      <inkml:timestamp xml:id="ts0" timeString="2024-05-27T06:47:10.360"/>
+      <inkml:timestamp xml:id="ts0" timeString="2025-05-19T06:55:32.142"/>
     </inkml:context>
     <inkml:brush xml:id="br0">
       <inkml:brushProperty name="width" value="0.2" units="cm"/>
       <inkml:brushProperty name="height" value="0.4" units="cm"/>
-      <inkml:brushProperty name="color" value="#FFACD5"/>
+      <inkml:brushProperty name="color" value="#FFFC00"/>
       <inkml:brushProperty name="tip" value="rectangle"/>
       <inkml:brushProperty name="rasterOp" value="maskPen"/>
     </inkml:brush>
   </inkml:definitions>
-  <inkml:trace contextRef="#ctx0" brushRef="#br0">0 94,'56'0,"10"0,22 0,7 0,-44 0,2 0,4 0,1 0,2 0,0 0,6 0,1 0,6 0,1 0,4 0,2 0,7 0,0 0,1-2,-2-2,-3-1,-2-1,-7-1,-1-1,-6 0,-2 0,-5 2,-1-1,-2 2,-1 0,-3 2,0 0,-1-1,-1 1,47 0,-4-1,-6 1,-4 3,-6 0,0 0,1 0,-2 0,-7 0,-18 0,-17 0,-19 0,-8 0</inkml:trace>
+  <inkml:trace contextRef="#ctx0" brushRef="#br0">0 0,'74'6,"-8"2,-9-3,-14 0,-7-4,-12-1,12 0,-3 0,8 0,-14 0,-16 16,-5-9,-7 17,-1-11,-7 14,1-10,-6 5,3-12,-1-2,-5-1,3-2,-5-2,3-2,-1 0,4-1,-5 0,-9-4,-12 1,-15-4,6 2,15 2,14 1,17 2</inkml:trace>
 </inkml:ink>
 </file>
 
@@ -840,17 +837,17 @@
           <inkml:channelProperty channel="Y" name="resolution" value="1000" units="1/cm"/>
         </inkml:channelProperties>
       </inkml:inkSource>
-      <inkml:timestamp xml:id="ts0" timeString="2024-05-27T06:47:28.034"/>
+      <inkml:timestamp xml:id="ts0" timeString="2025-05-19T06:57:02.789"/>
     </inkml:context>
     <inkml:brush xml:id="br0">
       <inkml:brushProperty name="width" value="0.2" units="cm"/>
       <inkml:brushProperty name="height" value="0.4" units="cm"/>
-      <inkml:brushProperty name="color" value="#FFFC00"/>
+      <inkml:brushProperty name="color" value="#FFACD5"/>
       <inkml:brushProperty name="tip" value="rectangle"/>
       <inkml:brushProperty name="rasterOp" value="maskPen"/>
     </inkml:brush>
   </inkml:definitions>
-  <inkml:trace contextRef="#ctx0" brushRef="#br0">1 3402,'25'-72,"16"-5,16 5,-22 31,2 0,1 0,1 1,3-1,2 1,4-1,2 1,3-2,1 1,2-3,0 0,-3 3,-1 0,-3 1,-2 1,-3 1,-1 1,0 0,-1 0,-1 0,1 0,-3 2,0 1,35-32,-16 13,-15 11,-13 12,-11 9,5-8,21-16,27-19,-22 22,5-2,7-3,2 0,0 1,0 1,-1 1,0 0,-5 2,-1 1,-1 0,-1-1,-1-2,-1-1,-2 0,0 1,-1-2,-2 0,-3 2,-1 1,-1 2,-1 0,-4 3,0 0,31-28,-3 0,-9 8,-7 6,-11 10,-13 14,2 1,4 0,15-12,14-12,2-2,-4 4,-18 13,-16 13,-13 8,3-8,9-10,10-10,3-2,-7 11,-11 15,-10 10,-4 6</inkml:trace>
+  <inkml:trace contextRef="#ctx0" brushRef="#br0">922 843,'-39'15,"3"-2,6-5,4-2,9-3,0-1,-2-2,-15 0,-13-3,-10-2,-3-6,-1-3,3-3,-2 2,11 2,1 2,9-1,6-1,7-4,1-5,5-4,-2-5,-2-9,2-4,1-5,5 3,7 2,4 5,4-2,5 6,12-7,15-6,16-4,7 0,11 4,-10 16,6 0,-13 15,8 5,-14 8,6 2,-16 2,4 1,-1 7,8 7,10 13,-3-1,0 6,-15-12,-10-1,-10-6,-1 4,3 11,1 6,-1 3,0-1,-1-1,-2 2,-1 0,-5 2,-4-5,-2 4,-4 0,-4 5,-7-2,-6-2,-6-12,0-3,7-10,2-4,8-5,2-2,-8 4,9-6,-8 4</inkml:trace>
 </inkml:ink>
 </file>
 
@@ -868,17 +865,17 @@
           <inkml:channelProperty channel="Y" name="resolution" value="1000" units="1/cm"/>
         </inkml:channelProperties>
       </inkml:inkSource>
-      <inkml:timestamp xml:id="ts0" timeString="2024-05-27T06:47:29.676"/>
+      <inkml:timestamp xml:id="ts0" timeString="2025-05-19T06:57:06.506"/>
     </inkml:context>
     <inkml:brush xml:id="br0">
       <inkml:brushProperty name="width" value="0.2" units="cm"/>
       <inkml:brushProperty name="height" value="0.4" units="cm"/>
-      <inkml:brushProperty name="color" value="#FFFC00"/>
+      <inkml:brushProperty name="color" value="#FFACD5"/>
       <inkml:brushProperty name="tip" value="rectangle"/>
       <inkml:brushProperty name="rasterOp" value="maskPen"/>
     </inkml:brush>
   </inkml:definitions>
-  <inkml:trace contextRef="#ctx0" brushRef="#br0">0 4130,'49'-31,"-1"0,7-4,2-4,12-11,1-2,2-1,-1-2,2-3,-1-1,-2 1,-2-1,-1 3,0-1,-1 0,0 0,0 3,0 1,1 1,-1-1,-2 2,-1 0,0 1,-1 1,-4 0,-1 0,-1 1,1-1,-1 0,1-1,-2 1,0 0,-2 1,-1 0,-2 1,-1 0,-3 3,-1 0,-1-1,0 0,5-2,1-2,3-2,2 0,6-5,2 0,3-2,2-1,-1 0,1-2,-19 16,0-1,0-2,2-3,1 0,0-2,1 0,0-1,0 1,2-1,1 0,-1 1,-1 3,-1 1,0 2,22-19,-2 3,-5 5,-3 2,-7 5,-1 2,-3 2,0 1,1 0,-1 1,1 1,-1 0,-4 5,-2 2,25-21,-26 18,-23 16,-14 10,-5 5,-5 3</inkml:trace>
+  <inkml:trace contextRef="#ctx0" brushRef="#br0">1 160,'71'-4,"-20"3,6-1,31 1,9 1,-23-1,3 1,2 0,10 0,3 0,3 0,-16 0,3 0,1 0,-1 0,-2 0,-1 0,1 0,1 0,9 1,2-1,1 1,-4-1,-12 1,-1 0,-2 0,2-1,6 1,1 0,-1 0,-2 1,11-1,-2 1,1 0,9-1,2 1,-4-1,-14 0,-2 0,1 0,5-1,1 0,-1-1,-8 1,-1-2,1 1,4 1,1-1,0 0,3-1,0 0,-2 1,-5 1,-2 1,0 0,-1-1,-1-1,-3 2,18 0,-5 0,-9-1,-1 0,-8-2,0 1,13-2,3 0,8 0,2 1,-27 1,1-1,1 1,1 0,0 1,0-1,28-1,-2 0,-8 0,-1 1,3-2,-3 1,-13-1,-1 0,1 0,-2-1,-18 0,-2 0,46-6,-16 0,-30 5,1 1,-2-1,1 1,5 0,1 1,-4 1,1 0,1 0,1 0,5 0,1 1,1-2,1 1,3-1,-1 0,-4 1,-1 1,1-1,-1 1,-11 1,0 0,7-1,-1 0,-5 1,0-1,3-2,0 0,44-5,-13-1,-22 0,-5 6,7 2,6 2,15 0,-3 0,-12-1,-3 0,7 1,-14 0,9 1,5-1,-22 0,1 0,35 0,3 1,-22-1,-2 0,-1 0,-3 0,-11 1,-4 0,32-1,-26 1,-16-2,-19 0,9 2,-11 0,24 0,-11-1,-5-1,-7 0,-13 0,29 0,-16-1,15 1,-24-1,-10 1,-1 0</inkml:trace>
 </inkml:ink>
 </file>
 
@@ -896,17 +893,17 @@
           <inkml:channelProperty channel="Y" name="resolution" value="1000" units="1/cm"/>
         </inkml:channelProperties>
       </inkml:inkSource>
-      <inkml:timestamp xml:id="ts0" timeString="2024-05-27T06:47:31.012"/>
+      <inkml:timestamp xml:id="ts0" timeString="2025-05-19T06:57:27.329"/>
     </inkml:context>
     <inkml:brush xml:id="br0">
       <inkml:brushProperty name="width" value="0.2" units="cm"/>
       <inkml:brushProperty name="height" value="0.4" units="cm"/>
-      <inkml:brushProperty name="color" value="#FFFC00"/>
+      <inkml:brushProperty name="color" value="#00FDFF"/>
       <inkml:brushProperty name="tip" value="rectangle"/>
       <inkml:brushProperty name="rasterOp" value="maskPen"/>
     </inkml:brush>
   </inkml:definitions>
-  <inkml:trace contextRef="#ctx0" brushRef="#br0">0 2343,'43'-46,"-1"0,9-6,3 1,8-1,4 0,8-3,2 0,-2 1,3 1,-19 13,2 0,2-2,5-6,2-1,0-1,0-1,1 1,-1-2,2-2,-1 0,-1 0,-6 2,-1 1,-1 1,-6 5,0-1,-2 2,20-18,-3 3,-10 7,-4 3,-6 5,-3 0,-4 3,-2 0,-2 2,-3 0,28-30,-17 16,-16 17,-12 16,-3 2,7-7,8-7,22-18,15-6,-2 5,-9 10,-22 20,-20 12,-7 5</inkml:trace>
+  <inkml:trace contextRef="#ctx0" brushRef="#br0">0 118,'20'-19,"-4"5,-11 9,-1-6,5-23,-3 8,3 18,-4 32,-2 24,2 5,-4-15,1-9,-2-13,0-11,0-4</inkml:trace>
 </inkml:ink>
 </file>
 
@@ -924,17 +921,17 @@
           <inkml:channelProperty channel="Y" name="resolution" value="1000" units="1/cm"/>
         </inkml:channelProperties>
       </inkml:inkSource>
-      <inkml:timestamp xml:id="ts0" timeString="2024-05-27T06:47:32.493"/>
+      <inkml:timestamp xml:id="ts0" timeString="2025-05-19T06:57:39.940"/>
     </inkml:context>
     <inkml:brush xml:id="br0">
       <inkml:brushProperty name="width" value="0.2" units="cm"/>
       <inkml:brushProperty name="height" value="0.4" units="cm"/>
-      <inkml:brushProperty name="color" value="#FFFC00"/>
+      <inkml:brushProperty name="color" value="#00FDFF"/>
       <inkml:brushProperty name="tip" value="rectangle"/>
       <inkml:brushProperty name="rasterOp" value="maskPen"/>
     </inkml:brush>
   </inkml:definitions>
-  <inkml:trace contextRef="#ctx0" brushRef="#br0">1 160,'69'0,"1"0,0 0,13 0,4 0,2 0,-12 0,2 0,1 0,0 0,0 0,1 0,-1 0,-2 0,13 0,-3 0,-2 0,-6 0,-2 0,-1 0,-7 0,0 0,-1 0,31 0,0-2,-31 0,1 0,-1-1,29-3,-2-1,3-2,-2 0,-10 0,-3 0,-11 1,-4 0,-10 1,-5 2,22-3,-19 1,-6 3,13-2,29-3,-37 4,3 0,0-1,-1 1,38-4,-33 4,-28 3,-22 0,-6 2</inkml:trace>
+  <inkml:trace contextRef="#ctx0" brushRef="#br0">1 4,'85'0,"0"0,-20 0,-1 0,18 0,-3 0,15-1,-11 0,-25 0,-8 1,-9 0,8 0,1 0,12 0,-4 0,-3 0,1 3,-5 1,2 3,-4-2,3 0,7 1,5-1,16 1,0-3,7 0,-5-3,-3 0,-2 0,0 0,12 0,-2 0,9 0,-6 0,-6 0,-14 0,23 3,-31-1,3 0,-6 0,0 0,10-1,-4 0,9-1,-3 2,-12 0,18 0,-1 0,23 1,-47-2,1 0,3 0,1 0,-2 0,-2-2,-1 1,-2-1,43 0,-3-1,-16 2,-9 0,-21 0,-1-1,-6-1,8-1,-2-1,-2 0,2 1,-8 0,7 2,-11-1,-3 0,-8 0,-7 1,-6 1,-2 0</inkml:trace>
 </inkml:ink>
 </file>
 
@@ -952,17 +949,17 @@
           <inkml:channelProperty channel="Y" name="resolution" value="1000" units="1/cm"/>
         </inkml:channelProperties>
       </inkml:inkSource>
-      <inkml:timestamp xml:id="ts0" timeString="2024-05-27T06:49:16.489"/>
+      <inkml:timestamp xml:id="ts0" timeString="2024-05-27T06:46:30.529"/>
     </inkml:context>
     <inkml:brush xml:id="br0">
-      <inkml:brushProperty name="width" value="0.2" units="cm"/>
-      <inkml:brushProperty name="height" value="0.4" units="cm"/>
-      <inkml:brushProperty name="color" value="#00FDFF"/>
+      <inkml:brushProperty name="width" value="0.4" units="cm"/>
+      <inkml:brushProperty name="height" value="0.8" units="cm"/>
+      <inkml:brushProperty name="color" value="#FFACD5"/>
       <inkml:brushProperty name="tip" value="rectangle"/>
       <inkml:brushProperty name="rasterOp" value="maskPen"/>
     </inkml:brush>
   </inkml:definitions>
-  <inkml:trace contextRef="#ctx0" brushRef="#br0">0 0,'57'0,"-1"0,4 0,2 0,3 0,2 0,3 0,1 0,1 0,0 0,3 0,1 0,6 0,3 0,2 0,0 0,1 0,0 0,-5 0,-1 0,-8 0,-3 0,-4 0,-1 0,-3 0,-1 0,-2 0,0 0,-1 0,-1 0,-2 0,-1 0,-3 0,-1 0,43 0,-5 0,-4 3,0 0,-1 0,1-1,-3-2,-14 0,-18 0,-17 0,-14 0,3 0,17 3,24 1,24-1,5 2,-17-1,-24 1,-20 0,-4-3,20 0,28 1,-25-1,3 0,5 1,0 0,-4 1,-3-1,30 0,-20-1,-5-2,18 0,23 0,-41 0,1 0,-2 0,-2 0,33 0,-28 0,-26 0,-11 0,7 0,9 0,6 0,-3 0,-13 0,-10 0,-4 0,0 0,8 0,12 0,2 0,-2 0,-15 0,-11 0</inkml:trace>
+  <inkml:trace contextRef="#ctx0" brushRef="#br0">0 1,'95'0,"3"0,-14 0,-33 0,0 0,3 0,1 0,3 0,2 0,3 0,1 0,3 0,0 0,3 0,1 0,0 0,0 0,-2 0,0 0,-4 0,-1 0,-2 0,-2 0,-4 0,-1 0,-4 0,-1 0,47 0,-5 0,-4 0,1 0,-1 0,-4 0,-4 0,-5 0,-7 0,-9 2,-16 3,-14 0,-11 0,11-3,6-2,11 0,-6 0,-12-2,-15-4,-6-3</inkml:trace>
 </inkml:ink>
 </file>
 
@@ -980,17 +977,17 @@
           <inkml:channelProperty channel="Y" name="resolution" value="1000" units="1/cm"/>
         </inkml:channelProperties>
       </inkml:inkSource>
-      <inkml:timestamp xml:id="ts0" timeString="2024-05-27T23:40:53.581"/>
+      <inkml:timestamp xml:id="ts0" timeString="2024-05-27T06:46:32.245"/>
     </inkml:context>
     <inkml:brush xml:id="br0">
-      <inkml:brushProperty name="width" value="0.2" units="cm"/>
-      <inkml:brushProperty name="height" value="0.4" units="cm"/>
-      <inkml:brushProperty name="color" value="#A2D762"/>
+      <inkml:brushProperty name="width" value="0.4" units="cm"/>
+      <inkml:brushProperty name="height" value="0.8" units="cm"/>
+      <inkml:brushProperty name="color" value="#FFACD5"/>
       <inkml:brushProperty name="tip" value="rectangle"/>
       <inkml:brushProperty name="rasterOp" value="maskPen"/>
     </inkml:brush>
   </inkml:definitions>
-  <inkml:trace contextRef="#ctx0" brushRef="#br0">0 350,'52'0,"0"0,16 0,5 0,21 0,6 0,-23 0,2 0,1 0,-2 0,1 0,2 0,10 0,2 0,0 0,-2 0,1 0,-1 0,-2 0,-1 0,1 0,0 0,0 0,-3 0,-15 0,-3 0,0 0,32 0,-2 0,-9 0,-2 0,-6 0,-2 0,-5 0,-1 0,-6 0,-2 0,-4 0,-1 0,-4 0,-1 0,-2 0,0 0,0 0,1 0,-1-1,0-1,2 0,1-2,3 1,2-1,4 0,1-1,4 0,1 0,4 1,2-1,4 0,2 0,4 1,2 0,3 2,2 0,3 0,2 1,-3 1,2 0,-27-1,1-1,2 0,3-1,2-1,-1-1,-1 0,0-2,0 1,0-1,1 0,-2-1,-5 0,-2 0,-1 0,27-3,-3 1,-5-1,-4-1,-10 2,-4-1,-10 3,-3-1,-6 1,-1 1,35-5,-13 0,-13-1,-14 1,-6 0,-8 0,-6 4,-4 2,-7 0,-5 2,-4-2</inkml:trace>
+  <inkml:trace contextRef="#ctx0" brushRef="#br0">1 0,'59'0,"1"0,4 0,2 0,5 0,2 0,4 0,0 0,0 0,-1 0,1 0,-1 0,-4 0,1 0,-2 0,0 0,2 0,-1 0,0 0,-1 0,0 0,0 0,-6 0,-1 0,-6 0,-2 0,42 0,-9 0,-1 0,4 0,-1 0,-2 0,-1 0,-2 0,8 0,-1 0,-9 0,-18 0,-23 0,-12 0,6 0,20 0,16 0,3 0,-14 0,-25 0,-19 0,-13 0</inkml:trace>
 </inkml:ink>
 </file>
 
@@ -1008,17 +1005,17 @@
           <inkml:channelProperty channel="Y" name="resolution" value="1000" units="1/cm"/>
         </inkml:channelProperties>
       </inkml:inkSource>
-      <inkml:timestamp xml:id="ts0" timeString="2024-05-27T06:53:25.898"/>
+      <inkml:timestamp xml:id="ts0" timeString="2024-05-27T06:46:35.795"/>
     </inkml:context>
     <inkml:brush xml:id="br0">
-      <inkml:brushProperty name="width" value="0.2" units="cm"/>
-      <inkml:brushProperty name="height" value="0.4" units="cm"/>
+      <inkml:brushProperty name="width" value="0.4" units="cm"/>
+      <inkml:brushProperty name="height" value="0.8" units="cm"/>
       <inkml:brushProperty name="color" value="#FFACD5"/>
       <inkml:brushProperty name="tip" value="rectangle"/>
       <inkml:brushProperty name="rasterOp" value="maskPen"/>
     </inkml:brush>
   </inkml:definitions>
-  <inkml:trace contextRef="#ctx0" brushRef="#br0">1 208,'77'0,"4"0,6 0,6 0,-4 0,-5 0,-8 0,-4 0,0 0,-3 0,-5 0,-6 0,-10 0,-4 0,-4 0,-1 0,2 0,-1 2,-5 3,-6 0,-7 0,-8-2,-7-1,10 2,4 2,20 2,0 0,-2-3,-9-2,-13-1,-7-1,-8-16,4 0,6-22,6 6,4-2,-6 8,-7 11,-7 6,-11 0,-11-5,-11-3,-9 1,-4 2,-4 6,-4 3,-6 2,-7 2,-4 0,-3 0,4 0,7 0,9-1,5-1,3-1,2 0,6 2,4 1,-3 0,-15 0,-23 6,-21 7,44-2,1 1,-37 15,27-4,29-7,17-6,10-4,1 6,2-4,0 5,0-1,-2 0,0 7,-1 3,-1 2,2-3,1-7,5-7,16 2,22 5,18 6,17 1,7-6,-3-7,-2-6,-6-2,-8 0,-1 0,-2 0,-1 0,-2 0,-5 0,-8 0,-5 0,-9 0,-6 0,-8 0,-7 0,-2 0,10 0,14 0,13 0,3 0,-10 0,-13 0,-15 0,-6 0</inkml:trace>
+  <inkml:trace contextRef="#ctx0" brushRef="#br0">1 1,'89'0,"-1"0,6 0,2 0,-30 0,1 0,1 0,1 0,1 0,0 0,3 0,0 0,1 0,0 0,-1 0,1 0,-4 0,1 0,-1 0,1 0,-1 0,0 0,30 0,-1 0,-3 0,-1 0,-4 0,-2 0,-5 0,-1 0,-8-1,-2 2,-6 0,-2 1,-5 0,-1 2,-6 1,-1 0,-1 2,-1 0,49 6,-49-6,0 0,45 6,-18-2,-23-2,-18-2,-17-3,-6-1</inkml:trace>
 </inkml:ink>
 </file>
 
@@ -1036,17 +1033,17 @@
           <inkml:channelProperty channel="Y" name="resolution" value="1000" units="1/cm"/>
         </inkml:channelProperties>
       </inkml:inkSource>
-      <inkml:timestamp xml:id="ts0" timeString="2024-05-27T06:53:52.865"/>
+      <inkml:timestamp xml:id="ts0" timeString="2024-05-27T06:46:37.464"/>
     </inkml:context>
     <inkml:brush xml:id="br0">
-      <inkml:brushProperty name="width" value="0.2" units="cm"/>
-      <inkml:brushProperty name="height" value="0.4" units="cm"/>
-      <inkml:brushProperty name="color" value="#FFFC00"/>
+      <inkml:brushProperty name="width" value="0.4" units="cm"/>
+      <inkml:brushProperty name="height" value="0.8" units="cm"/>
+      <inkml:brushProperty name="color" value="#FFACD5"/>
       <inkml:brushProperty name="tip" value="rectangle"/>
       <inkml:brushProperty name="rasterOp" value="maskPen"/>
     </inkml:brush>
   </inkml:definitions>
-  <inkml:trace contextRef="#ctx0" brushRef="#br0">30 252,'93'0,"-13"0,-22 0,-21 0,-16-4,-11-7,-7-13,-3-14,0-4,0 4,0 13,0 13,0 6,-15 1,0-2,-14-2,9-1,4 2,6 1,3 4,-10 1,-7 2,-16 0,-2 2,3 3,14 2,10 1,10-1,4 3,1 2,0 0,0 6,-5 11,4-14,-4 9</inkml:trace>
+  <inkml:trace contextRef="#ctx0" brushRef="#br0">1 1,'100'0,"-1"0,-29 0,1 0,0 0,4 0,1 0,0 0,1 0,0 0,0 0,-1 0,0 0,-1 0,-3 0,0 0,-2 0,25 0,-2 0,-4 0,-2 0,-6 0,-2 0,-5 0,0 0,-2 0,1 0,-1 0,0 2,0 0,0 1,-4 0,-1 1,-5 1,-3 0,38 3,-30-4,-25-1,-19-3,-12 0,20 0,23 0,43 0,-40 0,1 0,-5 0,-2 0,27 0,-34 0,-25 0,-10 0</inkml:trace>
 </inkml:ink>
 </file>
 
@@ -1064,17 +1061,17 @@
           <inkml:channelProperty channel="Y" name="resolution" value="1000" units="1/cm"/>
         </inkml:channelProperties>
       </inkml:inkSource>
-      <inkml:timestamp xml:id="ts0" timeString="2024-05-27T06:53:54.947"/>
+      <inkml:timestamp xml:id="ts0" timeString="2024-05-27T06:46:39.461"/>
     </inkml:context>
     <inkml:brush xml:id="br0">
-      <inkml:brushProperty name="width" value="0.2" units="cm"/>
-      <inkml:brushProperty name="height" value="0.4" units="cm"/>
-      <inkml:brushProperty name="color" value="#FFFC00"/>
+      <inkml:brushProperty name="width" value="0.4" units="cm"/>
+      <inkml:brushProperty name="height" value="0.8" units="cm"/>
+      <inkml:brushProperty name="color" value="#FFACD5"/>
       <inkml:brushProperty name="tip" value="rectangle"/>
       <inkml:brushProperty name="rasterOp" value="maskPen"/>
     </inkml:brush>
   </inkml:definitions>
-  <inkml:trace contextRef="#ctx0" brushRef="#br0">1 162,'57'-11,"-10"3,-23 8,-6-4,6-3,12-5,6-5,0 2,-11 3,-13 4,-9 4,-6-4,-3-3,0-4,0 2,-1 3,-13 5,-14 3,-20 6,-5 4,3 2,15 0,14-4,12-4,5-2</inkml:trace>
+  <inkml:trace contextRef="#ctx0" brushRef="#br0">0 29,'82'0,"-1"0,-11 0,4 0,5 0,-4 0,4 0,2 0,2 0,6 0,2 0,2 0,-1 0,3 0,0 0,1 0,-1 0,-3 0,1 0,-1 0,-1 0,0 0,-1 0,-1 0,-1 0,-5 0,-2 0,0 0,-2 0,17 0,-1 0,-4 0,-10 0,-2 0,-4 0,20 1,-5-2,-8-1,-3-2,-13 0,-3 0,-11 0,-4 0,24-2,-27 6,-18 0,-9 0,9 0,20 0,26 0,12 0,-11 0,-20 0,-24 0,-17 0,-6 0</inkml:trace>
 </inkml:ink>
 </file>
 
@@ -1120,17 +1117,17 @@
           <inkml:channelProperty channel="Y" name="resolution" value="1000" units="1/cm"/>
         </inkml:channelProperties>
       </inkml:inkSource>
-      <inkml:timestamp xml:id="ts0" timeString="2024-05-27T06:54:05.947"/>
+      <inkml:timestamp xml:id="ts0" timeString="2025-05-19T06:58:13.386"/>
     </inkml:context>
     <inkml:brush xml:id="br0">
       <inkml:brushProperty name="width" value="0.2" units="cm"/>
       <inkml:brushProperty name="height" value="0.4" units="cm"/>
-      <inkml:brushProperty name="color" value="#FFFC00"/>
+      <inkml:brushProperty name="color" value="#00FDFF"/>
       <inkml:brushProperty name="tip" value="rectangle"/>
       <inkml:brushProperty name="rasterOp" value="maskPen"/>
     </inkml:brush>
   </inkml:definitions>
-  <inkml:trace contextRef="#ctx0" brushRef="#br0">1 21,'90'0,"1"0,-7 0,-19 0,-22 0,-8 0,9 0,22 0,18 0,3 0,-14 0,-24 0,-18 0,-11 0,6 0,16 0,23 0,22 0,3 0,-5 0,-11 0,-6 0,4 0,6 0,10 0,5 0,-4 0,-6 0,-7 0,-7 0,-1 0,-3 0,-4 0,-1 0,-9-4,-11-2,-10 0,-8 2,8 4,14 0,22 0,13 0,-1 0,-14 0,-21 0,-18 0,-16 0,-3 0</inkml:trace>
+  <inkml:trace contextRef="#ctx0" brushRef="#br0">0 17,'82'-2,"1"1,2 0,1-1,-11 1,-5-1,-12 1,-21 1,-13-1,-15 0,4 1,16-2,9 2,18-2,-7 2,-10 0,-13 0,-17 1,-4 0,45 37,-28-23,29 23,-43-33</inkml:trace>
 </inkml:ink>
 </file>
 
@@ -1148,17 +1145,17 @@
           <inkml:channelProperty channel="Y" name="resolution" value="1000" units="1/cm"/>
         </inkml:channelProperties>
       </inkml:inkSource>
-      <inkml:timestamp xml:id="ts0" timeString="2024-05-27T06:54:25.919"/>
+      <inkml:timestamp xml:id="ts0" timeString="2025-05-19T06:58:24.141"/>
     </inkml:context>
     <inkml:brush xml:id="br0">
       <inkml:brushProperty name="width" value="0.2" units="cm"/>
       <inkml:brushProperty name="height" value="0.4" units="cm"/>
-      <inkml:brushProperty name="color" value="#FFFC00"/>
+      <inkml:brushProperty name="color" value="#00FDFF"/>
       <inkml:brushProperty name="tip" value="rectangle"/>
       <inkml:brushProperty name="rasterOp" value="maskPen"/>
     </inkml:brush>
   </inkml:definitions>
-  <inkml:trace contextRef="#ctx0" brushRef="#br0">1 4,'60'0,"0"0,16 0,7 0,-12 0,4 0,3 0,13 0,3 0,1 0,0 0,0 0,0 0,-1 0,-1 0,-1 0,-8 0,-2 0,-1 0,-10 0,-3 0,0 0,31 0,-3 0,-10 0,-3 0,-5 0,-3 0,-3 0,-3 0,-5 0,-2 0,-3 0,-2 0,-3 0,-3 0,44 0,-9 0,-8 0,1 0,-3 0,1 0,-2 0,-3 0,-5 0,-8 0,-13 0,-12 0,-13 0,-9 0,-4-2,-2 1</inkml:trace>
+  <inkml:trace contextRef="#ctx0" brushRef="#br0">0 33,'91'-11,"-38"6,1 0,0 2,-1 0,-2 2,-1-1,27 1,-32 1,-18 1,-17-1,-1 0,12 0,26 0,10 0,16-1,-22 1,-15-1,-20 0,-13 1,17 0,-6 0,20 0,-4 0,1 0,9 1,-8 0,-4 0,-10-1,-9 0,15 0,-10 0,10 0,-17 0</inkml:trace>
 </inkml:ink>
 </file>
 
@@ -1176,17 +1173,17 @@
           <inkml:channelProperty channel="Y" name="resolution" value="1000" units="1/cm"/>
         </inkml:channelProperties>
       </inkml:inkSource>
-      <inkml:timestamp xml:id="ts0" timeString="2024-05-27T06:54:41.369"/>
+      <inkml:timestamp xml:id="ts0" timeString="2024-05-27T06:47:05.946"/>
     </inkml:context>
     <inkml:brush xml:id="br0">
       <inkml:brushProperty name="width" value="0.2" units="cm"/>
       <inkml:brushProperty name="height" value="0.4" units="cm"/>
-      <inkml:brushProperty name="color" value="#FFFC00"/>
+      <inkml:brushProperty name="color" value="#FFACD5"/>
       <inkml:brushProperty name="tip" value="rectangle"/>
       <inkml:brushProperty name="rasterOp" value="maskPen"/>
     </inkml:brush>
   </inkml:definitions>
-  <inkml:trace contextRef="#ctx0" brushRef="#br0">0 427,'83'0,"-1"0,13 0,4 0,-23 0,3 0,1 0,3 0,1 0,1 0,0 0,1 0,-1 0,-3 0,-1 0,0 0,-3 0,-1 0,0 0,-3 0,-1 0,-2 0,30 0,-3 0,-2 1,-2-2,-6-1,-2 0,-3-2,0 0,-2 0,1 1,-3-1,0 1,1 1,-2 2,-3 0,-2 0,-3-1,-2-1,-5 0,0 0,-2-1,-1 0,-1-1,0 1,1 1,0 0,2-1,0 0,1 1,0 0,-2 1,0-1,-1-1,-1 0,-6 1,-1 0,42-1,-5-3,-4 2,1 1,0 0,0 3,2-2,9-1,-45 0,0-1,0 1,1 0,-2-1,0 1,42-4,-6 1,-2 0,-2 3,-2 1,-6 2,-3 0,-5 0,-1 0,2 0,-3 0,-1 0,4 0,5 0,3 0,0 0,-1 0,-4 0,-1 0,-9 0,-12 0,-15 0,-10 0,-2 0,2 0,1 0,-3 0,-6 0,-2 0,2 0,3 0,3 0,-4 0,-6 0,-4 0,-5-23,-1-11,-2-22,0 2,-5 9,-3 14,-10 11,-16 9,-21 6,-34 2,34 2,-3 0,-5 1,-2 0,-2 0,1 0,5 0,1 0,3 0,1 0,3 0,1 0,-47 0,48 0,0 0,-48 2,-1 1,1 3,4 5,1 3,0 5,45-8,0 0,-1-1,1 0,-47 9,7-6,8-7,-1-4,-5-2,-9 0,43-1,-2 0,-4-1,-3 0,-7-1,-4 0,-4-1,-1 1,-7 0,-1 2,-2-1,0 0,4 2,1 0,2 0,2 0,5 0,3 0,4 0,1 0,3 0,2 0,3 0,2 0,2 0,0 0,2 0,1 0,-44 0,4 0,6 0,12 0,2 0,4 0,-2-1,-6-5,-5-3,-9-4,-8-1,46 7,-2 1,-2 0,-1 2,1 0,-1 1,0 2,0 0,0 0,1 2,3-1,0 0,-48 0,5 0,9 0,15 0,18 0,19 0,2 3,-12 5,-25 5,-29 5,43-8,-1-1,2-1,3 0,-30 3,34-4,26-2,13 1,5 3,-2 9,-6 10,-2 6,1 6,6 1,4-2,2-4,0-9,0-7,6-8,11-2,30 2,44-1,-32-4,5-1,12-1,1-2,5-1,0-1,-3 0,1 0,-1 0,0 0,-6 0,0 0,-6 0,-1 0,2 0,0 0,0 0,2 0,9 0,3 0,5 0,0 0,5 0,1 0,-1 0,-2 0,-6 3,-1 1,-3 1,-1 1,-5 0,-1-1,2 1,0-2,2-2,2-1,3-1,0 0,1 0,0 0,-4 0,-1 0,-4 0,-1 0,-4 0,-1 0,3 0,1 0,4 0,2 0,3 0,1 0,3 0,0 0,-4 0,-2 2,-5 0,-2 1,-4 2,-2 0,-2 0,0 1,-2 0,0 2,-3-1,0 0,-1 0,-1 1,-1-1,0-1,0-1,-1-1,43 3,-15-4,-18-1,-3-2,21 0,-30 0,3 0,9 0,2 0,1 0,-2 0,-10 1,-4 1,21 0,-33 2,-19 1,-1 2,6 4,3 2,1-1,-7-5,-10-3,-10 0,-6 2</inkml:trace>
+  <inkml:trace contextRef="#ctx0" brushRef="#br0">1 4409,'71'0,"3"-5,21-12,-33 2,5-4,15-6,5-2,-20 8,3-1,1 0,7-2,1-1,3 0,7-1,2-1,2-1,-18 6,1-1,1 0,1-1,4-2,2-1,1 0,-1-1,3-1,-1 0,2-1,-1-1,3-2,1 0,0-1,0-1,-16 6,0-1,0 0,0 0,0 0,3-1,-1 0,0 0,1-1,0 1,0-1,0 1,0-1,0 0,-1 1,0 0,0 0,-1 0,0 1,1-1,16-6,0 1,0 0,0 0,-3 1,0 1,0 0,-1 1,-2 1,0 1,0 0,-1 2,-2 1,1 1,-1 1,0 0,-1 2,-1 0,1 1,0 1,0 1,0 1,0 0,1 0,1 1,0 0,0-1,0 1,0-2,0 1,0-2,0 0,2-1,-1-1,1-1,0 0,1-2,0 0,0-1,0 0,2-1,0-1,0 1,0-1,1 0,0 0,0 0,0 0,-1 1,-1 0,1 1,-1-1,-1 0,1 0,-1 0,0 1,-4 0,0 0,-1 1,0-1,-4 2,0 0,-1 1,0 0,-5 1,0 1,-1 1,0 0,19-6,0 2,-1 0,-2 1,-1 1,0-1,-1 1,-1 0,-1-1,-5 0,-2 0,-1-1,-6 0,0 0,-1 0,-4 1,0 0,-1-1,25-12,0 0,2 1,0 1,-2 2,-1 1,-1 2,0 0,0 1,0 1,-1 1,0-1,-3 2,0 0,-3 0,-1 1,-2 2,-1 0,-4 0,-1 1,-2 0,0 0,-4 0,-1 0,-1 2,-1 1,-1-1,0 1,1 1,-1 2,0 1,0 0,-4 2,-1 1,-3 0,-2 2,44-11,-6 1,-1-1,-5 4,-10 1,-9 0,-9 1,-8-2,-7 0,-9 5,-8 4,-11 4,-6 3</inkml:trace>
 </inkml:ink>
 </file>
 
@@ -1204,7 +1201,7 @@
           <inkml:channelProperty channel="Y" name="resolution" value="1000" units="1/cm"/>
         </inkml:channelProperties>
       </inkml:inkSource>
-      <inkml:timestamp xml:id="ts0" timeString="2024-05-27T06:56:51.225"/>
+      <inkml:timestamp xml:id="ts0" timeString="2024-05-27T06:47:10.360"/>
     </inkml:context>
     <inkml:brush xml:id="br0">
       <inkml:brushProperty name="width" value="0.2" units="cm"/>
@@ -1214,7 +1211,7 @@
       <inkml:brushProperty name="rasterOp" value="maskPen"/>
     </inkml:brush>
   </inkml:definitions>
-  <inkml:trace contextRef="#ctx0" brushRef="#br0">0 3656,'86'0,"-36"0,4-1,17-1,5-2,4-2,1-3,5-3,2-2,5-4,0-3,-26 5,0-2,0 1,3-2,0 1,0-1,1-2,-1 0,0-1,0 0,-1 0,0-1,-5 1,0-1,-1-1,0 0,0 0,-1 0,25-8,-1 0,-7 3,-2 2,-3 2,-2 2,-5 1,0 1,-1 1,-2-1,-3 1,0-1,-3 0,0 1,-2-1,-1 0,-1 1,-1 1,-2 0,0 1,-2 1,0-1,0 0,-1 0,1-2,1 0,0 0,0 0,-1 0,0 0,43-20,-9 4,-3 1,2 3,2 0,9 0,-42 15,1 1,4-1,1 1,3-1,2-1,1 0,2-2,3 0,0-1,6-4,1 0,10-3,3-1,-24 8,1 0,0 0,2-1,0 0,0 0,3 0,-1-1,1 1,-3-1,0-1,0 1,1-2,1 0,1-1,2 0,1 0,0 0,-1-1,1 0,-1 1,1 0,-1 1,-1 0,-3 1,-2 1,0 0,28-11,-1 2,-30 10,1 0,-1 2,31-10,0 1,-29 10,1-1,0 2,3-1,0 1,0 0,-2-1,0 1,0 0,0-1,0 0,-1 0,25-8,-1-1,-8 1,-1 1,-2 0,1 0,1 0,2 0,4 0,1 2,3 0,-1 2,-2 2,-2 1,-2 2,-2 0,-7 4,-1 0,-3 2,1 0,1 2,0 0,1 0,1 0,2-3,2-1,1-2,0-1,2-2,-1-2,2 0,-1 0,-2-1,-1-1,-6 1,-1 0,-6 0,-2 0,-6 1,-2-1,-4 3,-1-1,42-16,-6 3,-7 4,-8 4,-10 8,-6 6,-2 6,3 3,14 1,9-3,6-3,-13-1,-23-1,-19 3,-16 1,-8 1,-4-1</inkml:trace>
+  <inkml:trace contextRef="#ctx0" brushRef="#br0">0 94,'56'0,"10"0,22 0,7 0,-44 0,2 0,4 0,1 0,2 0,0 0,6 0,1 0,6 0,1 0,4 0,2 0,7 0,0 0,1-2,-2-2,-3-1,-2-1,-7-1,-1-1,-6 0,-2 0,-5 2,-1-1,-2 2,-1 0,-3 2,0 0,-1-1,-1 1,47 0,-4-1,-6 1,-4 3,-6 0,0 0,1 0,-2 0,-7 0,-18 0,-17 0,-19 0,-8 0</inkml:trace>
 </inkml:ink>
 </file>
 
@@ -1232,17 +1229,17 @@
           <inkml:channelProperty channel="Y" name="resolution" value="1000" units="1/cm"/>
         </inkml:channelProperties>
       </inkml:inkSource>
-      <inkml:timestamp xml:id="ts0" timeString="2024-05-27T06:56:52.792"/>
+      <inkml:timestamp xml:id="ts0" timeString="2024-05-27T06:47:28.034"/>
     </inkml:context>
     <inkml:brush xml:id="br0">
       <inkml:brushProperty name="width" value="0.2" units="cm"/>
       <inkml:brushProperty name="height" value="0.4" units="cm"/>
-      <inkml:brushProperty name="color" value="#FFACD5"/>
+      <inkml:brushProperty name="color" value="#FFFC00"/>
       <inkml:brushProperty name="tip" value="rectangle"/>
       <inkml:brushProperty name="rasterOp" value="maskPen"/>
     </inkml:brush>
   </inkml:definitions>
-  <inkml:trace contextRef="#ctx0" brushRef="#br0">1 172,'95'0,"-2"0,-14 0,1 0,3 0,7 0,-37 0,1 0,5 0,2 0,4 0,2 0,1 0,0 0,-4 0,-1 0,-5 0,0 0,-4 0,-1 0,-2-1,-1-1,41-3,-19-3,-16-2,-6 2,14 0,25-2,-37 5,1 1,1-1,-1 1,30-3,-29 4,-15 1,1 2,13 0,10 0,-4 0,-13 0,-19 0,-15-3,6-11,45-16,-34 12,30-6</inkml:trace>
+  <inkml:trace contextRef="#ctx0" brushRef="#br0">1 3402,'25'-72,"16"-5,16 5,-22 31,2 0,1 0,1 1,3-1,2 1,4-1,2 1,3-2,1 1,2-3,0 0,-3 3,-1 0,-3 1,-2 1,-3 1,-1 1,0 0,-1 0,-1 0,1 0,-3 2,0 1,35-32,-16 13,-15 11,-13 12,-11 9,5-8,21-16,27-19,-22 22,5-2,7-3,2 0,0 1,0 1,-1 1,0 0,-5 2,-1 1,-1 0,-1-1,-1-2,-1-1,-2 0,0 1,-1-2,-2 0,-3 2,-1 1,-1 2,-1 0,-4 3,0 0,31-28,-3 0,-9 8,-7 6,-11 10,-13 14,2 1,4 0,15-12,14-12,2-2,-4 4,-18 13,-16 13,-13 8,3-8,9-10,10-10,3-2,-7 11,-11 15,-10 10,-4 6</inkml:trace>
 </inkml:ink>
 </file>
 
@@ -1260,17 +1257,17 @@
           <inkml:channelProperty channel="Y" name="resolution" value="1000" units="1/cm"/>
         </inkml:channelProperties>
       </inkml:inkSource>
-      <inkml:timestamp xml:id="ts0" timeString="2024-05-27T06:56:57.992"/>
+      <inkml:timestamp xml:id="ts0" timeString="2024-05-27T06:47:29.676"/>
     </inkml:context>
     <inkml:brush xml:id="br0">
       <inkml:brushProperty name="width" value="0.2" units="cm"/>
       <inkml:brushProperty name="height" value="0.4" units="cm"/>
-      <inkml:brushProperty name="color" value="#FF40FF"/>
+      <inkml:brushProperty name="color" value="#FFFC00"/>
       <inkml:brushProperty name="tip" value="rectangle"/>
       <inkml:brushProperty name="rasterOp" value="maskPen"/>
     </inkml:brush>
   </inkml:definitions>
-  <inkml:trace contextRef="#ctx0" brushRef="#br0">0 6823,'57'-46,"10"4,10-5,-33 22,1-1,7-5,0-2,3-5,1-2,5-3,2-2,3-4,1-2,2 0,0-1,2-1,0 1,-2 0,-1 1,-4 3,-1 1,-3 2,-2 0,-4 4,-2 1,-3 3,0 1,-5 3,0 1,37-24,-6 1,-8 4,-11 6,-12 10,-14 13,-10 5,0-1,5-6,5-2,0 2,-5 6,-3-3,8-8,21-19,20-18,-33 33,-1 0,31-27,-12 11,5-8,-23 21,4-2,12-9,3-1,5-6,1 1,-4 3,-2 3,-8 6,-3 2,27-23,-14 13,6-6,10-6,-4 3,-6 3,-21 19,-14 12,-3 4,5-6,4-3,1 0,-7 6,-6 8,3-3,17-5,19-11,11-4,-6 3,-20 11,-12 4,1-1,17-9,23-9,6-1,-6 2,-10 3,-4-2,18-12,-33 20,2-2,-1 0,-2 0,34-23,-20 9,-11 5,13-11,-23 19,3-2,3-1,0-1,-3 2,-1 2,19-16,-11 12,1-1,22-13,-21 14,4-3,8-4,0-2,-1 2,-3 1,-7 5,-3 3,24-18,0 1,-24 19,4-3,17-10,5-3,-18 12,3-2,0 0,1-1,1 0,-1-1,-2 0,0-1,-2 1,-2 1,-1 0,-1-1,1-2,-1-1,2-1,6-6,0-2,2-1,4-3,2-1,1 0,-13 10,2 0,0-1,0 1,2 0,1 1,1 1,-1 0,18-12,1 2,-1 2,0 1,0 0,-2 3,-6 4,-2 2,-1 0,-3 3,-2 0,-1 1,22-15,-8 5,-31 20,-6 3,17-13</inkml:trace>
+  <inkml:trace contextRef="#ctx0" brushRef="#br0">0 4130,'49'-31,"-1"0,7-4,2-4,12-11,1-2,2-1,-1-2,2-3,-1-1,-2 1,-2-1,-1 3,0-1,-1 0,0 0,0 3,0 1,1 1,-1-1,-2 2,-1 0,0 1,-1 1,-4 0,-1 0,-1 1,1-1,-1 0,1-1,-2 1,0 0,-2 1,-1 0,-2 1,-1 0,-3 3,-1 0,-1-1,0 0,5-2,1-2,3-2,2 0,6-5,2 0,3-2,2-1,-1 0,1-2,-19 16,0-1,0-2,2-3,1 0,0-2,1 0,0-1,0 1,2-1,1 0,-1 1,-1 3,-1 1,0 2,22-19,-2 3,-5 5,-3 2,-7 5,-1 2,-3 2,0 1,1 0,-1 1,1 1,-1 0,-4 5,-2 2,25-21,-26 18,-23 16,-14 10,-5 5,-5 3</inkml:trace>
 </inkml:ink>
 </file>
 
@@ -1288,17 +1285,17 @@
           <inkml:channelProperty channel="Y" name="resolution" value="1000" units="1/cm"/>
         </inkml:channelProperties>
       </inkml:inkSource>
-      <inkml:timestamp xml:id="ts0" timeString="2024-05-27T06:56:59.442"/>
+      <inkml:timestamp xml:id="ts0" timeString="2024-05-27T06:47:31.012"/>
     </inkml:context>
     <inkml:brush xml:id="br0">
       <inkml:brushProperty name="width" value="0.2" units="cm"/>
       <inkml:brushProperty name="height" value="0.4" units="cm"/>
-      <inkml:brushProperty name="color" value="#FF40FF"/>
+      <inkml:brushProperty name="color" value="#FFFC00"/>
       <inkml:brushProperty name="tip" value="rectangle"/>
       <inkml:brushProperty name="rasterOp" value="maskPen"/>
     </inkml:brush>
   </inkml:definitions>
-  <inkml:trace contextRef="#ctx0" brushRef="#br0">0 2553,'54'-27,"0"0,7-5,2-2,7-7,3-2,4-3,2-2,-3-1,-1 1,0 0,0 0,1-1,0-1,4-2,0 1,4-3,-1 0,-2 1,-2 0,-6 2,-2-1,-7 4,-3 1,-3 0,-1-1,-3 2,-2 0,-1-1,-2 1,-2 2,-2 1,-4 4,-2 0,33-28,2 10,4 4,-31 26,1-1,7-3,2 0,4-3,1 0,2-2,1 0,-2 1,-1 0,-3 2,0-1,-2 1,-1 1,-1 1,-1 0,-1 1,-1 1,-1 0,-2 2,-4 2,0 2,32-20,-13 9,-15 10,-15 6,-14 6,-10 3,-7 7,-3 3</inkml:trace>
+  <inkml:trace contextRef="#ctx0" brushRef="#br0">0 2343,'43'-46,"-1"0,9-6,3 1,8-1,4 0,8-3,2 0,-2 1,3 1,-19 13,2 0,2-2,5-6,2-1,0-1,0-1,1 1,-1-2,2-2,-1 0,-1 0,-6 2,-1 1,-1 1,-6 5,0-1,-2 2,20-18,-3 3,-10 7,-4 3,-6 5,-3 0,-4 3,-2 0,-2 2,-3 0,28-30,-17 16,-16 17,-12 16,-3 2,7-7,8-7,22-18,15-6,-2 5,-9 10,-22 20,-20 12,-7 5</inkml:trace>
 </inkml:ink>
 </file>
 
@@ -1316,17 +1313,17 @@
           <inkml:channelProperty channel="Y" name="resolution" value="1000" units="1/cm"/>
         </inkml:channelProperties>
       </inkml:inkSource>
-      <inkml:timestamp xml:id="ts0" timeString="2024-05-27T06:57:00.759"/>
+      <inkml:timestamp xml:id="ts0" timeString="2024-05-27T06:47:32.493"/>
     </inkml:context>
     <inkml:brush xml:id="br0">
       <inkml:brushProperty name="width" value="0.2" units="cm"/>
       <inkml:brushProperty name="height" value="0.4" units="cm"/>
-      <inkml:brushProperty name="color" value="#FF40FF"/>
+      <inkml:brushProperty name="color" value="#FFFC00"/>
       <inkml:brushProperty name="tip" value="rectangle"/>
       <inkml:brushProperty name="rasterOp" value="maskPen"/>
     </inkml:brush>
   </inkml:definitions>
-  <inkml:trace contextRef="#ctx0" brushRef="#br0">0 11,'94'0,"-31"0,4 0,6 0,2 0,5 0,0 0,2 0,-2 0,-9 0,-1 0,3 0,0 0,-3 0,-1 0,-3 0,-2 0,-2 0,-2 0,-1 0,-2 0,-2 0,-2 0,-1 0,-1 0,46 0,-8 0,-13 0,-16 0,-18 0,-15 0,-5 0,4-2,5-1,1 0,-4 1,-8 1,-2 1,5 0,1 0,1 0,-2 0,-14 0,-1 0</inkml:trace>
+  <inkml:trace contextRef="#ctx0" brushRef="#br0">1 160,'69'0,"1"0,0 0,13 0,4 0,2 0,-12 0,2 0,1 0,0 0,0 0,1 0,-1 0,-2 0,13 0,-3 0,-2 0,-6 0,-2 0,-1 0,-7 0,0 0,-1 0,31 0,0-2,-31 0,1 0,-1-1,29-3,-2-1,3-2,-2 0,-10 0,-3 0,-11 1,-4 0,-10 1,-5 2,22-3,-19 1,-6 3,13-2,29-3,-37 4,3 0,0-1,-1 1,38-4,-33 4,-28 3,-22 0,-6 2</inkml:trace>
 </inkml:ink>
 </file>
 
@@ -1344,17 +1341,17 @@
           <inkml:channelProperty channel="Y" name="resolution" value="1000" units="1/cm"/>
         </inkml:channelProperties>
       </inkml:inkSource>
-      <inkml:timestamp xml:id="ts0" timeString="2024-05-27T07:01:39.152"/>
+      <inkml:timestamp xml:id="ts0" timeString="2024-05-27T06:49:16.489"/>
     </inkml:context>
     <inkml:brush xml:id="br0">
       <inkml:brushProperty name="width" value="0.2" units="cm"/>
       <inkml:brushProperty name="height" value="0.4" units="cm"/>
-      <inkml:brushProperty name="color" value="#FFFC00"/>
+      <inkml:brushProperty name="color" value="#00FDFF"/>
       <inkml:brushProperty name="tip" value="rectangle"/>
       <inkml:brushProperty name="rasterOp" value="maskPen"/>
     </inkml:brush>
   </inkml:definitions>
-  <inkml:trace contextRef="#ctx0" brushRef="#br0">1 8183,'59'-18,"-12"4,-16 4,4-5,24-22,-9 2,5-6,12-9,2-2,2-1,0 1,-11 7,-5 5,18-12,-21 15,5-7,23-16,-26 20,3-1,5-3,0 1,-6 5,-2 3,29-18,-36 24,-21 11,-3-1,14-11,16-12,9-4,-3 3,-15 13,-17 10,-5 3,15-12,26-21,-17 16,3-2,6-2,0 0,-4 4,-2 2,26-17,-28 20,-21 8,-1-1,9-12,17-14,12-8,-4 3,-13 12,-16 15,-4 3,16-11,25-19,-21 19,4-1,7-5,0 1,-2 2,-2 1,-8 5,-3 2,18-13,-15 7,5-8,23-18,-26 22,2-1,6-3,0 0,-1 2,-1 2,-9 6,-2 2,30-20,-14 10,10-3,14-10,-31 20,0-2,4-1,-1-1,-4 3,-4 1,27-21,-29 19,-3-1,14-15,-16 18,3-2,5-3,0-1,0 3,-2 1,21-17,-17 13,3-1,-9 9,6-5,21-14,7-5,-17 14,1-2,1 0,1-1,-1 0,-1 1,19-14,-5 4,-19 13,-4 2,-10 7,-2 1,-1-1,2 0,11-9,3-3,11-7,4-3,9-6,0-1,-1 1,-2 3,-14 8,-4 2,-11 8,-4 2,23-23,5-9,-26 25,3-2,8-7,2 0,-1-1,-2 2,-8 10,-4 2,22-21,-12 15,21-9,-19 17,5-2,14-6,4-2,-20 14,2-1,0 1,-1 2,1 0,-3 1,22-11,-3 2,-5 1,-2 0,-6 2,0-2,3-5,0-2,7-6,-1-2,3-3,-1-1,1-3,0 0,-3 4,-1 2,-6 5,-2 1,-2 5,-2 2,-4 5,-2 1,-1 1,0 0,1-1,0-2,1 0,0-1,-2 0,-1 1,-7 2,-2 3,23-21,-16 13,1 3,26-14,-18 18,6-3,16-6,4-1,-22 12,1 1,-1 0,27-13,-3 3,-17 8,-5 4,20-7,-44 21,-26 12,-9 3</inkml:trace>
+  <inkml:trace contextRef="#ctx0" brushRef="#br0">0 0,'57'0,"-1"0,4 0,2 0,3 0,2 0,3 0,1 0,1 0,0 0,3 0,1 0,6 0,3 0,2 0,0 0,1 0,0 0,-5 0,-1 0,-8 0,-3 0,-4 0,-1 0,-3 0,-1 0,-2 0,0 0,-1 0,-1 0,-2 0,-1 0,-3 0,-1 0,43 0,-5 0,-4 3,0 0,-1 0,1-1,-3-2,-14 0,-18 0,-17 0,-14 0,3 0,17 3,24 1,24-1,5 2,-17-1,-24 1,-20 0,-4-3,20 0,28 1,-25-1,3 0,5 1,0 0,-4 1,-3-1,30 0,-20-1,-5-2,18 0,23 0,-41 0,1 0,-2 0,-2 0,33 0,-28 0,-26 0,-11 0,7 0,9 0,6 0,-3 0,-13 0,-10 0,-4 0,0 0,8 0,12 0,2 0,-2 0,-15 0,-11 0</inkml:trace>
 </inkml:ink>
 </file>
 
@@ -1372,17 +1369,17 @@
           <inkml:channelProperty channel="Y" name="resolution" value="1000" units="1/cm"/>
         </inkml:channelProperties>
       </inkml:inkSource>
-      <inkml:timestamp xml:id="ts0" timeString="2024-05-27T07:01:40.617"/>
+      <inkml:timestamp xml:id="ts0" timeString="2024-05-27T23:40:53.581"/>
     </inkml:context>
     <inkml:brush xml:id="br0">
       <inkml:brushProperty name="width" value="0.2" units="cm"/>
       <inkml:brushProperty name="height" value="0.4" units="cm"/>
-      <inkml:brushProperty name="color" value="#FFFC00"/>
+      <inkml:brushProperty name="color" value="#A2D762"/>
       <inkml:brushProperty name="tip" value="rectangle"/>
       <inkml:brushProperty name="rasterOp" value="maskPen"/>
     </inkml:brush>
   </inkml:definitions>
-  <inkml:trace contextRef="#ctx0" brushRef="#br0">1 1403,'66'-29,"16"-13,-29 14,2-2,4-3,0 0,1-1,-1 1,-1 0,0 1,-1 0,1-1,2-3,0 1,1-3,1 0,1-2,0 0,-3-1,-2 0,-6 5,-4 0,29-24,-24 13,-22 17,-10 6,1-2,19-15,26-21,-23 24,2 0,-2 1,0 0,26-18,-24 23,-20 14,-2 4,2-4,3-2,-2 2,-12 9,-7 4</inkml:trace>
+  <inkml:trace contextRef="#ctx0" brushRef="#br0">0 350,'52'0,"0"0,16 0,5 0,21 0,6 0,-23 0,2 0,1 0,-2 0,1 0,2 0,10 0,2 0,0 0,-2 0,1 0,-1 0,-2 0,-1 0,1 0,0 0,0 0,-3 0,-15 0,-3 0,0 0,32 0,-2 0,-9 0,-2 0,-6 0,-2 0,-5 0,-1 0,-6 0,-2 0,-4 0,-1 0,-4 0,-1 0,-2 0,0 0,0 0,1 0,-1-1,0-1,2 0,1-2,3 1,2-1,4 0,1-1,4 0,1 0,4 1,2-1,4 0,2 0,4 1,2 0,3 2,2 0,3 0,2 1,-3 1,2 0,-27-1,1-1,2 0,3-1,2-1,-1-1,-1 0,0-2,0 1,0-1,1 0,-2-1,-5 0,-2 0,-1 0,27-3,-3 1,-5-1,-4-1,-10 2,-4-1,-10 3,-3-1,-6 1,-1 1,35-5,-13 0,-13-1,-14 1,-6 0,-8 0,-6 4,-4 2,-7 0,-5 2,-4-2</inkml:trace>
 </inkml:ink>
 </file>
 
@@ -1428,17 +1425,17 @@
           <inkml:channelProperty channel="Y" name="resolution" value="1000" units="1/cm"/>
         </inkml:channelProperties>
       </inkml:inkSource>
-      <inkml:timestamp xml:id="ts0" timeString="2024-05-27T07:01:42"/>
+      <inkml:timestamp xml:id="ts0" timeString="2024-05-27T06:53:25.898"/>
     </inkml:context>
     <inkml:brush xml:id="br0">
       <inkml:brushProperty name="width" value="0.2" units="cm"/>
       <inkml:brushProperty name="height" value="0.4" units="cm"/>
-      <inkml:brushProperty name="color" value="#FFFC00"/>
+      <inkml:brushProperty name="color" value="#FFACD5"/>
       <inkml:brushProperty name="tip" value="rectangle"/>
       <inkml:brushProperty name="rasterOp" value="maskPen"/>
     </inkml:brush>
   </inkml:definitions>
-  <inkml:trace contextRef="#ctx0" brushRef="#br0">1 177,'54'0,"1"0,3 0,1 0,-1 0,0 0,4 0,0 0,1 0,1 0,1 0,0 0,1 0,1 0,-2 0,1 0,-1 0,1 0,0-2,-1 1,1-2,0 0,-3 0,-1-1,-5 0,-1 1,-3 1,-2 1,40-1,-6 2,-1 0,-3 0,4 0,1 0,0-3,4-5,1-6,0-7,-7-1,-11 0,-17 7,-16 5,-15 5,-9 3,-7 0,4 2,17-3,22 0,22-3,7 0,-15 2,-20 1,-27 3,-11 0</inkml:trace>
+  <inkml:trace contextRef="#ctx0" brushRef="#br0">1 208,'77'0,"4"0,6 0,6 0,-4 0,-5 0,-8 0,-4 0,0 0,-3 0,-5 0,-6 0,-10 0,-4 0,-4 0,-1 0,2 0,-1 2,-5 3,-6 0,-7 0,-8-2,-7-1,10 2,4 2,20 2,0 0,-2-3,-9-2,-13-1,-7-1,-8-16,4 0,6-22,6 6,4-2,-6 8,-7 11,-7 6,-11 0,-11-5,-11-3,-9 1,-4 2,-4 6,-4 3,-6 2,-7 2,-4 0,-3 0,4 0,7 0,9-1,5-1,3-1,2 0,6 2,4 1,-3 0,-15 0,-23 6,-21 7,44-2,1 1,-37 15,27-4,29-7,17-6,10-4,1 6,2-4,0 5,0-1,-2 0,0 7,-1 3,-1 2,2-3,1-7,5-7,16 2,22 5,18 6,17 1,7-6,-3-7,-2-6,-6-2,-8 0,-1 0,-2 0,-1 0,-2 0,-5 0,-8 0,-5 0,-9 0,-6 0,-8 0,-7 0,-2 0,10 0,14 0,13 0,3 0,-10 0,-13 0,-15 0,-6 0</inkml:trace>
 </inkml:ink>
 </file>
 
@@ -1456,17 +1453,17 @@
           <inkml:channelProperty channel="Y" name="resolution" value="1000" units="1/cm"/>
         </inkml:channelProperties>
       </inkml:inkSource>
-      <inkml:timestamp xml:id="ts0" timeString="2024-05-27T07:01:55.883"/>
+      <inkml:timestamp xml:id="ts0" timeString="2024-05-27T06:53:52.865"/>
     </inkml:context>
     <inkml:brush xml:id="br0">
       <inkml:brushProperty name="width" value="0.2" units="cm"/>
       <inkml:brushProperty name="height" value="0.4" units="cm"/>
-      <inkml:brushProperty name="color" value="#FF9400"/>
+      <inkml:brushProperty name="color" value="#FFFC00"/>
       <inkml:brushProperty name="tip" value="rectangle"/>
       <inkml:brushProperty name="rasterOp" value="maskPen"/>
     </inkml:brush>
   </inkml:definitions>
-  <inkml:trace contextRef="#ctx0" brushRef="#br0">0 5919,'61'0,"1"-7,-6-9,8-11,12-9,9-9,-41 21,0-1,3-1,0-1,-3-1,-1 1,36-24,-8 5,-15 7,-7 6,-2 3,2-2,4-3,3-1,1-1,0 2,0 1,3 0,4-1,1-3,1-2,-4-1,-3 1,-4 1,0-3,4-1,6-4,7-1,0 1,0 1,2 0,7-5,-37 25,0-1,3 0,0-1,-1 2,-1-1,-1 2,0 0,38-24,-2-1,2-3,-5-1,1-3,-5 2,0 6,-1 2,2 2,6-2,4-3,-39 25,0-1,2-1,1-1,0-2,1 0,-1 0,0 0,-1-1,0 1,-3 2,-1 1,37-24,-3 4,-8 6,-1 3,-1 1,2 1,10 0,6-5,-38 18,0 0,2-3,1-2,1-1,0-2,0 0,0-1,-1-1,1 0,-2 1,0 0,-2 2,1 1,1 0,2 1,2-1,2 0,6-2,1-1,3 0,0-1,2-1,-1 0,-3 4,-2 0,-4 2,-1 0,-2-1,-1 1,-1-1,-1 0,-1-3,1-1,0 0,0-1,-1 2,-1 0,-2 2,1 1,1 0,1 2,-1 0,2 0,3-1,2-1,2-2,2 0,1-2,-1 0,-1 1,-2-1,-3 1,-3 0,-4 1,-3 1,36-29,-6 5,4 4,7 2,-40 24,-1 0,40-22,-17 5,-19 10,-17 9,-1 0,3-1,21-13,15-7,5 0,1 3,-5 10,7-2,-30 14,2-2,9-3,3-2,12-7,3-2,4-3,1-1,3-3,1 0,1-1,-2-1,-4 2,-2 0,-2 0,-3 1,-10 3,-4 2,-12 5,-4 1,15-10,-25 14,-15 11,-9 5,-4 2,-1 2</inkml:trace>
+  <inkml:trace contextRef="#ctx0" brushRef="#br0">30 252,'93'0,"-13"0,-22 0,-21 0,-16-4,-11-7,-7-13,-3-14,0-4,0 4,0 13,0 13,0 6,-15 1,0-2,-14-2,9-1,4 2,6 1,3 4,-10 1,-7 2,-16 0,-2 2,3 3,14 2,10 1,10-1,4 3,1 2,0 0,0 6,-5 11,4-14,-4 9</inkml:trace>
 </inkml:ink>
 </file>
 
@@ -1484,17 +1481,17 @@
           <inkml:channelProperty channel="Y" name="resolution" value="1000" units="1/cm"/>
         </inkml:channelProperties>
       </inkml:inkSource>
-      <inkml:timestamp xml:id="ts0" timeString="2024-05-27T07:01:57.466"/>
+      <inkml:timestamp xml:id="ts0" timeString="2024-05-27T06:53:54.947"/>
     </inkml:context>
     <inkml:brush xml:id="br0">
       <inkml:brushProperty name="width" value="0.2" units="cm"/>
       <inkml:brushProperty name="height" value="0.4" units="cm"/>
-      <inkml:brushProperty name="color" value="#FF9400"/>
+      <inkml:brushProperty name="color" value="#FFFC00"/>
       <inkml:brushProperty name="tip" value="rectangle"/>
       <inkml:brushProperty name="rasterOp" value="maskPen"/>
     </inkml:brush>
   </inkml:definitions>
-  <inkml:trace contextRef="#ctx0" brushRef="#br0">1 1627,'40'0,"9"0,0 0,6 0,3-5,4-9,10-14,10-17,-37 18,1-2,4-3,-1 0,0 0,-2 0,-2 3,-3 0,33-20,-11 8,-3 4,7 1,4 0,8-4,0-1,-3 1,-4-1,-6 3,-4 0,-2-1,2 0,1-7,2-6,4-3,-4 2,-5 7,-14 11,-4 4,4 0,13-4,6-5,-4 3,-15 9,-7 4,13-9,17-10,-28 15,1 0,36-26,-19 14,-23 15,-20 15,-8 6</inkml:trace>
+  <inkml:trace contextRef="#ctx0" brushRef="#br0">1 162,'57'-11,"-10"3,-23 8,-6-4,6-3,12-5,6-5,0 2,-11 3,-13 4,-9 4,-6-4,-3-3,0-4,0 2,-1 3,-13 5,-14 3,-20 6,-5 4,3 2,15 0,14-4,12-4,5-2</inkml:trace>
 </inkml:ink>
 </file>
 
@@ -1512,17 +1509,17 @@
           <inkml:channelProperty channel="Y" name="resolution" value="1000" units="1/cm"/>
         </inkml:channelProperties>
       </inkml:inkSource>
-      <inkml:timestamp xml:id="ts0" timeString="2024-05-27T07:01:59.149"/>
+      <inkml:timestamp xml:id="ts0" timeString="2024-05-27T06:54:05.947"/>
     </inkml:context>
     <inkml:brush xml:id="br0">
       <inkml:brushProperty name="width" value="0.2" units="cm"/>
       <inkml:brushProperty name="height" value="0.4" units="cm"/>
-      <inkml:brushProperty name="color" value="#FF9400"/>
+      <inkml:brushProperty name="color" value="#FFFC00"/>
       <inkml:brushProperty name="tip" value="rectangle"/>
       <inkml:brushProperty name="rasterOp" value="maskPen"/>
     </inkml:brush>
   </inkml:definitions>
-  <inkml:trace contextRef="#ctx0" brushRef="#br0">0 1798,'48'-5,"5"-5,6-7,5-4,-2-3,5-8,8-10,9-6,-39 21,1-1,-2 0,-1 0,39-27,-5 0,-4 3,-1 2,-3 4,-1 1,-5 5,-2-1,3-6,5-10,-32 23,1 0,0-2,0 1,32-31,-9 11,-3 4,0 2,2-5,-2 4,-9 6,-10 9,-7 10,9-2,29-12,-20 12,4-1,10-5,1 0,0 1,-2 2,-11 5,-5 3,19-6,-30 14,-7 4,16-2,25-6,12-1,-3 4,-24 7,-21 3,-15 3,-10-1,-4 1</inkml:trace>
+  <inkml:trace contextRef="#ctx0" brushRef="#br0">1 21,'90'0,"1"0,-7 0,-19 0,-22 0,-8 0,9 0,22 0,18 0,3 0,-14 0,-24 0,-18 0,-11 0,6 0,16 0,23 0,22 0,3 0,-5 0,-11 0,-6 0,4 0,6 0,10 0,5 0,-4 0,-6 0,-7 0,-7 0,-1 0,-3 0,-4 0,-1 0,-9-4,-11-2,-10 0,-8 2,8 4,14 0,22 0,13 0,-1 0,-14 0,-21 0,-18 0,-16 0,-3 0</inkml:trace>
 </inkml:ink>
 </file>
 
@@ -1540,17 +1537,17 @@
           <inkml:channelProperty channel="Y" name="resolution" value="1000" units="1/cm"/>
         </inkml:channelProperties>
       </inkml:inkSource>
-      <inkml:timestamp xml:id="ts0" timeString="2024-05-27T07:02:17.217"/>
+      <inkml:timestamp xml:id="ts0" timeString="2024-05-27T06:54:25.919"/>
     </inkml:context>
     <inkml:brush xml:id="br0">
       <inkml:brushProperty name="width" value="0.2" units="cm"/>
       <inkml:brushProperty name="height" value="0.4" units="cm"/>
-      <inkml:brushProperty name="color" value="#FF9400"/>
+      <inkml:brushProperty name="color" value="#FFFC00"/>
       <inkml:brushProperty name="tip" value="rectangle"/>
       <inkml:brushProperty name="rasterOp" value="maskPen"/>
     </inkml:brush>
   </inkml:definitions>
-  <inkml:trace contextRef="#ctx0" brushRef="#br0">1 35,'71'0,"1"0,-2 0,1 0,12 0,3 0,3 0,0 0,-1 0,0 0,1 0,-2 0,-10 0,-4 0,-9 0,-3 0,-6-1,-3-1,38-3,-3-1,2-2,1 2,3 2,-8 1,-5 3,-4 0,-3 0,5 0,6 0,5 3,-2 3,-12 1,-10-1,-6-4,-1 1,-1 0,-8 2,-15 0,-12-3,-10 2,-4-1,10-1,33 5,-25-5,18 3</inkml:trace>
+  <inkml:trace contextRef="#ctx0" brushRef="#br0">1 4,'60'0,"0"0,16 0,7 0,-12 0,4 0,3 0,13 0,3 0,1 0,0 0,0 0,0 0,-1 0,-1 0,-1 0,-8 0,-2 0,-1 0,-10 0,-3 0,0 0,31 0,-3 0,-10 0,-3 0,-5 0,-3 0,-3 0,-3 0,-5 0,-2 0,-3 0,-2 0,-3 0,-3 0,44 0,-9 0,-8 0,1 0,-3 0,1 0,-2 0,-3 0,-5 0,-8 0,-13 0,-12 0,-13 0,-9 0,-4-2,-2 1</inkml:trace>
 </inkml:ink>
 </file>
 
@@ -1568,17 +1565,17 @@
           <inkml:channelProperty channel="Y" name="resolution" value="1000" units="1/cm"/>
         </inkml:channelProperties>
       </inkml:inkSource>
-      <inkml:timestamp xml:id="ts0" timeString="2024-05-27T07:02:18.700"/>
+      <inkml:timestamp xml:id="ts0" timeString="2024-05-27T06:54:41.369"/>
     </inkml:context>
     <inkml:brush xml:id="br0">
       <inkml:brushProperty name="width" value="0.2" units="cm"/>
       <inkml:brushProperty name="height" value="0.4" units="cm"/>
-      <inkml:brushProperty name="color" value="#FF9400"/>
+      <inkml:brushProperty name="color" value="#FFFC00"/>
       <inkml:brushProperty name="tip" value="rectangle"/>
       <inkml:brushProperty name="rasterOp" value="maskPen"/>
     </inkml:brush>
   </inkml:definitions>
-  <inkml:trace contextRef="#ctx0" brushRef="#br0">1 38,'57'0,"1"0,3 0,2 0,9 0,1 0,2 0,-1 0,1 0,1 0,-1 0,-1 0,-2 0,1 0,5 0,2 0,0 0,1 0,0 0,0 0,0 0,1 0,-5 0,-1 0,1 0,-1 0,-5 0,-2 0,-9 0,-4 0,33 0,-32 0,-21 0,-16 0,-10 0,1 0,19 0,31-3,29-4,4-3,-19 0,-28 5,-29 3,-8 2</inkml:trace>
+  <inkml:trace contextRef="#ctx0" brushRef="#br0">0 427,'83'0,"-1"0,13 0,4 0,-23 0,3 0,1 0,3 0,1 0,1 0,0 0,1 0,-1 0,-3 0,-1 0,0 0,-3 0,-1 0,0 0,-3 0,-1 0,-2 0,30 0,-3 0,-2 1,-2-2,-6-1,-2 0,-3-2,0 0,-2 0,1 1,-3-1,0 1,1 1,-2 2,-3 0,-2 0,-3-1,-2-1,-5 0,0 0,-2-1,-1 0,-1-1,0 1,1 1,0 0,2-1,0 0,1 1,0 0,-2 1,0-1,-1-1,-1 0,-6 1,-1 0,42-1,-5-3,-4 2,1 1,0 0,0 3,2-2,9-1,-45 0,0-1,0 1,1 0,-2-1,0 1,42-4,-6 1,-2 0,-2 3,-2 1,-6 2,-3 0,-5 0,-1 0,2 0,-3 0,-1 0,4 0,5 0,3 0,0 0,-1 0,-4 0,-1 0,-9 0,-12 0,-15 0,-10 0,-2 0,2 0,1 0,-3 0,-6 0,-2 0,2 0,3 0,3 0,-4 0,-6 0,-4 0,-5-23,-1-11,-2-22,0 2,-5 9,-3 14,-10 11,-16 9,-21 6,-34 2,34 2,-3 0,-5 1,-2 0,-2 0,1 0,5 0,1 0,3 0,1 0,3 0,1 0,-47 0,48 0,0 0,-48 2,-1 1,1 3,4 5,1 3,0 5,45-8,0 0,-1-1,1 0,-47 9,7-6,8-7,-1-4,-5-2,-9 0,43-1,-2 0,-4-1,-3 0,-7-1,-4 0,-4-1,-1 1,-7 0,-1 2,-2-1,0 0,4 2,1 0,2 0,2 0,5 0,3 0,4 0,1 0,3 0,2 0,3 0,2 0,2 0,0 0,2 0,1 0,-44 0,4 0,6 0,12 0,2 0,4 0,-2-1,-6-5,-5-3,-9-4,-8-1,46 7,-2 1,-2 0,-1 2,1 0,-1 1,0 2,0 0,0 0,1 2,3-1,0 0,-48 0,5 0,9 0,15 0,18 0,19 0,2 3,-12 5,-25 5,-29 5,43-8,-1-1,2-1,3 0,-30 3,34-4,26-2,13 1,5 3,-2 9,-6 10,-2 6,1 6,6 1,4-2,2-4,0-9,0-7,6-8,11-2,30 2,44-1,-32-4,5-1,12-1,1-2,5-1,0-1,-3 0,1 0,-1 0,0 0,-6 0,0 0,-6 0,-1 0,2 0,0 0,0 0,2 0,9 0,3 0,5 0,0 0,5 0,1 0,-1 0,-2 0,-6 3,-1 1,-3 1,-1 1,-5 0,-1-1,2 1,0-2,2-2,2-1,3-1,0 0,1 0,0 0,-4 0,-1 0,-4 0,-1 0,-4 0,-1 0,3 0,1 0,4 0,2 0,3 0,1 0,3 0,0 0,-4 0,-2 2,-5 0,-2 1,-4 2,-2 0,-2 0,0 1,-2 0,0 2,-3-1,0 0,-1 0,-1 1,-1-1,0-1,0-1,-1-1,43 3,-15-4,-18-1,-3-2,21 0,-30 0,3 0,9 0,2 0,1 0,-2 0,-10 1,-4 1,21 0,-33 2,-19 1,-1 2,6 4,3 2,1-1,-7-5,-10-3,-10 0,-6 2</inkml:trace>
 </inkml:ink>
 </file>
 
@@ -1596,7 +1593,7 @@
           <inkml:channelProperty channel="Y" name="resolution" value="1000" units="1/cm"/>
         </inkml:channelProperties>
       </inkml:inkSource>
-      <inkml:timestamp xml:id="ts0" timeString="2024-05-27T07:44:36.487"/>
+      <inkml:timestamp xml:id="ts0" timeString="2025-05-19T07:00:43.403"/>
     </inkml:context>
     <inkml:brush xml:id="br0">
       <inkml:brushProperty name="width" value="0.2" units="cm"/>
@@ -1606,7 +1603,7 @@
       <inkml:brushProperty name="rasterOp" value="maskPen"/>
     </inkml:brush>
   </inkml:definitions>
-  <inkml:trace contextRef="#ctx0" brushRef="#br0">0 1,'90'2,"1"0,-5 0,7-1,5 0,-21-1,4 0,3 0,1 0,1 0,10 0,2 0,1 0,1 0,0 0,-1 0,0 0,1 0,-2 0,0 0,-8 0,1 0,-2 0,-2 0,-1 0,10 0,-3 0,-1 0,-3 0,-11 0,-2 0,-1 0,-2 0,11 0,-1 0,-3 0,-4 0,-2 0,-1 0,-5 0,-1 0,0 0,28 0,-1 0,-7 0,0 0,-4-1,-1 2,-3 1,0 2,2 1,1 1,3 1,1 2,4 0,1 0,3-2,-1-1,-5-2,-2 0,-5-2,-4-1,-12 0,-4 1,35 4,-30 2,-25 2,-17-1,-13-1,-6 1,-4 16,-1-14,0 10</inkml:trace>
+  <inkml:trace contextRef="#ctx0" brushRef="#br0">0 1,'34'0,"22"2,-19 0,9 1,-24-1,-15-1,3-1,5 0,11 1,4 2,-1-1,-6-1,-10-1,-5 0,13 0,-12 0,14 0,-17 0,8 0,-2 0,3 0,-4 0</inkml:trace>
 </inkml:ink>
 </file>
 
@@ -1624,7 +1621,7 @@
           <inkml:channelProperty channel="Y" name="resolution" value="1000" units="1/cm"/>
         </inkml:channelProperties>
       </inkml:inkSource>
-      <inkml:timestamp xml:id="ts0" timeString="2024-05-27T07:44:38.854"/>
+      <inkml:timestamp xml:id="ts0" timeString="2025-05-19T07:00:45.665"/>
     </inkml:context>
     <inkml:brush xml:id="br0">
       <inkml:brushProperty name="width" value="0.2" units="cm"/>
@@ -1634,7 +1631,7 @@
       <inkml:brushProperty name="rasterOp" value="maskPen"/>
     </inkml:brush>
   </inkml:definitions>
-  <inkml:trace contextRef="#ctx0" brushRef="#br0">13020 1,'-56'6,"-14"18,19-2,-3 5,-15 15,-3 5,18-11,-2 3,-1 0,-7 7,-2 1,0 1,-4 2,-1 2,-1 0,-1 0,-1 1,0-1,0 0,1 0,0-2,4-3,1-1,1 0,3-3,1-1,1 0,3-4,0-2,1 1,-1-2,0 0,1-1,-26 13,1-1,5-3,2 1,4-2,3 1,6-3,3 1,4-1,2 1,2 1,1 1,1 1,0 1,-2 5,0 1,-3 2,-1 0,-3 3,-2-1,-2 1,-2 0,-1 1,-1 0,-3 0,-1 1,1-3,1 0,0 0,0 0,2-1,1 1,2 0,1 2,0 2,2 2,-1 2,1 2,-2 1,-1 3,17-18,-1 2,0 1,-2 3,-1 1,-1 2,-3 2,0 1,-1 0,-4 5,-2 1,-1 0,-4 2,-1-1,-3 1,12-14,-1 0,-1 0,0 0,-5 3,-1-1,0 1,-1 0,0 0,0 1,-1-1,0 0,1-1,-1-1,0 0,2-2,4-3,1 0,1-2,0 0,-16 10,2 0,0-3,5-4,1-1,1-2,7-3,0-2,1-1,1-2,1 0,0-1,-21 17,2-1,3-4,1-1,2 0,0 0,0 1,0-1,0-1,-1 0,1-1,0-1,-2-2,1 0,2-2,-1 0,0-2,-1 1,-1 2,-1 1,-6 7,-3 1,22-14,-3 0,0 1,-2 3,-2 2,0-1,0 1,-2 1,2-1,2 0,0 1,1-1,5 0,0-1,1 1,2-1,1 1,0-1,4-2,1 1,0-2,-19 19,0 0,20-17,-1 0,-1 2,-4 2,-1 2,-1 1,-10 10,-3 2,-2 2,9-9,-1 1,-3 2,0 0,9-8,-1 0,0 1,-1 0,0-1,-1 0,0 0,-1 0,1-1,1-1,-11 8,1-1,1-1,3-3,-7 5,2-2,6-6,-6 4,9-6,20-14,8-4,3 3,14-9,-5 10,-9 13,-7 8,6-2,10-15,10-13,6-14,2-7,2-4</inkml:trace>
+  <inkml:trace contextRef="#ctx0" brushRef="#br0">0 17,'39'-7,"1"3,-8 2,-3 2,-14 0,-1 0,-4-1,4 0,5 0,-2 1,3 0,1 0,0 0,6 0,1 1,-3 1,3 0,-8-1,-3 1,0-1,-10 0,4-1</inkml:trace>
 </inkml:ink>
 </file>
 
@@ -1652,7 +1649,7 @@
           <inkml:channelProperty channel="Y" name="resolution" value="1000" units="1/cm"/>
         </inkml:channelProperties>
       </inkml:inkSource>
-      <inkml:timestamp xml:id="ts0" timeString="2024-05-27T07:44:45.203"/>
+      <inkml:timestamp xml:id="ts0" timeString="2024-05-27T06:56:51.225"/>
     </inkml:context>
     <inkml:brush xml:id="br0">
       <inkml:brushProperty name="width" value="0.2" units="cm"/>
@@ -1662,7 +1659,7 @@
       <inkml:brushProperty name="rasterOp" value="maskPen"/>
     </inkml:brush>
   </inkml:definitions>
-  <inkml:trace contextRef="#ctx0" brushRef="#br0">1 3753,'57'-15,"1"0,26-11,8-6,-9 2,5-3,4-2,-10 4,4-1,1-1,2-1,-12 5,2 0,1-1,1 1,1-1,2 0,2 0,0 1,0-1,1 1,0-1,1 1,1 0,-1 1,1-1,-1 1,1 0,-1 0,1 1,0 0,0 0,-1 0,1 1,0-1,0 1,-1-1,0 0,0 0,0 0,-2-1,-3 2,-1 0,0 0,-1 0,-1 0,14-5,-2 0,-1 0,-2 0,-9 3,-2 0,-1 0,-2 1,20-8,-1 2,-3 0,-3 2,-3 0,0 1,-6 2,-1 2,-2 0,-2 1,-2 0,-1 2,-5 1,-1 0,-1 1,30-11,0 0,-5 2,-1 1,-6 2,0 1,-3 1,0 1,-1 2,0 0,1 0,1 1,-3 0,0 1,-3 0,-1 1,-1-1,1 0,0-1,1 0,4-2,2 1,5-1,0 0,5 0,1-1,3 0,0 0,2-1,0-1,-29 8,0 1,1-1,1 0,1 0,0-1,3 0,0-1,0 1,1 1,0-1,-1 1,-2 0,-1 0,-1 0,-3 2,0 1,-1 0,26-6,-2 2,-2 3,-1 1,-3 3,-1 1,-2 1,-1 2,0 0,0 1,-3 1,1 0,1 0,0 1,7-1,1 1,2 1,1-1,3 0,1 0,2 0,-1-2,-4 0,0-1,-1-1,-1-1,-3-2,0 1,-4-1,-1 1,-4-1,0 1,-1 0,-2-1,0 1,-1 0,-5 0,-2 1,-9 1,-2 0,42-9,-18 4,-15 3,-12 3,-21 3,-9 1,4 0,6-1,3 0,-3 0,-6 1,-8 1,4-1,4-3,7-3,9-4,7-5,5-5,9-6,5-10,1 0,-5 3,-15 8,-14 11,-9 5,-7 4,-2 1,-3 1,-2 3,-1 2,-3 0</inkml:trace>
+  <inkml:trace contextRef="#ctx0" brushRef="#br0">0 3656,'86'0,"-36"0,4-1,17-1,5-2,4-2,1-3,5-3,2-2,5-4,0-3,-26 5,0-2,0 1,3-2,0 1,0-1,1-2,-1 0,0-1,0 0,-1 0,0-1,-5 1,0-1,-1-1,0 0,0 0,-1 0,25-8,-1 0,-7 3,-2 2,-3 2,-2 2,-5 1,0 1,-1 1,-2-1,-3 1,0-1,-3 0,0 1,-2-1,-1 0,-1 1,-1 1,-2 0,0 1,-2 1,0-1,0 0,-1 0,1-2,1 0,0 0,0 0,-1 0,0 0,43-20,-9 4,-3 1,2 3,2 0,9 0,-42 15,1 1,4-1,1 1,3-1,2-1,1 0,2-2,3 0,0-1,6-4,1 0,10-3,3-1,-24 8,1 0,0 0,2-1,0 0,0 0,3 0,-1-1,1 1,-3-1,0-1,0 1,1-2,1 0,1-1,2 0,1 0,0 0,-1-1,1 0,-1 1,1 0,-1 1,-1 0,-3 1,-2 1,0 0,28-11,-1 2,-30 10,1 0,-1 2,31-10,0 1,-29 10,1-1,0 2,3-1,0 1,0 0,-2-1,0 1,0 0,0-1,0 0,-1 0,25-8,-1-1,-8 1,-1 1,-2 0,1 0,1 0,2 0,4 0,1 2,3 0,-1 2,-2 2,-2 1,-2 2,-2 0,-7 4,-1 0,-3 2,1 0,1 2,0 0,1 0,1 0,2-3,2-1,1-2,0-1,2-2,-1-2,2 0,-1 0,-2-1,-1-1,-6 1,-1 0,-6 0,-2 0,-6 1,-2-1,-4 3,-1-1,42-16,-6 3,-7 4,-8 4,-10 8,-6 6,-2 6,3 3,14 1,9-3,6-3,-13-1,-23-1,-19 3,-16 1,-8 1,-4-1</inkml:trace>
 </inkml:ink>
 </file>
 
@@ -1680,7 +1677,7 @@
           <inkml:channelProperty channel="Y" name="resolution" value="1000" units="1/cm"/>
         </inkml:channelProperties>
       </inkml:inkSource>
-      <inkml:timestamp xml:id="ts0" timeString="2024-05-27T07:44:46.604"/>
+      <inkml:timestamp xml:id="ts0" timeString="2024-05-27T06:56:52.792"/>
     </inkml:context>
     <inkml:brush xml:id="br0">
       <inkml:brushProperty name="width" value="0.2" units="cm"/>
@@ -1690,7 +1687,7 @@
       <inkml:brushProperty name="rasterOp" value="maskPen"/>
     </inkml:brush>
   </inkml:definitions>
-  <inkml:trace contextRef="#ctx0" brushRef="#br0">1 36,'96'0,"1"0,-19 0,3 0,3 0,12 0,4 0,0 0,-21 0,2 0,-1 0,0 0,20 0,-1 0,-3 0,-7 0,-2 0,-2 0,-7 0,-2 0,-2 0,-5 0,0 0,-2 0,29-2,-2-1,-11 0,-5-1,-10 1,-5-1,22-4,-35 4,-25 2,-15 0,-4 2</inkml:trace>
+  <inkml:trace contextRef="#ctx0" brushRef="#br0">1 172,'95'0,"-2"0,-14 0,1 0,3 0,7 0,-37 0,1 0,5 0,2 0,4 0,2 0,1 0,0 0,-4 0,-1 0,-5 0,0 0,-4 0,-1 0,-2-1,-1-1,41-3,-19-3,-16-2,-6 2,14 0,25-2,-37 5,1 1,1-1,-1 1,30-3,-29 4,-15 1,1 2,13 0,10 0,-4 0,-13 0,-19 0,-15-3,6-11,45-16,-34 12,30-6</inkml:trace>
 </inkml:ink>
 </file>
 
@@ -1736,17 +1733,17 @@
           <inkml:channelProperty channel="Y" name="resolution" value="1000" units="1/cm"/>
         </inkml:channelProperties>
       </inkml:inkSource>
-      <inkml:timestamp xml:id="ts0" timeString="2024-05-27T07:44:50.270"/>
+      <inkml:timestamp xml:id="ts0" timeString="2024-05-27T06:56:57.992"/>
     </inkml:context>
     <inkml:brush xml:id="br0">
       <inkml:brushProperty name="width" value="0.2" units="cm"/>
       <inkml:brushProperty name="height" value="0.4" units="cm"/>
-      <inkml:brushProperty name="color" value="#FFACD5"/>
+      <inkml:brushProperty name="color" value="#FF40FF"/>
       <inkml:brushProperty name="tip" value="rectangle"/>
       <inkml:brushProperty name="rasterOp" value="maskPen"/>
     </inkml:brush>
   </inkml:definitions>
-  <inkml:trace contextRef="#ctx0" brushRef="#br0">0 646,'49'0,"1"0,7 0,8 0,25 0,-37 1,1-2,6-3,2-2,4-2,0-4,-1-3,0-2,2-4,0-1,-1 3,-1-1,-5 2,-2 2,-4 3,-1 2,44-3,-11 4,-6 4,-1 0,1-3,5-1,4-4,-3-2,-2 0,-4-4,0-1,-2-3,-1 0,2 2,1 1,7-1,-39 9,2-1,1-1,2-1,2-1,-1 0,-4 1,-1 0,29-9,-23 6,-22 8,-14 5,-7 3,6 3,-10 0,6 0</inkml:trace>
+  <inkml:trace contextRef="#ctx0" brushRef="#br0">0 6823,'57'-46,"10"4,10-5,-33 22,1-1,7-5,0-2,3-5,1-2,5-3,2-2,3-4,1-2,2 0,0-1,2-1,0 1,-2 0,-1 1,-4 3,-1 1,-3 2,-2 0,-4 4,-2 1,-3 3,0 1,-5 3,0 1,37-24,-6 1,-8 4,-11 6,-12 10,-14 13,-10 5,0-1,5-6,5-2,0 2,-5 6,-3-3,8-8,21-19,20-18,-33 33,-1 0,31-27,-12 11,5-8,-23 21,4-2,12-9,3-1,5-6,1 1,-4 3,-2 3,-8 6,-3 2,27-23,-14 13,6-6,10-6,-4 3,-6 3,-21 19,-14 12,-3 4,5-6,4-3,1 0,-7 6,-6 8,3-3,17-5,19-11,11-4,-6 3,-20 11,-12 4,1-1,17-9,23-9,6-1,-6 2,-10 3,-4-2,18-12,-33 20,2-2,-1 0,-2 0,34-23,-20 9,-11 5,13-11,-23 19,3-2,3-1,0-1,-3 2,-1 2,19-16,-11 12,1-1,22-13,-21 14,4-3,8-4,0-2,-1 2,-3 1,-7 5,-3 3,24-18,0 1,-24 19,4-3,17-10,5-3,-18 12,3-2,0 0,1-1,1 0,-1-1,-2 0,0-1,-2 1,-2 1,-1 0,-1-1,1-2,-1-1,2-1,6-6,0-2,2-1,4-3,2-1,1 0,-13 10,2 0,0-1,0 1,2 0,1 1,1 1,-1 0,18-12,1 2,-1 2,0 1,0 0,-2 3,-6 4,-2 2,-1 0,-3 3,-2 0,-1 1,22-15,-8 5,-31 20,-6 3,17-13</inkml:trace>
 </inkml:ink>
 </file>
 
@@ -1764,17 +1761,17 @@
           <inkml:channelProperty channel="Y" name="resolution" value="1000" units="1/cm"/>
         </inkml:channelProperties>
       </inkml:inkSource>
-      <inkml:timestamp xml:id="ts0" timeString="2024-05-27T07:44:51.654"/>
+      <inkml:timestamp xml:id="ts0" timeString="2024-05-27T06:56:59.442"/>
     </inkml:context>
     <inkml:brush xml:id="br0">
       <inkml:brushProperty name="width" value="0.2" units="cm"/>
       <inkml:brushProperty name="height" value="0.4" units="cm"/>
-      <inkml:brushProperty name="color" value="#FFACD5"/>
+      <inkml:brushProperty name="color" value="#FF40FF"/>
       <inkml:brushProperty name="tip" value="rectangle"/>
       <inkml:brushProperty name="rasterOp" value="maskPen"/>
     </inkml:brush>
   </inkml:definitions>
-  <inkml:trace contextRef="#ctx0" brushRef="#br0">0 427,'80'0,"13"0,-41 0,3 0,3 0,1 0,4 0,1 0,2 0,1 0,-1 0,1 0,3 0,1 0,-4-2,0-1,-4-1,-1-1,-3-1,-2-2,-2-1,-2 0,-3-1,-2 0,46-10,-12 2,-16 3,-19 5,-18 2,-5 0,16-4,23-5,24-7,-38 12,-1 0,37-8,-23 5,-24 4,-16 2,1-6,14-5,20-8,12-4,3 5,-12 9,-28 10,-11 6</inkml:trace>
+  <inkml:trace contextRef="#ctx0" brushRef="#br0">0 2553,'54'-27,"0"0,7-5,2-2,7-7,3-2,4-3,2-2,-3-1,-1 1,0 0,0 0,1-1,0-1,4-2,0 1,4-3,-1 0,-2 1,-2 0,-6 2,-2-1,-7 4,-3 1,-3 0,-1-1,-3 2,-2 0,-1-1,-2 1,-2 2,-2 1,-4 4,-2 0,33-28,2 10,4 4,-31 26,1-1,7-3,2 0,4-3,1 0,2-2,1 0,-2 1,-1 0,-3 2,0-1,-2 1,-1 1,-1 1,-1 0,-1 1,-1 1,-1 0,-2 2,-4 2,0 2,32-20,-13 9,-15 10,-15 6,-14 6,-10 3,-7 7,-3 3</inkml:trace>
 </inkml:ink>
 </file>
 
@@ -1792,17 +1789,17 @@
           <inkml:channelProperty channel="Y" name="resolution" value="1000" units="1/cm"/>
         </inkml:channelProperties>
       </inkml:inkSource>
-      <inkml:timestamp xml:id="ts0" timeString="2024-05-27T07:45:12.637"/>
+      <inkml:timestamp xml:id="ts0" timeString="2024-05-27T06:57:00.759"/>
     </inkml:context>
     <inkml:brush xml:id="br0">
       <inkml:brushProperty name="width" value="0.2" units="cm"/>
       <inkml:brushProperty name="height" value="0.4" units="cm"/>
-      <inkml:brushProperty name="color" value="#00FDFF"/>
+      <inkml:brushProperty name="color" value="#FF40FF"/>
       <inkml:brushProperty name="tip" value="rectangle"/>
       <inkml:brushProperty name="rasterOp" value="maskPen"/>
     </inkml:brush>
   </inkml:definitions>
-  <inkml:trace contextRef="#ctx0" brushRef="#br0">23 0,'0'72,"0"1,0 17,0 7,0-41,0 1,0 5,0 1,0 0,0-1,0-2,0-2,0-6,0-1,0 41,0-7,0-2,0-2,0-5,0-4,0-5,0 0,0 5,0 5,0 1,0 2,0-5,0-5,-5-5,-1-7,0-2,0-3,6-6,0-10,0-6,0 3,0 9,0 10,2 0,3-9,1-12,1-13,-1-8,0-6,11-1,19 0,33 2,-18-2,4-2,13 0,3 0,13-1,3-1,5 0,2-3,4-1,-1-2,0-4,-1-3,-6-2,-3-1,-8-1,-3 1,-11 1,-2 2,-9 3,-1 2,40-6,1 5,-44 5,1-1,4 1,2-1,3 1,1-1,2 2,0 0,-1-1,0 1,-3 1,-1 0,-2 0,-1 0,44 0,-7 2,-7 0,-2 0,2 0,7 0,6 0,-46 0,-1 0,3 0,-1 0,1 0,-1 0,0 0,0 0,-2 0,0 0,0 0,-1 0,44 0,-7 0,-11 0,-16 0,-13 0,-14 0,-13 0,-8 2,-8 7,-3 4</inkml:trace>
+  <inkml:trace contextRef="#ctx0" brushRef="#br0">0 11,'94'0,"-31"0,4 0,6 0,2 0,5 0,0 0,2 0,-2 0,-9 0,-1 0,3 0,0 0,-3 0,-1 0,-3 0,-2 0,-2 0,-2 0,-1 0,-2 0,-2 0,-2 0,-1 0,-1 0,46 0,-8 0,-13 0,-16 0,-18 0,-15 0,-5 0,4-2,5-1,1 0,-4 1,-8 1,-2 1,5 0,1 0,1 0,-2 0,-14 0,-1 0</inkml:trace>
 </inkml:ink>
 </file>
 
@@ -1820,17 +1817,17 @@
           <inkml:channelProperty channel="Y" name="resolution" value="1000" units="1/cm"/>
         </inkml:channelProperties>
       </inkml:inkSource>
-      <inkml:timestamp xml:id="ts0" timeString="2024-05-27T07:45:24.519"/>
+      <inkml:timestamp xml:id="ts0" timeString="2024-05-27T07:01:40.617"/>
     </inkml:context>
     <inkml:brush xml:id="br0">
       <inkml:brushProperty name="width" value="0.2" units="cm"/>
       <inkml:brushProperty name="height" value="0.4" units="cm"/>
-      <inkml:brushProperty name="color" value="#FFACD5"/>
+      <inkml:brushProperty name="color" value="#FFFC00"/>
       <inkml:brushProperty name="tip" value="rectangle"/>
       <inkml:brushProperty name="rasterOp" value="maskPen"/>
     </inkml:brush>
   </inkml:definitions>
-  <inkml:trace contextRef="#ctx0" brushRef="#br0">1 0,'0'65,"0"9,0 2,0 18,0-43,0 2,0 2,0 1,0 0,0-1,0-2,0-1,0-1,0-1,0 1,0 1,0 0,0 1,0 4,0 3,0 1,0 2,0 4,0 0,0 3,0 0,0-4,0-2,0-4,0-1,0-7,0-3,0 37,0-3,0-5,0 3,3 2,1 2,2 2,1 0,2 1,1-4,-1-3,-1-7,-3-14,-1-16,-2-16,-2-17,32-19,26-11,-10 3,5 0,11-1,2 2,1-1,-2 1,-7 2,-4 1,33-5,-33 8,-5 7,10 1,18-3,16 1,-41 0,0 0,2 1,0 0,-2 0,0 0,46 0,-10 1,-6 1,-1 0,5 0,9-2,-41 0,0 0,1 0,1 0,0 1,0 0,-1 0,0 2,-3-1,-1 0,44 0,-10 0,-11 0,-5 0,-3 0,-2 0,0 0,-2 0,-2 0,-8 0,-12 0,-12 0,-12 0,0 0,14 0,20 0,10 0,-5 0,-17 0,-24 0,-6 0</inkml:trace>
+  <inkml:trace contextRef="#ctx0" brushRef="#br0">1 1403,'66'-29,"16"-13,-29 14,2-2,4-3,0 0,1-1,-1 1,-1 0,0 1,-1 0,1-1,2-3,0 1,1-3,1 0,1-2,0 0,-3-1,-2 0,-6 5,-4 0,29-24,-24 13,-22 17,-10 6,1-2,19-15,26-21,-23 24,2 0,-2 1,0 0,26-18,-24 23,-20 14,-2 4,2-4,3-2,-2 2,-12 9,-7 4</inkml:trace>
 </inkml:ink>
 </file>
 
@@ -1848,7 +1845,7 @@
           <inkml:channelProperty channel="Y" name="resolution" value="1000" units="1/cm"/>
         </inkml:channelProperties>
       </inkml:inkSource>
-      <inkml:timestamp xml:id="ts0" timeString="2024-05-27T07:45:30.368"/>
+      <inkml:timestamp xml:id="ts0" timeString="2024-05-27T07:01:42"/>
     </inkml:context>
     <inkml:brush xml:id="br0">
       <inkml:brushProperty name="width" value="0.2" units="cm"/>
@@ -1858,7 +1855,7 @@
       <inkml:brushProperty name="rasterOp" value="maskPen"/>
     </inkml:brush>
   </inkml:definitions>
-  <inkml:trace contextRef="#ctx0" brushRef="#br0">0 5870,'61'-34,"5"-9,12-12,-39 24,0-1,2 0,1-1,1-2,1-1,1-2,2-2,3-2,1 0,1-1,0 0,0 1,-1 0,1 2,-1 1,-2 0,-2 1,0 0,-1 0,-2 2,0 1,-2 1,-1 0,-2 1,-1 1,33-28,-1 2,-2 1,1 2,0-2,-2 0,4-1,1-4,-35 29,1 0,-1 0,1-1,1-1,0-1,-2 0,1 1,35-33,-1 1,-3 4,4-3,-34 32,1-2,1 0,1 0,0-1,-1 0,0 1,0-1,-4 3,0 0,35-32,1 2,-1 2,4 2,3-1,-37 30,0-1,1 0,1-2,-1-1,-1 0,-1 1,-2 0,34-33,-2 1,-35 32,1 0,1-2,0-1,2-1,-1-1,1 0,0-1,0 2,1 0,0 1,1 0,-1 1,0 1,0 1,-1 0,1 3,-1-1,4-1,1 0,1 0,2-1,1 0,1-1,-1 0,0-1,-4 5,-2 0,38-26,-10 6,-9 5,-4-1,2-2,4-5,6-4,-31 26,1-1,4-4,0 0,3-3,1 0,2-3,2 1,-1 1,0 0,0 1,1-1,0 2,1 0,1 1,-1 1,2-1,-1 1,-2 3,-1 1,-4 4,-2 1,34-21,-7 3,2 1,7-5,4 2,-8 4,-19 11,-21 10,-15 10,-9 4,6 0,6-4,21-10,18-6,7-2,-5 2,-20 9,-16 8,-19 7,-4 3</inkml:trace>
+  <inkml:trace contextRef="#ctx0" brushRef="#br0">1 177,'54'0,"1"0,3 0,1 0,-1 0,0 0,4 0,0 0,1 0,1 0,1 0,0 0,1 0,1 0,-2 0,1 0,-1 0,1 0,0-2,-1 1,1-2,0 0,-3 0,-1-1,-5 0,-1 1,-3 1,-2 1,40-1,-6 2,-1 0,-3 0,4 0,1 0,0-3,4-5,1-6,0-7,-7-1,-11 0,-17 7,-16 5,-15 5,-9 3,-7 0,4 2,17-3,22 0,22-3,7 0,-15 2,-20 1,-27 3,-11 0</inkml:trace>
 </inkml:ink>
 </file>
 
@@ -1876,17 +1873,17 @@
           <inkml:channelProperty channel="Y" name="resolution" value="1000" units="1/cm"/>
         </inkml:channelProperties>
       </inkml:inkSource>
-      <inkml:timestamp xml:id="ts0" timeString="2024-05-27T07:45:31.990"/>
+      <inkml:timestamp xml:id="ts0" timeString="2024-05-27T07:01:57.466"/>
     </inkml:context>
     <inkml:brush xml:id="br0">
       <inkml:brushProperty name="width" value="0.2" units="cm"/>
       <inkml:brushProperty name="height" value="0.4" units="cm"/>
-      <inkml:brushProperty name="color" value="#FFFC00"/>
+      <inkml:brushProperty name="color" value="#FF9400"/>
       <inkml:brushProperty name="tip" value="rectangle"/>
       <inkml:brushProperty name="rasterOp" value="maskPen"/>
     </inkml:brush>
   </inkml:definitions>
-  <inkml:trace contextRef="#ctx0" brushRef="#br0">0 0,'93'0,"-43"0,2 0,7 0,2 0,1 0,1 0,-2 0,1 0,-1 0,0 0,-2 0,-1 0,-1 0,0 0,-1 0,1 0,-1 0,1 0,4 0,1 0,5 0,1 0,3 0,1 0,-2 0,-1 0,-7 1,-2 0,-7 0,-3 1,28 1,-20 0,-16-3,-15 0,-9 0,-5 0,5 0,11 0,8 0,1 0,-9 0,-16 0,-7 0</inkml:trace>
+  <inkml:trace contextRef="#ctx0" brushRef="#br0">1 1627,'40'0,"9"0,0 0,6 0,3-5,4-9,10-14,10-17,-37 18,1-2,4-3,-1 0,0 0,-2 0,-2 3,-3 0,33-20,-11 8,-3 4,7 1,4 0,8-4,0-1,-3 1,-4-1,-6 3,-4 0,-2-1,2 0,1-7,2-6,4-3,-4 2,-5 7,-14 11,-4 4,4 0,13-4,6-5,-4 3,-15 9,-7 4,13-9,17-10,-28 15,1 0,36-26,-19 14,-23 15,-20 15,-8 6</inkml:trace>
 </inkml:ink>
 </file>
 
@@ -1904,17 +1901,17 @@
           <inkml:channelProperty channel="Y" name="resolution" value="1000" units="1/cm"/>
         </inkml:channelProperties>
       </inkml:inkSource>
-      <inkml:timestamp xml:id="ts0" timeString="2024-05-27T07:45:58.879"/>
+      <inkml:timestamp xml:id="ts0" timeString="2024-05-27T07:02:17.217"/>
     </inkml:context>
     <inkml:brush xml:id="br0">
       <inkml:brushProperty name="width" value="0.2" units="cm"/>
       <inkml:brushProperty name="height" value="0.4" units="cm"/>
-      <inkml:brushProperty name="color" value="#FFFC00"/>
+      <inkml:brushProperty name="color" value="#FF9400"/>
       <inkml:brushProperty name="tip" value="rectangle"/>
       <inkml:brushProperty name="rasterOp" value="maskPen"/>
     </inkml:brush>
   </inkml:definitions>
-  <inkml:trace contextRef="#ctx0" brushRef="#br0">85 0,'0'59,"0"-1,-2 4,0 1,-1 5,-1 0,-2 1,0 0,-1 3,-1 1,0 3,1 1,0 4,0 0,2 0,0 0,2-4,1-1,0-8,2-3,0-5,0-2,0-2,0-1,0-3,0-2,0 44,0-10,0-9,0-3,0-1,0 1,0 0,0-1,2 1,2 3,5 10,3 10,-5-41,0 2,1 3,0 1,0 2,-1 0,1 1,0 0,0-3,0 0,-1-3,0 0,-1-5,0 0,-1-1,0 0,0 0,0 0,2 48,-3-49,-1 1,-1 38,-2-15,0-19,0-13,0-3,3 8,0 8,0-1,0-7,-3-13,0-12,0-9,0-4,0 4,0 1,0 11,0 0,0-1,0-6,0-6,0-4,0 10,0 3,0 9,0-3,0-8,0-6,0-4,0-4</inkml:trace>
+  <inkml:trace contextRef="#ctx0" brushRef="#br0">1 35,'71'0,"1"0,-2 0,1 0,12 0,3 0,3 0,0 0,-1 0,0 0,1 0,-2 0,-10 0,-4 0,-9 0,-3 0,-6-1,-3-1,38-3,-3-1,2-2,1 2,3 2,-8 1,-5 3,-4 0,-3 0,5 0,6 0,5 3,-2 3,-12 1,-10-1,-6-4,-1 1,-1 0,-8 2,-15 0,-12-3,-10 2,-4-1,10-1,33 5,-25-5,18 3</inkml:trace>
 </inkml:ink>
 </file>
 
@@ -1932,17 +1929,17 @@
           <inkml:channelProperty channel="Y" name="resolution" value="1000" units="1/cm"/>
         </inkml:channelProperties>
       </inkml:inkSource>
-      <inkml:timestamp xml:id="ts0" timeString="2024-05-27T07:46:05.735"/>
+      <inkml:timestamp xml:id="ts0" timeString="2024-05-27T07:02:18.700"/>
     </inkml:context>
     <inkml:brush xml:id="br0">
       <inkml:brushProperty name="width" value="0.2" units="cm"/>
       <inkml:brushProperty name="height" value="0.4" units="cm"/>
-      <inkml:brushProperty name="color" value="#FFFC00"/>
+      <inkml:brushProperty name="color" value="#FF9400"/>
       <inkml:brushProperty name="tip" value="rectangle"/>
       <inkml:brushProperty name="rasterOp" value="maskPen"/>
     </inkml:brush>
   </inkml:definitions>
-  <inkml:trace contextRef="#ctx0" brushRef="#br0">1 1,'62'0,"-1"0,7 0,1 0,10 0,3 0,5 0,2 0,7 0,2 0,-32 0,2 0,-1 0,32 0,1 0,-33 0,1 0,0 0,31 0,0 0,-4 0,-2 0,-4 0,0 0,-4 0,-1 0,-5 0,-2 0,-3 0,-2 0,-5 0,-2 0,-8 0,-3 0,40 0,-9 2,-1 4,3 4,6 2,0 4,0 0,-1 3,-7 3,-5-3,-7 0,-9-4,-6-3,-7-3,-6-4,-1-2,-2-1,-3 1,-6 0,-8-2,-8-1,-5 0,6 0,19 0,27 0,26 0,4 0,-12 0,-24 0,-23 0,-6 0,5 3,15-1,12 1,1 0,-7-3,-15 0,-9 0,-1 0,8 0,8 0,4 0,-5 0,-10 0,-12 0,-8 0,-1 0,7 0,8 0,7 0,-1 0,-10 0,-11-2,-9 0,-5-2</inkml:trace>
+  <inkml:trace contextRef="#ctx0" brushRef="#br0">1 38,'57'0,"1"0,3 0,2 0,9 0,1 0,2 0,-1 0,1 0,1 0,-1 0,-1 0,-2 0,1 0,5 0,2 0,0 0,1 0,0 0,0 0,0 0,1 0,-5 0,-1 0,1 0,-1 0,-5 0,-2 0,-9 0,-4 0,33 0,-32 0,-21 0,-16 0,-10 0,1 0,19 0,31-3,29-4,4-3,-19 0,-28 5,-29 3,-8 2</inkml:trace>
 </inkml:ink>
 </file>
 
@@ -1960,7 +1957,7 @@
           <inkml:channelProperty channel="Y" name="resolution" value="1000" units="1/cm"/>
         </inkml:channelProperties>
       </inkml:inkSource>
-      <inkml:timestamp xml:id="ts0" timeString="2024-05-27T07:46:26.366"/>
+      <inkml:timestamp xml:id="ts0" timeString="2024-05-27T07:44:36.487"/>
     </inkml:context>
     <inkml:brush xml:id="br0">
       <inkml:brushProperty name="width" value="0.2" units="cm"/>
@@ -1970,7 +1967,7 @@
       <inkml:brushProperty name="rasterOp" value="maskPen"/>
     </inkml:brush>
   </inkml:definitions>
-  <inkml:trace contextRef="#ctx0" brushRef="#br0">0 1,'60'4,"12"-1,18-3,-38 0,2 0,0 0,-1 0,1 0,-1 0,41 0,-17 0,-20 0,-22 0,-14 0,-5 0,11 0,15 0,15 0,0 0,-13 0,-18 2,-15 2,-7 0,-4 1</inkml:trace>
+  <inkml:trace contextRef="#ctx0" brushRef="#br0">0 1,'90'2,"1"0,-5 0,7-1,5 0,-21-1,4 0,3 0,1 0,1 0,10 0,2 0,1 0,1 0,0 0,-1 0,0 0,1 0,-2 0,0 0,-8 0,1 0,-2 0,-2 0,-1 0,10 0,-3 0,-1 0,-3 0,-11 0,-2 0,-1 0,-2 0,11 0,-1 0,-3 0,-4 0,-2 0,-1 0,-5 0,-1 0,0 0,28 0,-1 0,-7 0,0 0,-4-1,-1 2,-3 1,0 2,2 1,1 1,3 1,1 2,4 0,1 0,3-2,-1-1,-5-2,-2 0,-5-2,-4-1,-12 0,-4 1,35 4,-30 2,-25 2,-17-1,-13-1,-6 1,-4 16,-1-14,0 10</inkml:trace>
 </inkml:ink>
 </file>
 
@@ -1988,17 +1985,17 @@
           <inkml:channelProperty channel="Y" name="resolution" value="1000" units="1/cm"/>
         </inkml:channelProperties>
       </inkml:inkSource>
-      <inkml:timestamp xml:id="ts0" timeString="2024-05-27T07:46:30.218"/>
+      <inkml:timestamp xml:id="ts0" timeString="2024-05-27T07:44:38.854"/>
     </inkml:context>
     <inkml:brush xml:id="br0">
       <inkml:brushProperty name="width" value="0.2" units="cm"/>
       <inkml:brushProperty name="height" value="0.4" units="cm"/>
-      <inkml:brushProperty name="color" value="#FFACD5"/>
+      <inkml:brushProperty name="color" value="#00FDFF"/>
       <inkml:brushProperty name="tip" value="rectangle"/>
       <inkml:brushProperty name="rasterOp" value="maskPen"/>
     </inkml:brush>
   </inkml:definitions>
-  <inkml:trace contextRef="#ctx0" brushRef="#br0">0 0,'64'0,"14"0,21 0,-45 0,0 0,45 0,-5 0,-8 0,-3 0,7 0,5 0,-44 0,1 0,48 0,-17 0,-21 0,-24 0,-14 0,4 0,11 0,9 0,0 0,-13 0,-16 0,-10 0</inkml:trace>
+  <inkml:trace contextRef="#ctx0" brushRef="#br0">13020 1,'-56'6,"-14"18,19-2,-3 5,-15 15,-3 5,18-11,-2 3,-1 0,-7 7,-2 1,0 1,-4 2,-1 2,-1 0,-1 0,-1 1,0-1,0 0,1 0,0-2,4-3,1-1,1 0,3-3,1-1,1 0,3-4,0-2,1 1,-1-2,0 0,1-1,-26 13,1-1,5-3,2 1,4-2,3 1,6-3,3 1,4-1,2 1,2 1,1 1,1 1,0 1,-2 5,0 1,-3 2,-1 0,-3 3,-2-1,-2 1,-2 0,-1 1,-1 0,-3 0,-1 1,1-3,1 0,0 0,0 0,2-1,1 1,2 0,1 2,0 2,2 2,-1 2,1 2,-2 1,-1 3,17-18,-1 2,0 1,-2 3,-1 1,-1 2,-3 2,0 1,-1 0,-4 5,-2 1,-1 0,-4 2,-1-1,-3 1,12-14,-1 0,-1 0,0 0,-5 3,-1-1,0 1,-1 0,0 0,0 1,-1-1,0 0,1-1,-1-1,0 0,2-2,4-3,1 0,1-2,0 0,-16 10,2 0,0-3,5-4,1-1,1-2,7-3,0-2,1-1,1-2,1 0,0-1,-21 17,2-1,3-4,1-1,2 0,0 0,0 1,0-1,0-1,-1 0,1-1,0-1,-2-2,1 0,2-2,-1 0,0-2,-1 1,-1 2,-1 1,-6 7,-3 1,22-14,-3 0,0 1,-2 3,-2 2,0-1,0 1,-2 1,2-1,2 0,0 1,1-1,5 0,0-1,1 1,2-1,1 1,0-1,4-2,1 1,0-2,-19 19,0 0,20-17,-1 0,-1 2,-4 2,-1 2,-1 1,-10 10,-3 2,-2 2,9-9,-1 1,-3 2,0 0,9-8,-1 0,0 1,-1 0,0-1,-1 0,0 0,-1 0,1-1,1-1,-11 8,1-1,1-1,3-3,-7 5,2-2,6-6,-6 4,9-6,20-14,8-4,3 3,14-9,-5 10,-9 13,-7 8,6-2,10-15,10-13,6-14,2-7,2-4</inkml:trace>
 </inkml:ink>
 </file>
 
@@ -2030,6 +2027,286 @@
 </inkml:ink>
 </file>
 
+<file path=ppt/ink/ink70.xml><?xml version="1.0" encoding="utf-8"?>
+<inkml:ink xmlns:inkml="http://www.w3.org/2003/InkML">
+  <inkml:definitions>
+    <inkml:context xml:id="ctx0">
+      <inkml:inkSource xml:id="inkSrc0">
+        <inkml:traceFormat>
+          <inkml:channel name="X" type="integer" min="-2.14748E9" max="2.14748E9" units="cm"/>
+          <inkml:channel name="Y" type="integer" min="-2.14748E9" max="2.14748E9" units="cm"/>
+        </inkml:traceFormat>
+        <inkml:channelProperties>
+          <inkml:channelProperty channel="X" name="resolution" value="1000" units="1/cm"/>
+          <inkml:channelProperty channel="Y" name="resolution" value="1000" units="1/cm"/>
+        </inkml:channelProperties>
+      </inkml:inkSource>
+      <inkml:timestamp xml:id="ts0" timeString="2024-05-27T07:44:45.203"/>
+    </inkml:context>
+    <inkml:brush xml:id="br0">
+      <inkml:brushProperty name="width" value="0.2" units="cm"/>
+      <inkml:brushProperty name="height" value="0.4" units="cm"/>
+      <inkml:brushProperty name="color" value="#FFACD5"/>
+      <inkml:brushProperty name="tip" value="rectangle"/>
+      <inkml:brushProperty name="rasterOp" value="maskPen"/>
+    </inkml:brush>
+  </inkml:definitions>
+  <inkml:trace contextRef="#ctx0" brushRef="#br0">1 3753,'57'-15,"1"0,26-11,8-6,-9 2,5-3,4-2,-10 4,4-1,1-1,2-1,-12 5,2 0,1-1,1 1,1-1,2 0,2 0,0 1,0-1,1 1,0-1,1 1,1 0,-1 1,1-1,-1 1,1 0,-1 0,1 1,0 0,0 0,-1 0,1 1,0-1,0 1,-1-1,0 0,0 0,0 0,-2-1,-3 2,-1 0,0 0,-1 0,-1 0,14-5,-2 0,-1 0,-2 0,-9 3,-2 0,-1 0,-2 1,20-8,-1 2,-3 0,-3 2,-3 0,0 1,-6 2,-1 2,-2 0,-2 1,-2 0,-1 2,-5 1,-1 0,-1 1,30-11,0 0,-5 2,-1 1,-6 2,0 1,-3 1,0 1,-1 2,0 0,1 0,1 1,-3 0,0 1,-3 0,-1 1,-1-1,1 0,0-1,1 0,4-2,2 1,5-1,0 0,5 0,1-1,3 0,0 0,2-1,0-1,-29 8,0 1,1-1,1 0,1 0,0-1,3 0,0-1,0 1,1 1,0-1,-1 1,-2 0,-1 0,-1 0,-3 2,0 1,-1 0,26-6,-2 2,-2 3,-1 1,-3 3,-1 1,-2 1,-1 2,0 0,0 1,-3 1,1 0,1 0,0 1,7-1,1 1,2 1,1-1,3 0,1 0,2 0,-1-2,-4 0,0-1,-1-1,-1-1,-3-2,0 1,-4-1,-1 1,-4-1,0 1,-1 0,-2-1,0 1,-1 0,-5 0,-2 1,-9 1,-2 0,42-9,-18 4,-15 3,-12 3,-21 3,-9 1,4 0,6-1,3 0,-3 0,-6 1,-8 1,4-1,4-3,7-3,9-4,7-5,5-5,9-6,5-10,1 0,-5 3,-15 8,-14 11,-9 5,-7 4,-2 1,-3 1,-2 3,-1 2,-3 0</inkml:trace>
+</inkml:ink>
+</file>
+
+<file path=ppt/ink/ink71.xml><?xml version="1.0" encoding="utf-8"?>
+<inkml:ink xmlns:inkml="http://www.w3.org/2003/InkML">
+  <inkml:definitions>
+    <inkml:context xml:id="ctx0">
+      <inkml:inkSource xml:id="inkSrc0">
+        <inkml:traceFormat>
+          <inkml:channel name="X" type="integer" min="-2.14748E9" max="2.14748E9" units="cm"/>
+          <inkml:channel name="Y" type="integer" min="-2.14748E9" max="2.14748E9" units="cm"/>
+        </inkml:traceFormat>
+        <inkml:channelProperties>
+          <inkml:channelProperty channel="X" name="resolution" value="1000" units="1/cm"/>
+          <inkml:channelProperty channel="Y" name="resolution" value="1000" units="1/cm"/>
+        </inkml:channelProperties>
+      </inkml:inkSource>
+      <inkml:timestamp xml:id="ts0" timeString="2024-05-27T07:44:46.604"/>
+    </inkml:context>
+    <inkml:brush xml:id="br0">
+      <inkml:brushProperty name="width" value="0.2" units="cm"/>
+      <inkml:brushProperty name="height" value="0.4" units="cm"/>
+      <inkml:brushProperty name="color" value="#FFACD5"/>
+      <inkml:brushProperty name="tip" value="rectangle"/>
+      <inkml:brushProperty name="rasterOp" value="maskPen"/>
+    </inkml:brush>
+  </inkml:definitions>
+  <inkml:trace contextRef="#ctx0" brushRef="#br0">1 36,'96'0,"1"0,-19 0,3 0,3 0,12 0,4 0,0 0,-21 0,2 0,-1 0,0 0,20 0,-1 0,-3 0,-7 0,-2 0,-2 0,-7 0,-2 0,-2 0,-5 0,0 0,-2 0,29-2,-2-1,-11 0,-5-1,-10 1,-5-1,22-4,-35 4,-25 2,-15 0,-4 2</inkml:trace>
+</inkml:ink>
+</file>
+
+<file path=ppt/ink/ink72.xml><?xml version="1.0" encoding="utf-8"?>
+<inkml:ink xmlns:inkml="http://www.w3.org/2003/InkML">
+  <inkml:definitions>
+    <inkml:context xml:id="ctx0">
+      <inkml:inkSource xml:id="inkSrc0">
+        <inkml:traceFormat>
+          <inkml:channel name="X" type="integer" min="-2.14748E9" max="2.14748E9" units="cm"/>
+          <inkml:channel name="Y" type="integer" min="-2.14748E9" max="2.14748E9" units="cm"/>
+        </inkml:traceFormat>
+        <inkml:channelProperties>
+          <inkml:channelProperty channel="X" name="resolution" value="1000" units="1/cm"/>
+          <inkml:channelProperty channel="Y" name="resolution" value="1000" units="1/cm"/>
+        </inkml:channelProperties>
+      </inkml:inkSource>
+      <inkml:timestamp xml:id="ts0" timeString="2024-05-27T07:44:50.270"/>
+    </inkml:context>
+    <inkml:brush xml:id="br0">
+      <inkml:brushProperty name="width" value="0.2" units="cm"/>
+      <inkml:brushProperty name="height" value="0.4" units="cm"/>
+      <inkml:brushProperty name="color" value="#FFACD5"/>
+      <inkml:brushProperty name="tip" value="rectangle"/>
+      <inkml:brushProperty name="rasterOp" value="maskPen"/>
+    </inkml:brush>
+  </inkml:definitions>
+  <inkml:trace contextRef="#ctx0" brushRef="#br0">0 646,'49'0,"1"0,7 0,8 0,25 0,-37 1,1-2,6-3,2-2,4-2,0-4,-1-3,0-2,2-4,0-1,-1 3,-1-1,-5 2,-2 2,-4 3,-1 2,44-3,-11 4,-6 4,-1 0,1-3,5-1,4-4,-3-2,-2 0,-4-4,0-1,-2-3,-1 0,2 2,1 1,7-1,-39 9,2-1,1-1,2-1,2-1,-1 0,-4 1,-1 0,29-9,-23 6,-22 8,-14 5,-7 3,6 3,-10 0,6 0</inkml:trace>
+</inkml:ink>
+</file>
+
+<file path=ppt/ink/ink73.xml><?xml version="1.0" encoding="utf-8"?>
+<inkml:ink xmlns:inkml="http://www.w3.org/2003/InkML">
+  <inkml:definitions>
+    <inkml:context xml:id="ctx0">
+      <inkml:inkSource xml:id="inkSrc0">
+        <inkml:traceFormat>
+          <inkml:channel name="X" type="integer" min="-2.14748E9" max="2.14748E9" units="cm"/>
+          <inkml:channel name="Y" type="integer" min="-2.14748E9" max="2.14748E9" units="cm"/>
+        </inkml:traceFormat>
+        <inkml:channelProperties>
+          <inkml:channelProperty channel="X" name="resolution" value="1000" units="1/cm"/>
+          <inkml:channelProperty channel="Y" name="resolution" value="1000" units="1/cm"/>
+        </inkml:channelProperties>
+      </inkml:inkSource>
+      <inkml:timestamp xml:id="ts0" timeString="2024-05-27T07:44:51.654"/>
+    </inkml:context>
+    <inkml:brush xml:id="br0">
+      <inkml:brushProperty name="width" value="0.2" units="cm"/>
+      <inkml:brushProperty name="height" value="0.4" units="cm"/>
+      <inkml:brushProperty name="color" value="#FFACD5"/>
+      <inkml:brushProperty name="tip" value="rectangle"/>
+      <inkml:brushProperty name="rasterOp" value="maskPen"/>
+    </inkml:brush>
+  </inkml:definitions>
+  <inkml:trace contextRef="#ctx0" brushRef="#br0">0 427,'80'0,"13"0,-41 0,3 0,3 0,1 0,4 0,1 0,2 0,1 0,-1 0,1 0,3 0,1 0,-4-2,0-1,-4-1,-1-1,-3-1,-2-2,-2-1,-2 0,-3-1,-2 0,46-10,-12 2,-16 3,-19 5,-18 2,-5 0,16-4,23-5,24-7,-38 12,-1 0,37-8,-23 5,-24 4,-16 2,1-6,14-5,20-8,12-4,3 5,-12 9,-28 10,-11 6</inkml:trace>
+</inkml:ink>
+</file>
+
+<file path=ppt/ink/ink74.xml><?xml version="1.0" encoding="utf-8"?>
+<inkml:ink xmlns:inkml="http://www.w3.org/2003/InkML">
+  <inkml:definitions>
+    <inkml:context xml:id="ctx0">
+      <inkml:inkSource xml:id="inkSrc0">
+        <inkml:traceFormat>
+          <inkml:channel name="X" type="integer" min="-2.14748E9" max="2.14748E9" units="cm"/>
+          <inkml:channel name="Y" type="integer" min="-2.14748E9" max="2.14748E9" units="cm"/>
+        </inkml:traceFormat>
+        <inkml:channelProperties>
+          <inkml:channelProperty channel="X" name="resolution" value="1000" units="1/cm"/>
+          <inkml:channelProperty channel="Y" name="resolution" value="1000" units="1/cm"/>
+        </inkml:channelProperties>
+      </inkml:inkSource>
+      <inkml:timestamp xml:id="ts0" timeString="2024-05-27T07:45:12.637"/>
+    </inkml:context>
+    <inkml:brush xml:id="br0">
+      <inkml:brushProperty name="width" value="0.2" units="cm"/>
+      <inkml:brushProperty name="height" value="0.4" units="cm"/>
+      <inkml:brushProperty name="color" value="#00FDFF"/>
+      <inkml:brushProperty name="tip" value="rectangle"/>
+      <inkml:brushProperty name="rasterOp" value="maskPen"/>
+    </inkml:brush>
+  </inkml:definitions>
+  <inkml:trace contextRef="#ctx0" brushRef="#br0">23 0,'0'72,"0"1,0 17,0 7,0-41,0 1,0 5,0 1,0 0,0-1,0-2,0-2,0-6,0-1,0 41,0-7,0-2,0-2,0-5,0-4,0-5,0 0,0 5,0 5,0 1,0 2,0-5,0-5,-5-5,-1-7,0-2,0-3,6-6,0-10,0-6,0 3,0 9,0 10,2 0,3-9,1-12,1-13,-1-8,0-6,11-1,19 0,33 2,-18-2,4-2,13 0,3 0,13-1,3-1,5 0,2-3,4-1,-1-2,0-4,-1-3,-6-2,-3-1,-8-1,-3 1,-11 1,-2 2,-9 3,-1 2,40-6,1 5,-44 5,1-1,4 1,2-1,3 1,1-1,2 2,0 0,-1-1,0 1,-3 1,-1 0,-2 0,-1 0,44 0,-7 2,-7 0,-2 0,2 0,7 0,6 0,-46 0,-1 0,3 0,-1 0,1 0,-1 0,0 0,0 0,-2 0,0 0,0 0,-1 0,44 0,-7 0,-11 0,-16 0,-13 0,-14 0,-13 0,-8 2,-8 7,-3 4</inkml:trace>
+</inkml:ink>
+</file>
+
+<file path=ppt/ink/ink75.xml><?xml version="1.0" encoding="utf-8"?>
+<inkml:ink xmlns:inkml="http://www.w3.org/2003/InkML">
+  <inkml:definitions>
+    <inkml:context xml:id="ctx0">
+      <inkml:inkSource xml:id="inkSrc0">
+        <inkml:traceFormat>
+          <inkml:channel name="X" type="integer" min="-2.14748E9" max="2.14748E9" units="cm"/>
+          <inkml:channel name="Y" type="integer" min="-2.14748E9" max="2.14748E9" units="cm"/>
+        </inkml:traceFormat>
+        <inkml:channelProperties>
+          <inkml:channelProperty channel="X" name="resolution" value="1000" units="1/cm"/>
+          <inkml:channelProperty channel="Y" name="resolution" value="1000" units="1/cm"/>
+        </inkml:channelProperties>
+      </inkml:inkSource>
+      <inkml:timestamp xml:id="ts0" timeString="2024-05-27T07:45:24.519"/>
+    </inkml:context>
+    <inkml:brush xml:id="br0">
+      <inkml:brushProperty name="width" value="0.2" units="cm"/>
+      <inkml:brushProperty name="height" value="0.4" units="cm"/>
+      <inkml:brushProperty name="color" value="#FFACD5"/>
+      <inkml:brushProperty name="tip" value="rectangle"/>
+      <inkml:brushProperty name="rasterOp" value="maskPen"/>
+    </inkml:brush>
+  </inkml:definitions>
+  <inkml:trace contextRef="#ctx0" brushRef="#br0">1 0,'0'65,"0"9,0 2,0 18,0-43,0 2,0 2,0 1,0 0,0-1,0-2,0-1,0-1,0-1,0 1,0 1,0 0,0 1,0 4,0 3,0 1,0 2,0 4,0 0,0 3,0 0,0-4,0-2,0-4,0-1,0-7,0-3,0 37,0-3,0-5,0 3,3 2,1 2,2 2,1 0,2 1,1-4,-1-3,-1-7,-3-14,-1-16,-2-16,-2-17,32-19,26-11,-10 3,5 0,11-1,2 2,1-1,-2 1,-7 2,-4 1,33-5,-33 8,-5 7,10 1,18-3,16 1,-41 0,0 0,2 1,0 0,-2 0,0 0,46 0,-10 1,-6 1,-1 0,5 0,9-2,-41 0,0 0,1 0,1 0,0 1,0 0,-1 0,0 2,-3-1,-1 0,44 0,-10 0,-11 0,-5 0,-3 0,-2 0,0 0,-2 0,-2 0,-8 0,-12 0,-12 0,-12 0,0 0,14 0,20 0,10 0,-5 0,-17 0,-24 0,-6 0</inkml:trace>
+</inkml:ink>
+</file>
+
+<file path=ppt/ink/ink76.xml><?xml version="1.0" encoding="utf-8"?>
+<inkml:ink xmlns:inkml="http://www.w3.org/2003/InkML">
+  <inkml:definitions>
+    <inkml:context xml:id="ctx0">
+      <inkml:inkSource xml:id="inkSrc0">
+        <inkml:traceFormat>
+          <inkml:channel name="X" type="integer" min="-2.14748E9" max="2.14748E9" units="cm"/>
+          <inkml:channel name="Y" type="integer" min="-2.14748E9" max="2.14748E9" units="cm"/>
+        </inkml:traceFormat>
+        <inkml:channelProperties>
+          <inkml:channelProperty channel="X" name="resolution" value="1000" units="1/cm"/>
+          <inkml:channelProperty channel="Y" name="resolution" value="1000" units="1/cm"/>
+        </inkml:channelProperties>
+      </inkml:inkSource>
+      <inkml:timestamp xml:id="ts0" timeString="2024-05-27T07:45:30.368"/>
+    </inkml:context>
+    <inkml:brush xml:id="br0">
+      <inkml:brushProperty name="width" value="0.2" units="cm"/>
+      <inkml:brushProperty name="height" value="0.4" units="cm"/>
+      <inkml:brushProperty name="color" value="#FFFC00"/>
+      <inkml:brushProperty name="tip" value="rectangle"/>
+      <inkml:brushProperty name="rasterOp" value="maskPen"/>
+    </inkml:brush>
+  </inkml:definitions>
+  <inkml:trace contextRef="#ctx0" brushRef="#br0">0 5870,'61'-34,"5"-9,12-12,-39 24,0-1,2 0,1-1,1-2,1-1,1-2,2-2,3-2,1 0,1-1,0 0,0 1,-1 0,1 2,-1 1,-2 0,-2 1,0 0,-1 0,-2 2,0 1,-2 1,-1 0,-2 1,-1 1,33-28,-1 2,-2 1,1 2,0-2,-2 0,4-1,1-4,-35 29,1 0,-1 0,1-1,1-1,0-1,-2 0,1 1,35-33,-1 1,-3 4,4-3,-34 32,1-2,1 0,1 0,0-1,-1 0,0 1,0-1,-4 3,0 0,35-32,1 2,-1 2,4 2,3-1,-37 30,0-1,1 0,1-2,-1-1,-1 0,-1 1,-2 0,34-33,-2 1,-35 32,1 0,1-2,0-1,2-1,-1-1,1 0,0-1,0 2,1 0,0 1,1 0,-1 1,0 1,0 1,-1 0,1 3,-1-1,4-1,1 0,1 0,2-1,1 0,1-1,-1 0,0-1,-4 5,-2 0,38-26,-10 6,-9 5,-4-1,2-2,4-5,6-4,-31 26,1-1,4-4,0 0,3-3,1 0,2-3,2 1,-1 1,0 0,0 1,1-1,0 2,1 0,1 1,-1 1,2-1,-1 1,-2 3,-1 1,-4 4,-2 1,34-21,-7 3,2 1,7-5,4 2,-8 4,-19 11,-21 10,-15 10,-9 4,6 0,6-4,21-10,18-6,7-2,-5 2,-20 9,-16 8,-19 7,-4 3</inkml:trace>
+</inkml:ink>
+</file>
+
+<file path=ppt/ink/ink77.xml><?xml version="1.0" encoding="utf-8"?>
+<inkml:ink xmlns:inkml="http://www.w3.org/2003/InkML">
+  <inkml:definitions>
+    <inkml:context xml:id="ctx0">
+      <inkml:inkSource xml:id="inkSrc0">
+        <inkml:traceFormat>
+          <inkml:channel name="X" type="integer" min="-2.14748E9" max="2.14748E9" units="cm"/>
+          <inkml:channel name="Y" type="integer" min="-2.14748E9" max="2.14748E9" units="cm"/>
+        </inkml:traceFormat>
+        <inkml:channelProperties>
+          <inkml:channelProperty channel="X" name="resolution" value="1000" units="1/cm"/>
+          <inkml:channelProperty channel="Y" name="resolution" value="1000" units="1/cm"/>
+        </inkml:channelProperties>
+      </inkml:inkSource>
+      <inkml:timestamp xml:id="ts0" timeString="2024-05-27T07:45:31.990"/>
+    </inkml:context>
+    <inkml:brush xml:id="br0">
+      <inkml:brushProperty name="width" value="0.2" units="cm"/>
+      <inkml:brushProperty name="height" value="0.4" units="cm"/>
+      <inkml:brushProperty name="color" value="#FFFC00"/>
+      <inkml:brushProperty name="tip" value="rectangle"/>
+      <inkml:brushProperty name="rasterOp" value="maskPen"/>
+    </inkml:brush>
+  </inkml:definitions>
+  <inkml:trace contextRef="#ctx0" brushRef="#br0">0 0,'93'0,"-43"0,2 0,7 0,2 0,1 0,1 0,-2 0,1 0,-1 0,0 0,-2 0,-1 0,-1 0,0 0,-1 0,1 0,-1 0,1 0,4 0,1 0,5 0,1 0,3 0,1 0,-2 0,-1 0,-7 1,-2 0,-7 0,-3 1,28 1,-20 0,-16-3,-15 0,-9 0,-5 0,5 0,11 0,8 0,1 0,-9 0,-16 0,-7 0</inkml:trace>
+</inkml:ink>
+</file>
+
+<file path=ppt/ink/ink78.xml><?xml version="1.0" encoding="utf-8"?>
+<inkml:ink xmlns:inkml="http://www.w3.org/2003/InkML">
+  <inkml:definitions>
+    <inkml:context xml:id="ctx0">
+      <inkml:inkSource xml:id="inkSrc0">
+        <inkml:traceFormat>
+          <inkml:channel name="X" type="integer" min="-2.14748E9" max="2.14748E9" units="cm"/>
+          <inkml:channel name="Y" type="integer" min="-2.14748E9" max="2.14748E9" units="cm"/>
+        </inkml:traceFormat>
+        <inkml:channelProperties>
+          <inkml:channelProperty channel="X" name="resolution" value="1000" units="1/cm"/>
+          <inkml:channelProperty channel="Y" name="resolution" value="1000" units="1/cm"/>
+        </inkml:channelProperties>
+      </inkml:inkSource>
+      <inkml:timestamp xml:id="ts0" timeString="2024-05-27T07:45:58.879"/>
+    </inkml:context>
+    <inkml:brush xml:id="br0">
+      <inkml:brushProperty name="width" value="0.2" units="cm"/>
+      <inkml:brushProperty name="height" value="0.4" units="cm"/>
+      <inkml:brushProperty name="color" value="#FFFC00"/>
+      <inkml:brushProperty name="tip" value="rectangle"/>
+      <inkml:brushProperty name="rasterOp" value="maskPen"/>
+    </inkml:brush>
+  </inkml:definitions>
+  <inkml:trace contextRef="#ctx0" brushRef="#br0">85 0,'0'59,"0"-1,-2 4,0 1,-1 5,-1 0,-2 1,0 0,-1 3,-1 1,0 3,1 1,0 4,0 0,2 0,0 0,2-4,1-1,0-8,2-3,0-5,0-2,0-2,0-1,0-3,0-2,0 44,0-10,0-9,0-3,0-1,0 1,0 0,0-1,2 1,2 3,5 10,3 10,-5-41,0 2,1 3,0 1,0 2,-1 0,1 1,0 0,0-3,0 0,-1-3,0 0,-1-5,0 0,-1-1,0 0,0 0,0 0,2 48,-3-49,-1 1,-1 38,-2-15,0-19,0-13,0-3,3 8,0 8,0-1,0-7,-3-13,0-12,0-9,0-4,0 4,0 1,0 11,0 0,0-1,0-6,0-6,0-4,0 10,0 3,0 9,0-3,0-8,0-6,0-4,0-4</inkml:trace>
+</inkml:ink>
+</file>
+
+<file path=ppt/ink/ink79.xml><?xml version="1.0" encoding="utf-8"?>
+<inkml:ink xmlns:inkml="http://www.w3.org/2003/InkML">
+  <inkml:definitions>
+    <inkml:context xml:id="ctx0">
+      <inkml:inkSource xml:id="inkSrc0">
+        <inkml:traceFormat>
+          <inkml:channel name="X" type="integer" min="-2.14748E9" max="2.14748E9" units="cm"/>
+          <inkml:channel name="Y" type="integer" min="-2.14748E9" max="2.14748E9" units="cm"/>
+        </inkml:traceFormat>
+        <inkml:channelProperties>
+          <inkml:channelProperty channel="X" name="resolution" value="1000" units="1/cm"/>
+          <inkml:channelProperty channel="Y" name="resolution" value="1000" units="1/cm"/>
+        </inkml:channelProperties>
+      </inkml:inkSource>
+      <inkml:timestamp xml:id="ts0" timeString="2024-05-27T07:46:05.735"/>
+    </inkml:context>
+    <inkml:brush xml:id="br0">
+      <inkml:brushProperty name="width" value="0.2" units="cm"/>
+      <inkml:brushProperty name="height" value="0.4" units="cm"/>
+      <inkml:brushProperty name="color" value="#FFFC00"/>
+      <inkml:brushProperty name="tip" value="rectangle"/>
+      <inkml:brushProperty name="rasterOp" value="maskPen"/>
+    </inkml:brush>
+  </inkml:definitions>
+  <inkml:trace contextRef="#ctx0" brushRef="#br0">1 1,'62'0,"-1"0,7 0,1 0,10 0,3 0,5 0,2 0,7 0,2 0,-32 0,2 0,-1 0,32 0,1 0,-33 0,1 0,0 0,31 0,0 0,-4 0,-2 0,-4 0,0 0,-4 0,-1 0,-5 0,-2 0,-3 0,-2 0,-5 0,-2 0,-8 0,-3 0,40 0,-9 2,-1 4,3 4,6 2,0 4,0 0,-1 3,-7 3,-5-3,-7 0,-9-4,-6-3,-7-3,-6-4,-1-2,-2-1,-3 1,-6 0,-8-2,-8-1,-5 0,6 0,19 0,27 0,26 0,4 0,-12 0,-24 0,-23 0,-6 0,5 3,15-1,12 1,1 0,-7-3,-15 0,-9 0,-1 0,8 0,8 0,4 0,-5 0,-10 0,-12 0,-8 0,-1 0,7 0,8 0,7 0,-1 0,-10 0,-11-2,-9 0,-5-2</inkml:trace>
+</inkml:ink>
+</file>
+
 <file path=ppt/ink/ink8.xml><?xml version="1.0" encoding="utf-8"?>
 <inkml:ink xmlns:inkml="http://www.w3.org/2003/InkML">
   <inkml:definitions>
@@ -2055,6 +2332,62 @@
     </inkml:brush>
   </inkml:definitions>
   <inkml:trace contextRef="#ctx0" brushRef="#br0">0 1,'66'0,"-11"0,-29 0,2 0,10 0,12 0,6 0,-9 0,-13 0,-13 1,-2 5,-3 2</inkml:trace>
+</inkml:ink>
+</file>
+
+<file path=ppt/ink/ink80.xml><?xml version="1.0" encoding="utf-8"?>
+<inkml:ink xmlns:inkml="http://www.w3.org/2003/InkML">
+  <inkml:definitions>
+    <inkml:context xml:id="ctx0">
+      <inkml:inkSource xml:id="inkSrc0">
+        <inkml:traceFormat>
+          <inkml:channel name="X" type="integer" min="-2.14748E9" max="2.14748E9" units="cm"/>
+          <inkml:channel name="Y" type="integer" min="-2.14748E9" max="2.14748E9" units="cm"/>
+        </inkml:traceFormat>
+        <inkml:channelProperties>
+          <inkml:channelProperty channel="X" name="resolution" value="1000" units="1/cm"/>
+          <inkml:channelProperty channel="Y" name="resolution" value="1000" units="1/cm"/>
+        </inkml:channelProperties>
+      </inkml:inkSource>
+      <inkml:timestamp xml:id="ts0" timeString="2024-05-27T07:46:26.366"/>
+    </inkml:context>
+    <inkml:brush xml:id="br0">
+      <inkml:brushProperty name="width" value="0.2" units="cm"/>
+      <inkml:brushProperty name="height" value="0.4" units="cm"/>
+      <inkml:brushProperty name="color" value="#00FDFF"/>
+      <inkml:brushProperty name="tip" value="rectangle"/>
+      <inkml:brushProperty name="rasterOp" value="maskPen"/>
+    </inkml:brush>
+  </inkml:definitions>
+  <inkml:trace contextRef="#ctx0" brushRef="#br0">0 1,'60'4,"12"-1,18-3,-38 0,2 0,0 0,-1 0,1 0,-1 0,41 0,-17 0,-20 0,-22 0,-14 0,-5 0,11 0,15 0,15 0,0 0,-13 0,-18 2,-15 2,-7 0,-4 1</inkml:trace>
+</inkml:ink>
+</file>
+
+<file path=ppt/ink/ink81.xml><?xml version="1.0" encoding="utf-8"?>
+<inkml:ink xmlns:inkml="http://www.w3.org/2003/InkML">
+  <inkml:definitions>
+    <inkml:context xml:id="ctx0">
+      <inkml:inkSource xml:id="inkSrc0">
+        <inkml:traceFormat>
+          <inkml:channel name="X" type="integer" min="-2.14748E9" max="2.14748E9" units="cm"/>
+          <inkml:channel name="Y" type="integer" min="-2.14748E9" max="2.14748E9" units="cm"/>
+        </inkml:traceFormat>
+        <inkml:channelProperties>
+          <inkml:channelProperty channel="X" name="resolution" value="1000" units="1/cm"/>
+          <inkml:channelProperty channel="Y" name="resolution" value="1000" units="1/cm"/>
+        </inkml:channelProperties>
+      </inkml:inkSource>
+      <inkml:timestamp xml:id="ts0" timeString="2024-05-27T07:46:30.218"/>
+    </inkml:context>
+    <inkml:brush xml:id="br0">
+      <inkml:brushProperty name="width" value="0.2" units="cm"/>
+      <inkml:brushProperty name="height" value="0.4" units="cm"/>
+      <inkml:brushProperty name="color" value="#FFACD5"/>
+      <inkml:brushProperty name="tip" value="rectangle"/>
+      <inkml:brushProperty name="rasterOp" value="maskPen"/>
+    </inkml:brush>
+  </inkml:definitions>
+  <inkml:trace contextRef="#ctx0" brushRef="#br0">0 0,'64'0,"14"0,21 0,-45 0,0 0,45 0,-5 0,-8 0,-3 0,7 0,5 0,-44 0,1 0,48 0,-17 0,-21 0,-24 0,-14 0,4 0,11 0,9 0,0 0,-13 0,-16 0,-10 0</inkml:trace>
 </inkml:ink>
 </file>
 
@@ -2168,7 +2501,7 @@
           <a:p>
             <a:fld id="{15D8E939-9ECB-9C46-A248-99A4B8126363}" type="datetimeFigureOut">
               <a:rPr lang="en-JP" smtClean="0"/>
-              <a:t>2024/05/28</a:t>
+              <a:t>5/19/25</a:t>
             </a:fld>
             <a:endParaRPr lang="en-JP"/>
           </a:p>
@@ -2585,7 +2918,7 @@
           <a:p>
             <a:fld id="{B305A450-B214-F843-90D3-43D45AB970BF}" type="datetime1">
               <a:rPr lang="en-US" smtClean="0"/>
-              <a:t>5/28/24</a:t>
+              <a:t>5/19/25</a:t>
             </a:fld>
             <a:endParaRPr lang="en-JP"/>
           </a:p>
@@ -2785,7 +3118,7 @@
           <a:p>
             <a:fld id="{3FE6076C-7478-7547-8EE6-BBCC8E0F5965}" type="datetime1">
               <a:rPr lang="en-US" smtClean="0"/>
-              <a:t>5/28/24</a:t>
+              <a:t>5/19/25</a:t>
             </a:fld>
             <a:endParaRPr lang="en-JP"/>
           </a:p>
@@ -2995,7 +3328,7 @@
           <a:p>
             <a:fld id="{9ACD9DBC-B76F-1F49-9ACB-B3C63B260788}" type="datetime1">
               <a:rPr lang="en-US" smtClean="0"/>
-              <a:t>5/28/24</a:t>
+              <a:t>5/19/25</a:t>
             </a:fld>
             <a:endParaRPr lang="en-JP"/>
           </a:p>
@@ -3195,7 +3528,7 @@
           <a:p>
             <a:fld id="{97256E53-50F3-8B41-827D-E71E7A78D7C8}" type="datetime1">
               <a:rPr lang="en-US" smtClean="0"/>
-              <a:t>5/28/24</a:t>
+              <a:t>5/19/25</a:t>
             </a:fld>
             <a:endParaRPr lang="en-JP"/>
           </a:p>
@@ -3471,7 +3804,7 @@
           <a:p>
             <a:fld id="{60AD3F61-4B41-B048-9345-533AA47C1AFA}" type="datetime1">
               <a:rPr lang="en-US" smtClean="0"/>
-              <a:t>5/28/24</a:t>
+              <a:t>5/19/25</a:t>
             </a:fld>
             <a:endParaRPr lang="en-JP"/>
           </a:p>
@@ -3739,7 +4072,7 @@
           <a:p>
             <a:fld id="{9E0C3DDA-75D5-FE45-B27F-09B23348A3CF}" type="datetime1">
               <a:rPr lang="en-US" smtClean="0"/>
-              <a:t>5/28/24</a:t>
+              <a:t>5/19/25</a:t>
             </a:fld>
             <a:endParaRPr lang="en-JP"/>
           </a:p>
@@ -4154,7 +4487,7 @@
           <a:p>
             <a:fld id="{91B16E66-205B-D348-AF09-8C13DA8BDFF9}" type="datetime1">
               <a:rPr lang="en-US" smtClean="0"/>
-              <a:t>5/28/24</a:t>
+              <a:t>5/19/25</a:t>
             </a:fld>
             <a:endParaRPr lang="en-JP"/>
           </a:p>
@@ -4296,7 +4629,7 @@
           <a:p>
             <a:fld id="{222CE9F2-560E-4648-82A4-0C4186C23AAC}" type="datetime1">
               <a:rPr lang="en-US" smtClean="0"/>
-              <a:t>5/28/24</a:t>
+              <a:t>5/19/25</a:t>
             </a:fld>
             <a:endParaRPr lang="en-JP"/>
           </a:p>
@@ -4409,7 +4742,7 @@
           <a:p>
             <a:fld id="{2914F908-ED62-3949-B616-21C7C363772F}" type="datetime1">
               <a:rPr lang="en-US" smtClean="0"/>
-              <a:t>5/28/24</a:t>
+              <a:t>5/19/25</a:t>
             </a:fld>
             <a:endParaRPr lang="en-JP"/>
           </a:p>
@@ -4722,7 +5055,7 @@
           <a:p>
             <a:fld id="{8280A505-8893-D540-9413-F8B9ED1E178A}" type="datetime1">
               <a:rPr lang="en-US" smtClean="0"/>
-              <a:t>5/28/24</a:t>
+              <a:t>5/19/25</a:t>
             </a:fld>
             <a:endParaRPr lang="en-JP"/>
           </a:p>
@@ -5011,7 +5344,7 @@
           <a:p>
             <a:fld id="{40CD7CE6-B77F-5744-9AB9-6E4139649818}" type="datetime1">
               <a:rPr lang="en-US" smtClean="0"/>
-              <a:t>5/28/24</a:t>
+              <a:t>5/19/25</a:t>
             </a:fld>
             <a:endParaRPr lang="en-JP"/>
           </a:p>
@@ -5254,7 +5587,7 @@
           <a:p>
             <a:fld id="{DC28B759-A9A1-7B41-B30F-900953345635}" type="datetime1">
               <a:rPr lang="en-US" smtClean="0"/>
-              <a:t>5/28/24</a:t>
+              <a:t>5/19/25</a:t>
             </a:fld>
             <a:endParaRPr lang="en-JP"/>
           </a:p>
@@ -6672,6 +7005,108 @@
           </p:pic>
         </mc:Fallback>
       </mc:AlternateContent>
+      <mc:AlternateContent xmlns:mc="http://schemas.openxmlformats.org/markup-compatibility/2006">
+        <mc:Choice xmlns:p14="http://schemas.microsoft.com/office/powerpoint/2010/main" Requires="p14">
+          <p:contentPart p14:bwMode="auto" r:id="rId13">
+            <p14:nvContentPartPr>
+              <p14:cNvPr id="10" name="インク 9">
+                <a:extLst>
+                  <a:ext uri="{FF2B5EF4-FFF2-40B4-BE49-F238E27FC236}">
+                    <a16:creationId xmlns:a16="http://schemas.microsoft.com/office/drawing/2014/main" id="{5C9A04AC-5FF8-B499-510B-0C97B11A11D5}"/>
+                  </a:ext>
+                </a:extLst>
+              </p14:cNvPr>
+              <p14:cNvContentPartPr/>
+              <p14:nvPr/>
+            </p14:nvContentPartPr>
+            <p14:xfrm>
+              <a:off x="6942170" y="3254284"/>
+              <a:ext cx="361800" cy="35640"/>
+            </p14:xfrm>
+          </p:contentPart>
+        </mc:Choice>
+        <mc:Fallback>
+          <p:pic>
+            <p:nvPicPr>
+              <p:cNvPr id="10" name="インク 9">
+                <a:extLst>
+                  <a:ext uri="{FF2B5EF4-FFF2-40B4-BE49-F238E27FC236}">
+                    <a16:creationId xmlns:a16="http://schemas.microsoft.com/office/drawing/2014/main" id="{5C9A04AC-5FF8-B499-510B-0C97B11A11D5}"/>
+                  </a:ext>
+                </a:extLst>
+              </p:cNvPr>
+              <p:cNvPicPr/>
+              <p:nvPr/>
+            </p:nvPicPr>
+            <p:blipFill>
+              <a:blip r:embed="rId14"/>
+              <a:stretch>
+                <a:fillRect/>
+              </a:stretch>
+            </p:blipFill>
+            <p:spPr>
+              <a:xfrm>
+                <a:off x="6906170" y="3182644"/>
+                <a:ext cx="433440" cy="179280"/>
+              </a:xfrm>
+              <a:prstGeom prst="rect">
+                <a:avLst/>
+              </a:prstGeom>
+            </p:spPr>
+          </p:pic>
+        </mc:Fallback>
+      </mc:AlternateContent>
+      <mc:AlternateContent xmlns:mc="http://schemas.openxmlformats.org/markup-compatibility/2006">
+        <mc:Choice xmlns:p14="http://schemas.microsoft.com/office/powerpoint/2010/main" Requires="p14">
+          <p:contentPart p14:bwMode="auto" r:id="rId15">
+            <p14:nvContentPartPr>
+              <p14:cNvPr id="11" name="インク 10">
+                <a:extLst>
+                  <a:ext uri="{FF2B5EF4-FFF2-40B4-BE49-F238E27FC236}">
+                    <a16:creationId xmlns:a16="http://schemas.microsoft.com/office/drawing/2014/main" id="{5211A845-88F5-4A92-69CC-157860719B49}"/>
+                  </a:ext>
+                </a:extLst>
+              </p14:cNvPr>
+              <p14:cNvContentPartPr/>
+              <p14:nvPr/>
+            </p14:nvContentPartPr>
+            <p14:xfrm>
+              <a:off x="6838850" y="5296564"/>
+              <a:ext cx="433080" cy="11880"/>
+            </p14:xfrm>
+          </p:contentPart>
+        </mc:Choice>
+        <mc:Fallback>
+          <p:pic>
+            <p:nvPicPr>
+              <p:cNvPr id="11" name="インク 10">
+                <a:extLst>
+                  <a:ext uri="{FF2B5EF4-FFF2-40B4-BE49-F238E27FC236}">
+                    <a16:creationId xmlns:a16="http://schemas.microsoft.com/office/drawing/2014/main" id="{5211A845-88F5-4A92-69CC-157860719B49}"/>
+                  </a:ext>
+                </a:extLst>
+              </p:cNvPr>
+              <p:cNvPicPr/>
+              <p:nvPr/>
+            </p:nvPicPr>
+            <p:blipFill>
+              <a:blip r:embed="rId16"/>
+              <a:stretch>
+                <a:fillRect/>
+              </a:stretch>
+            </p:blipFill>
+            <p:spPr>
+              <a:xfrm>
+                <a:off x="6802850" y="5224564"/>
+                <a:ext cx="504720" cy="155520"/>
+              </a:xfrm>
+              <a:prstGeom prst="rect">
+                <a:avLst/>
+              </a:prstGeom>
+            </p:spPr>
+          </p:pic>
+        </mc:Fallback>
+      </mc:AlternateContent>
     </p:spTree>
     <p:extLst>
       <p:ext uri="{BB962C8B-B14F-4D97-AF65-F5344CB8AC3E}">
@@ -7188,8 +7623,8 @@
           </p:pic>
         </mc:Fallback>
       </mc:AlternateContent>
-      <mc:AlternateContent xmlns:mc="http://schemas.openxmlformats.org/markup-compatibility/2006">
-        <mc:Choice xmlns:p14="http://schemas.microsoft.com/office/powerpoint/2010/main" Requires="p14">
+      <mc:AlternateContent xmlns:mc="http://schemas.openxmlformats.org/markup-compatibility/2006" xmlns:p14="http://schemas.microsoft.com/office/powerpoint/2010/main">
+        <mc:Choice Requires="p14">
           <p:contentPart p14:bwMode="auto" r:id="rId17">
             <p14:nvContentPartPr>
               <p14:cNvPr id="5" name="Ink 4">
@@ -7208,7 +7643,7 @@
             </p14:xfrm>
           </p:contentPart>
         </mc:Choice>
-        <mc:Fallback>
+        <mc:Fallback xmlns="">
           <p:pic>
             <p:nvPicPr>
               <p:cNvPr id="5" name="Ink 4">
@@ -8239,6 +8674,108 @@
               <a:xfrm>
                 <a:off x="1597343" y="5018872"/>
                 <a:ext cx="2663640" cy="400680"/>
+              </a:xfrm>
+              <a:prstGeom prst="rect">
+                <a:avLst/>
+              </a:prstGeom>
+            </p:spPr>
+          </p:pic>
+        </mc:Fallback>
+      </mc:AlternateContent>
+      <mc:AlternateContent xmlns:mc="http://schemas.openxmlformats.org/markup-compatibility/2006">
+        <mc:Choice xmlns:p14="http://schemas.microsoft.com/office/powerpoint/2010/main" Requires="p14">
+          <p:contentPart p14:bwMode="auto" r:id="rId15">
+            <p14:nvContentPartPr>
+              <p14:cNvPr id="11" name="インク 10">
+                <a:extLst>
+                  <a:ext uri="{FF2B5EF4-FFF2-40B4-BE49-F238E27FC236}">
+                    <a16:creationId xmlns:a16="http://schemas.microsoft.com/office/drawing/2014/main" id="{5FFBA23F-5BE7-EFB0-AD01-54002343A826}"/>
+                  </a:ext>
+                </a:extLst>
+              </p14:cNvPr>
+              <p14:cNvContentPartPr/>
+              <p14:nvPr/>
+            </p14:nvContentPartPr>
+            <p14:xfrm>
+              <a:off x="4377170" y="4737484"/>
+              <a:ext cx="168480" cy="6840"/>
+            </p14:xfrm>
+          </p:contentPart>
+        </mc:Choice>
+        <mc:Fallback>
+          <p:pic>
+            <p:nvPicPr>
+              <p:cNvPr id="11" name="インク 10">
+                <a:extLst>
+                  <a:ext uri="{FF2B5EF4-FFF2-40B4-BE49-F238E27FC236}">
+                    <a16:creationId xmlns:a16="http://schemas.microsoft.com/office/drawing/2014/main" id="{5FFBA23F-5BE7-EFB0-AD01-54002343A826}"/>
+                  </a:ext>
+                </a:extLst>
+              </p:cNvPr>
+              <p:cNvPicPr/>
+              <p:nvPr/>
+            </p:nvPicPr>
+            <p:blipFill>
+              <a:blip r:embed="rId16"/>
+              <a:stretch>
+                <a:fillRect/>
+              </a:stretch>
+            </p:blipFill>
+            <p:spPr>
+              <a:xfrm>
+                <a:off x="4341170" y="4665844"/>
+                <a:ext cx="240120" cy="150480"/>
+              </a:xfrm>
+              <a:prstGeom prst="rect">
+                <a:avLst/>
+              </a:prstGeom>
+            </p:spPr>
+          </p:pic>
+        </mc:Fallback>
+      </mc:AlternateContent>
+      <mc:AlternateContent xmlns:mc="http://schemas.openxmlformats.org/markup-compatibility/2006">
+        <mc:Choice xmlns:p14="http://schemas.microsoft.com/office/powerpoint/2010/main" Requires="p14">
+          <p:contentPart p14:bwMode="auto" r:id="rId17">
+            <p14:nvContentPartPr>
+              <p14:cNvPr id="12" name="インク 11">
+                <a:extLst>
+                  <a:ext uri="{FF2B5EF4-FFF2-40B4-BE49-F238E27FC236}">
+                    <a16:creationId xmlns:a16="http://schemas.microsoft.com/office/drawing/2014/main" id="{2538048C-48F3-9518-D41E-07B9055C87BC}"/>
+                  </a:ext>
+                </a:extLst>
+              </p14:cNvPr>
+              <p14:cNvContentPartPr/>
+              <p14:nvPr/>
+            </p14:nvContentPartPr>
+            <p14:xfrm>
+              <a:off x="4309490" y="5862844"/>
+              <a:ext cx="169920" cy="6120"/>
+            </p14:xfrm>
+          </p:contentPart>
+        </mc:Choice>
+        <mc:Fallback>
+          <p:pic>
+            <p:nvPicPr>
+              <p:cNvPr id="12" name="インク 11">
+                <a:extLst>
+                  <a:ext uri="{FF2B5EF4-FFF2-40B4-BE49-F238E27FC236}">
+                    <a16:creationId xmlns:a16="http://schemas.microsoft.com/office/drawing/2014/main" id="{2538048C-48F3-9518-D41E-07B9055C87BC}"/>
+                  </a:ext>
+                </a:extLst>
+              </p:cNvPr>
+              <p:cNvPicPr/>
+              <p:nvPr/>
+            </p:nvPicPr>
+            <p:blipFill>
+              <a:blip r:embed="rId18"/>
+              <a:stretch>
+                <a:fillRect/>
+              </a:stretch>
+            </p:blipFill>
+            <p:spPr>
+              <a:xfrm>
+                <a:off x="4273490" y="5791204"/>
+                <a:ext cx="241560" cy="149760"/>
               </a:xfrm>
               <a:prstGeom prst="rect">
                 <a:avLst/>
@@ -8920,57 +9457,6 @@
         <mc:Choice Requires="p14">
           <p:contentPart p14:bwMode="auto" r:id="rId3">
             <p14:nvContentPartPr>
-              <p14:cNvPr id="5" name="Ink 4">
-                <a:extLst>
-                  <a:ext uri="{FF2B5EF4-FFF2-40B4-BE49-F238E27FC236}">
-                    <a16:creationId xmlns:a16="http://schemas.microsoft.com/office/drawing/2014/main" id="{F27EAB5A-3628-ABB1-8EB5-455238E51EBF}"/>
-                  </a:ext>
-                </a:extLst>
-              </p14:cNvPr>
-              <p14:cNvContentPartPr/>
-              <p14:nvPr/>
-            </p14:nvContentPartPr>
-            <p14:xfrm>
-              <a:off x="3098183" y="1966072"/>
-              <a:ext cx="4106160" cy="2946240"/>
-            </p14:xfrm>
-          </p:contentPart>
-        </mc:Choice>
-        <mc:Fallback xmlns="">
-          <p:pic>
-            <p:nvPicPr>
-              <p:cNvPr id="5" name="Ink 4">
-                <a:extLst>
-                  <a:ext uri="{FF2B5EF4-FFF2-40B4-BE49-F238E27FC236}">
-                    <a16:creationId xmlns:a16="http://schemas.microsoft.com/office/drawing/2014/main" id="{F27EAB5A-3628-ABB1-8EB5-455238E51EBF}"/>
-                  </a:ext>
-                </a:extLst>
-              </p:cNvPr>
-              <p:cNvPicPr/>
-              <p:nvPr/>
-            </p:nvPicPr>
-            <p:blipFill>
-              <a:blip r:embed="rId4"/>
-              <a:stretch>
-                <a:fillRect/>
-              </a:stretch>
-            </p:blipFill>
-            <p:spPr>
-              <a:xfrm>
-                <a:off x="3062543" y="1894432"/>
-                <a:ext cx="4177800" cy="3089880"/>
-              </a:xfrm>
-              <a:prstGeom prst="rect">
-                <a:avLst/>
-              </a:prstGeom>
-            </p:spPr>
-          </p:pic>
-        </mc:Fallback>
-      </mc:AlternateContent>
-      <mc:AlternateContent xmlns:mc="http://schemas.openxmlformats.org/markup-compatibility/2006" xmlns:p14="http://schemas.microsoft.com/office/powerpoint/2010/main">
-        <mc:Choice Requires="p14">
-          <p:contentPart p14:bwMode="auto" r:id="rId5">
-            <p14:nvContentPartPr>
               <p14:cNvPr id="6" name="Ink 5">
                 <a:extLst>
                   <a:ext uri="{FF2B5EF4-FFF2-40B4-BE49-F238E27FC236}">
@@ -9073,57 +9559,6 @@
         <mc:Choice Requires="p14">
           <p:contentPart p14:bwMode="auto" r:id="rId9">
             <p14:nvContentPartPr>
-              <p14:cNvPr id="8" name="Ink 7">
-                <a:extLst>
-                  <a:ext uri="{FF2B5EF4-FFF2-40B4-BE49-F238E27FC236}">
-                    <a16:creationId xmlns:a16="http://schemas.microsoft.com/office/drawing/2014/main" id="{DD190E03-F999-7E4E-A49F-5B9DE9F58CA6}"/>
-                  </a:ext>
-                </a:extLst>
-              </p14:cNvPr>
-              <p14:cNvContentPartPr/>
-              <p14:nvPr/>
-            </p14:nvContentPartPr>
-            <p14:xfrm>
-              <a:off x="3197543" y="2810272"/>
-              <a:ext cx="3697560" cy="2130840"/>
-            </p14:xfrm>
-          </p:contentPart>
-        </mc:Choice>
-        <mc:Fallback xmlns="">
-          <p:pic>
-            <p:nvPicPr>
-              <p:cNvPr id="8" name="Ink 7">
-                <a:extLst>
-                  <a:ext uri="{FF2B5EF4-FFF2-40B4-BE49-F238E27FC236}">
-                    <a16:creationId xmlns:a16="http://schemas.microsoft.com/office/drawing/2014/main" id="{DD190E03-F999-7E4E-A49F-5B9DE9F58CA6}"/>
-                  </a:ext>
-                </a:extLst>
-              </p:cNvPr>
-              <p:cNvPicPr/>
-              <p:nvPr/>
-            </p:nvPicPr>
-            <p:blipFill>
-              <a:blip r:embed="rId10"/>
-              <a:stretch>
-                <a:fillRect/>
-              </a:stretch>
-            </p:blipFill>
-            <p:spPr>
-              <a:xfrm>
-                <a:off x="3161543" y="2738632"/>
-                <a:ext cx="3769200" cy="2274480"/>
-              </a:xfrm>
-              <a:prstGeom prst="rect">
-                <a:avLst/>
-              </a:prstGeom>
-            </p:spPr>
-          </p:pic>
-        </mc:Fallback>
-      </mc:AlternateContent>
-      <mc:AlternateContent xmlns:mc="http://schemas.openxmlformats.org/markup-compatibility/2006" xmlns:p14="http://schemas.microsoft.com/office/powerpoint/2010/main">
-        <mc:Choice Requires="p14">
-          <p:contentPart p14:bwMode="auto" r:id="rId11">
-            <p14:nvContentPartPr>
               <p14:cNvPr id="9" name="Ink 8">
                 <a:extLst>
                   <a:ext uri="{FF2B5EF4-FFF2-40B4-BE49-F238E27FC236}">
@@ -9174,57 +9609,6 @@
       <mc:AlternateContent xmlns:mc="http://schemas.openxmlformats.org/markup-compatibility/2006" xmlns:p14="http://schemas.microsoft.com/office/powerpoint/2010/main">
         <mc:Choice Requires="p14">
           <p:contentPart p14:bwMode="auto" r:id="rId13">
-            <p14:nvContentPartPr>
-              <p14:cNvPr id="10" name="Ink 9">
-                <a:extLst>
-                  <a:ext uri="{FF2B5EF4-FFF2-40B4-BE49-F238E27FC236}">
-                    <a16:creationId xmlns:a16="http://schemas.microsoft.com/office/drawing/2014/main" id="{DABCDFD3-F546-81A6-028F-0AA0277AB923}"/>
-                  </a:ext>
-                </a:extLst>
-              </p14:cNvPr>
-              <p14:cNvContentPartPr/>
-              <p14:nvPr/>
-            </p14:nvContentPartPr>
-            <p14:xfrm>
-              <a:off x="6813023" y="2229592"/>
-              <a:ext cx="1124640" cy="647640"/>
-            </p14:xfrm>
-          </p:contentPart>
-        </mc:Choice>
-        <mc:Fallback xmlns="">
-          <p:pic>
-            <p:nvPicPr>
-              <p:cNvPr id="10" name="Ink 9">
-                <a:extLst>
-                  <a:ext uri="{FF2B5EF4-FFF2-40B4-BE49-F238E27FC236}">
-                    <a16:creationId xmlns:a16="http://schemas.microsoft.com/office/drawing/2014/main" id="{DABCDFD3-F546-81A6-028F-0AA0277AB923}"/>
-                  </a:ext>
-                </a:extLst>
-              </p:cNvPr>
-              <p:cNvPicPr/>
-              <p:nvPr/>
-            </p:nvPicPr>
-            <p:blipFill>
-              <a:blip r:embed="rId14"/>
-              <a:stretch>
-                <a:fillRect/>
-              </a:stretch>
-            </p:blipFill>
-            <p:spPr>
-              <a:xfrm>
-                <a:off x="6777023" y="2157592"/>
-                <a:ext cx="1196280" cy="791280"/>
-              </a:xfrm>
-              <a:prstGeom prst="rect">
-                <a:avLst/>
-              </a:prstGeom>
-            </p:spPr>
-          </p:pic>
-        </mc:Fallback>
-      </mc:AlternateContent>
-      <mc:AlternateContent xmlns:mc="http://schemas.openxmlformats.org/markup-compatibility/2006" xmlns:p14="http://schemas.microsoft.com/office/powerpoint/2010/main">
-        <mc:Choice Requires="p14">
-          <p:contentPart p14:bwMode="auto" r:id="rId15">
             <p14:nvContentPartPr>
               <p14:cNvPr id="11" name="Ink 10">
                 <a:extLst>
@@ -9364,102 +9748,6 @@
       </p:sp>
       <p:sp>
         <p:nvSpPr>
-          <p:cNvPr id="14" name="Oval 13">
-            <a:extLst>
-              <a:ext uri="{FF2B5EF4-FFF2-40B4-BE49-F238E27FC236}">
-                <a16:creationId xmlns:a16="http://schemas.microsoft.com/office/drawing/2014/main" id="{170C3862-FDD0-C3FF-0D0C-C12E529FB1C9}"/>
-              </a:ext>
-            </a:extLst>
-          </p:cNvPr>
-          <p:cNvSpPr/>
-          <p:nvPr/>
-        </p:nvSpPr>
-        <p:spPr>
-          <a:xfrm>
-            <a:off x="3176730" y="4429500"/>
-            <a:ext cx="314614" cy="352187"/>
-          </a:xfrm>
-          <a:prstGeom prst="ellipse">
-            <a:avLst/>
-          </a:prstGeom>
-          <a:noFill/>
-          <a:ln w="38100"/>
-        </p:spPr>
-        <p:style>
-          <a:lnRef idx="2">
-            <a:schemeClr val="accent1">
-              <a:shade val="15000"/>
-            </a:schemeClr>
-          </a:lnRef>
-          <a:fillRef idx="1">
-            <a:schemeClr val="accent1"/>
-          </a:fillRef>
-          <a:effectRef idx="0">
-            <a:schemeClr val="accent1"/>
-          </a:effectRef>
-          <a:fontRef idx="minor">
-            <a:schemeClr val="lt1"/>
-          </a:fontRef>
-        </p:style>
-        <p:txBody>
-          <a:bodyPr rtlCol="0" anchor="ctr"/>
-          <a:lstStyle/>
-          <a:p>
-            <a:pPr algn="ctr"/>
-            <a:endParaRPr lang="en-JP"/>
-          </a:p>
-        </p:txBody>
-      </p:sp>
-      <p:sp>
-        <p:nvSpPr>
-          <p:cNvPr id="15" name="Oval 14">
-            <a:extLst>
-              <a:ext uri="{FF2B5EF4-FFF2-40B4-BE49-F238E27FC236}">
-                <a16:creationId xmlns:a16="http://schemas.microsoft.com/office/drawing/2014/main" id="{C8E006AD-8B67-BAEC-050C-622427CEC66A}"/>
-              </a:ext>
-            </a:extLst>
-          </p:cNvPr>
-          <p:cNvSpPr/>
-          <p:nvPr/>
-        </p:nvSpPr>
-        <p:spPr>
-          <a:xfrm>
-            <a:off x="3424131" y="4712526"/>
-            <a:ext cx="423474" cy="352187"/>
-          </a:xfrm>
-          <a:prstGeom prst="ellipse">
-            <a:avLst/>
-          </a:prstGeom>
-          <a:noFill/>
-          <a:ln w="38100"/>
-        </p:spPr>
-        <p:style>
-          <a:lnRef idx="2">
-            <a:schemeClr val="accent1">
-              <a:shade val="15000"/>
-            </a:schemeClr>
-          </a:lnRef>
-          <a:fillRef idx="1">
-            <a:schemeClr val="accent1"/>
-          </a:fillRef>
-          <a:effectRef idx="0">
-            <a:schemeClr val="accent1"/>
-          </a:effectRef>
-          <a:fontRef idx="minor">
-            <a:schemeClr val="lt1"/>
-          </a:fontRef>
-        </p:style>
-        <p:txBody>
-          <a:bodyPr rtlCol="0" anchor="ctr"/>
-          <a:lstStyle/>
-          <a:p>
-            <a:pPr algn="ctr"/>
-            <a:endParaRPr lang="en-JP"/>
-          </a:p>
-        </p:txBody>
-      </p:sp>
-      <p:sp>
-        <p:nvSpPr>
           <p:cNvPr id="17" name="TextBox 16">
             <a:extLst>
               <a:ext uri="{FF2B5EF4-FFF2-40B4-BE49-F238E27FC236}">
@@ -9922,7 +10210,23 @@
                   <a:srgbClr val="00FFFF"/>
                 </a:highlight>
               </a:rPr>
-              <a:t>シェアの</a:t>
+              <a:t>シェア</a:t>
+            </a:r>
+            <a:r>
+              <a:rPr lang="en-US" altLang="ja-JP" dirty="0">
+                <a:highlight>
+                  <a:srgbClr val="00FFFF"/>
+                </a:highlight>
+              </a:rPr>
+              <a:t>or</a:t>
+            </a:r>
+            <a:r>
+              <a:rPr lang="ja-JP" altLang="en-US">
+                <a:highlight>
+                  <a:srgbClr val="00FFFF"/>
+                </a:highlight>
+              </a:rPr>
+              <a:t>労働者の</a:t>
             </a:r>
             <a:r>
               <a:rPr lang="zh-CN" altLang="en-US" dirty="0">
@@ -12236,8 +12540,8 @@
           </a:p>
         </p:txBody>
       </p:sp>
-      <mc:AlternateContent xmlns:mc="http://schemas.openxmlformats.org/markup-compatibility/2006">
-        <mc:Choice xmlns:a14="http://schemas.microsoft.com/office/drawing/2010/main" Requires="a14">
+      <mc:AlternateContent xmlns:mc="http://schemas.openxmlformats.org/markup-compatibility/2006" xmlns:a14="http://schemas.microsoft.com/office/drawing/2010/main">
+        <mc:Choice Requires="a14">
           <p:sp>
             <p:nvSpPr>
               <p:cNvPr id="3" name="Content Placeholder 2">
@@ -12677,7 +12981,7 @@
             </p:txBody>
           </p:sp>
         </mc:Choice>
-        <mc:Fallback>
+        <mc:Fallback xmlns="">
           <p:sp>
             <p:nvSpPr>
               <p:cNvPr id="3" name="Content Placeholder 2">
@@ -23827,6 +24131,333 @@
           </p:pic>
         </mc:Fallback>
       </mc:AlternateContent>
+      <mc:AlternateContent xmlns:mc="http://schemas.openxmlformats.org/markup-compatibility/2006">
+        <mc:Choice xmlns:p14="http://schemas.microsoft.com/office/powerpoint/2010/main" Requires="p14">
+          <p:contentPart p14:bwMode="auto" r:id="rId11">
+            <p14:nvContentPartPr>
+              <p14:cNvPr id="10" name="インク 9">
+                <a:extLst>
+                  <a:ext uri="{FF2B5EF4-FFF2-40B4-BE49-F238E27FC236}">
+                    <a16:creationId xmlns:a16="http://schemas.microsoft.com/office/drawing/2014/main" id="{345004B2-ED3B-1FA3-61E3-849C701D3FA5}"/>
+                  </a:ext>
+                </a:extLst>
+              </p14:cNvPr>
+              <p14:cNvContentPartPr/>
+              <p14:nvPr/>
+            </p14:nvContentPartPr>
+            <p14:xfrm>
+              <a:off x="9381530" y="3395764"/>
+              <a:ext cx="728280" cy="900360"/>
+            </p14:xfrm>
+          </p:contentPart>
+        </mc:Choice>
+        <mc:Fallback>
+          <p:pic>
+            <p:nvPicPr>
+              <p:cNvPr id="10" name="インク 9">
+                <a:extLst>
+                  <a:ext uri="{FF2B5EF4-FFF2-40B4-BE49-F238E27FC236}">
+                    <a16:creationId xmlns:a16="http://schemas.microsoft.com/office/drawing/2014/main" id="{345004B2-ED3B-1FA3-61E3-849C701D3FA5}"/>
+                  </a:ext>
+                </a:extLst>
+              </p:cNvPr>
+              <p:cNvPicPr/>
+              <p:nvPr/>
+            </p:nvPicPr>
+            <p:blipFill>
+              <a:blip r:embed="rId12"/>
+              <a:stretch>
+                <a:fillRect/>
+              </a:stretch>
+            </p:blipFill>
+            <p:spPr>
+              <a:xfrm>
+                <a:off x="9372530" y="3386764"/>
+                <a:ext cx="745920" cy="918000"/>
+              </a:xfrm>
+              <a:prstGeom prst="rect">
+                <a:avLst/>
+              </a:prstGeom>
+            </p:spPr>
+          </p:pic>
+        </mc:Fallback>
+      </mc:AlternateContent>
+      <p:grpSp>
+        <p:nvGrpSpPr>
+          <p:cNvPr id="14" name="グループ化 13">
+            <a:extLst>
+              <a:ext uri="{FF2B5EF4-FFF2-40B4-BE49-F238E27FC236}">
+                <a16:creationId xmlns:a16="http://schemas.microsoft.com/office/drawing/2014/main" id="{7ABDDE31-656A-2E27-047A-86E1C4BEC26C}"/>
+              </a:ext>
+            </a:extLst>
+          </p:cNvPr>
+          <p:cNvGrpSpPr/>
+          <p:nvPr/>
+        </p:nvGrpSpPr>
+        <p:grpSpPr>
+          <a:xfrm>
+            <a:off x="10841330" y="3334924"/>
+            <a:ext cx="484560" cy="1050120"/>
+            <a:chOff x="10841330" y="3334924"/>
+            <a:chExt cx="484560" cy="1050120"/>
+          </a:xfrm>
+        </p:grpSpPr>
+        <mc:AlternateContent xmlns:mc="http://schemas.openxmlformats.org/markup-compatibility/2006">
+          <mc:Choice xmlns:p14="http://schemas.microsoft.com/office/powerpoint/2010/main" Requires="p14">
+            <p:contentPart p14:bwMode="auto" r:id="rId13">
+              <p14:nvContentPartPr>
+                <p14:cNvPr id="11" name="インク 10">
+                  <a:extLst>
+                    <a:ext uri="{FF2B5EF4-FFF2-40B4-BE49-F238E27FC236}">
+                      <a16:creationId xmlns:a16="http://schemas.microsoft.com/office/drawing/2014/main" id="{5A606760-0855-5F10-6B12-F483E899ECF1}"/>
+                    </a:ext>
+                  </a:extLst>
+                </p14:cNvPr>
+                <p14:cNvContentPartPr/>
+                <p14:nvPr/>
+              </p14:nvContentPartPr>
+              <p14:xfrm>
+                <a:off x="10841330" y="3680884"/>
+                <a:ext cx="484560" cy="354960"/>
+              </p14:xfrm>
+            </p:contentPart>
+          </mc:Choice>
+          <mc:Fallback>
+            <p:pic>
+              <p:nvPicPr>
+                <p:cNvPr id="11" name="インク 10">
+                  <a:extLst>
+                    <a:ext uri="{FF2B5EF4-FFF2-40B4-BE49-F238E27FC236}">
+                      <a16:creationId xmlns:a16="http://schemas.microsoft.com/office/drawing/2014/main" id="{5A606760-0855-5F10-6B12-F483E899ECF1}"/>
+                    </a:ext>
+                  </a:extLst>
+                </p:cNvPr>
+                <p:cNvPicPr/>
+                <p:nvPr/>
+              </p:nvPicPr>
+              <p:blipFill>
+                <a:blip r:embed="rId14"/>
+                <a:stretch>
+                  <a:fillRect/>
+                </a:stretch>
+              </p:blipFill>
+              <p:spPr>
+                <a:xfrm>
+                  <a:off x="10832690" y="3672244"/>
+                  <a:ext cx="502200" cy="372600"/>
+                </a:xfrm>
+                <a:prstGeom prst="rect">
+                  <a:avLst/>
+                </a:prstGeom>
+              </p:spPr>
+            </p:pic>
+          </mc:Fallback>
+        </mc:AlternateContent>
+        <mc:AlternateContent xmlns:mc="http://schemas.openxmlformats.org/markup-compatibility/2006">
+          <mc:Choice xmlns:p14="http://schemas.microsoft.com/office/powerpoint/2010/main" Requires="p14">
+            <p:contentPart p14:bwMode="auto" r:id="rId15">
+              <p14:nvContentPartPr>
+                <p14:cNvPr id="12" name="インク 11">
+                  <a:extLst>
+                    <a:ext uri="{FF2B5EF4-FFF2-40B4-BE49-F238E27FC236}">
+                      <a16:creationId xmlns:a16="http://schemas.microsoft.com/office/drawing/2014/main" id="{41168FE1-AD2E-2D9B-3172-CF8FD0AB33CD}"/>
+                    </a:ext>
+                  </a:extLst>
+                </p14:cNvPr>
+                <p14:cNvContentPartPr/>
+                <p14:nvPr/>
+              </p14:nvContentPartPr>
+              <p14:xfrm>
+                <a:off x="10974530" y="3334924"/>
+                <a:ext cx="211320" cy="1050120"/>
+              </p14:xfrm>
+            </p:contentPart>
+          </mc:Choice>
+          <mc:Fallback>
+            <p:pic>
+              <p:nvPicPr>
+                <p:cNvPr id="12" name="インク 11">
+                  <a:extLst>
+                    <a:ext uri="{FF2B5EF4-FFF2-40B4-BE49-F238E27FC236}">
+                      <a16:creationId xmlns:a16="http://schemas.microsoft.com/office/drawing/2014/main" id="{41168FE1-AD2E-2D9B-3172-CF8FD0AB33CD}"/>
+                    </a:ext>
+                  </a:extLst>
+                </p:cNvPr>
+                <p:cNvPicPr/>
+                <p:nvPr/>
+              </p:nvPicPr>
+              <p:blipFill>
+                <a:blip r:embed="rId16"/>
+                <a:stretch>
+                  <a:fillRect/>
+                </a:stretch>
+              </p:blipFill>
+              <p:spPr>
+                <a:xfrm>
+                  <a:off x="10965890" y="3325924"/>
+                  <a:ext cx="228960" cy="1067760"/>
+                </a:xfrm>
+                <a:prstGeom prst="rect">
+                  <a:avLst/>
+                </a:prstGeom>
+              </p:spPr>
+            </p:pic>
+          </mc:Fallback>
+        </mc:AlternateContent>
+      </p:grpSp>
+      <mc:AlternateContent xmlns:mc="http://schemas.openxmlformats.org/markup-compatibility/2006">
+        <mc:Choice xmlns:p14="http://schemas.microsoft.com/office/powerpoint/2010/main" Requires="p14">
+          <p:contentPart p14:bwMode="auto" r:id="rId17">
+            <p14:nvContentPartPr>
+              <p14:cNvPr id="15" name="インク 14">
+                <a:extLst>
+                  <a:ext uri="{FF2B5EF4-FFF2-40B4-BE49-F238E27FC236}">
+                    <a16:creationId xmlns:a16="http://schemas.microsoft.com/office/drawing/2014/main" id="{D8BF1F77-64D7-F841-4DF4-E4A500E4A0CD}"/>
+                  </a:ext>
+                </a:extLst>
+              </p14:cNvPr>
+              <p14:cNvContentPartPr/>
+              <p14:nvPr/>
+            </p14:nvContentPartPr>
+            <p14:xfrm>
+              <a:off x="6850010" y="4027204"/>
+              <a:ext cx="294480" cy="188640"/>
+            </p14:xfrm>
+          </p:contentPart>
+        </mc:Choice>
+        <mc:Fallback>
+          <p:pic>
+            <p:nvPicPr>
+              <p:cNvPr id="15" name="インク 14">
+                <a:extLst>
+                  <a:ext uri="{FF2B5EF4-FFF2-40B4-BE49-F238E27FC236}">
+                    <a16:creationId xmlns:a16="http://schemas.microsoft.com/office/drawing/2014/main" id="{D8BF1F77-64D7-F841-4DF4-E4A500E4A0CD}"/>
+                  </a:ext>
+                </a:extLst>
+              </p:cNvPr>
+              <p:cNvPicPr/>
+              <p:nvPr/>
+            </p:nvPicPr>
+            <p:blipFill>
+              <a:blip r:embed="rId18"/>
+              <a:stretch>
+                <a:fillRect/>
+              </a:stretch>
+            </p:blipFill>
+            <p:spPr>
+              <a:xfrm>
+                <a:off x="6814010" y="3955564"/>
+                <a:ext cx="366120" cy="332280"/>
+              </a:xfrm>
+              <a:prstGeom prst="rect">
+                <a:avLst/>
+              </a:prstGeom>
+            </p:spPr>
+          </p:pic>
+        </mc:Fallback>
+      </mc:AlternateContent>
+      <mc:AlternateContent xmlns:mc="http://schemas.openxmlformats.org/markup-compatibility/2006">
+        <mc:Choice xmlns:p14="http://schemas.microsoft.com/office/powerpoint/2010/main" Requires="p14">
+          <p:contentPart p14:bwMode="auto" r:id="rId19">
+            <p14:nvContentPartPr>
+              <p14:cNvPr id="16" name="インク 15">
+                <a:extLst>
+                  <a:ext uri="{FF2B5EF4-FFF2-40B4-BE49-F238E27FC236}">
+                    <a16:creationId xmlns:a16="http://schemas.microsoft.com/office/drawing/2014/main" id="{0C618DB4-C2C6-8205-5C40-CE5DEF6862AE}"/>
+                  </a:ext>
+                </a:extLst>
+              </p14:cNvPr>
+              <p14:cNvContentPartPr/>
+              <p14:nvPr/>
+            </p14:nvContentPartPr>
+            <p14:xfrm>
+              <a:off x="1162370" y="5506084"/>
+              <a:ext cx="3791160" cy="68400"/>
+            </p14:xfrm>
+          </p:contentPart>
+        </mc:Choice>
+        <mc:Fallback>
+          <p:pic>
+            <p:nvPicPr>
+              <p:cNvPr id="16" name="インク 15">
+                <a:extLst>
+                  <a:ext uri="{FF2B5EF4-FFF2-40B4-BE49-F238E27FC236}">
+                    <a16:creationId xmlns:a16="http://schemas.microsoft.com/office/drawing/2014/main" id="{0C618DB4-C2C6-8205-5C40-CE5DEF6862AE}"/>
+                  </a:ext>
+                </a:extLst>
+              </p:cNvPr>
+              <p:cNvPicPr/>
+              <p:nvPr/>
+            </p:nvPicPr>
+            <p:blipFill>
+              <a:blip r:embed="rId20"/>
+              <a:stretch>
+                <a:fillRect/>
+              </a:stretch>
+            </p:blipFill>
+            <p:spPr>
+              <a:xfrm>
+                <a:off x="1126730" y="5434084"/>
+                <a:ext cx="3862800" cy="212040"/>
+              </a:xfrm>
+              <a:prstGeom prst="rect">
+                <a:avLst/>
+              </a:prstGeom>
+            </p:spPr>
+          </p:pic>
+        </mc:Fallback>
+      </mc:AlternateContent>
+      <mc:AlternateContent xmlns:mc="http://schemas.openxmlformats.org/markup-compatibility/2006">
+        <mc:Choice xmlns:p14="http://schemas.microsoft.com/office/powerpoint/2010/main" Requires="p14">
+          <p:contentPart p14:bwMode="auto" r:id="rId21">
+            <p14:nvContentPartPr>
+              <p14:cNvPr id="17" name="インク 16">
+                <a:extLst>
+                  <a:ext uri="{FF2B5EF4-FFF2-40B4-BE49-F238E27FC236}">
+                    <a16:creationId xmlns:a16="http://schemas.microsoft.com/office/drawing/2014/main" id="{E930BC6F-3CBB-2597-94B9-15CB6A7CAB57}"/>
+                  </a:ext>
+                </a:extLst>
+              </p14:cNvPr>
+              <p14:cNvContentPartPr/>
+              <p14:nvPr/>
+            </p14:nvContentPartPr>
+            <p14:xfrm>
+              <a:off x="5926970" y="4121884"/>
+              <a:ext cx="140040" cy="11880"/>
+            </p14:xfrm>
+          </p:contentPart>
+        </mc:Choice>
+        <mc:Fallback>
+          <p:pic>
+            <p:nvPicPr>
+              <p:cNvPr id="17" name="インク 16">
+                <a:extLst>
+                  <a:ext uri="{FF2B5EF4-FFF2-40B4-BE49-F238E27FC236}">
+                    <a16:creationId xmlns:a16="http://schemas.microsoft.com/office/drawing/2014/main" id="{E930BC6F-3CBB-2597-94B9-15CB6A7CAB57}"/>
+                  </a:ext>
+                </a:extLst>
+              </p:cNvPr>
+              <p:cNvPicPr/>
+              <p:nvPr/>
+            </p:nvPicPr>
+            <p:blipFill>
+              <a:blip r:embed="rId22"/>
+              <a:stretch>
+                <a:fillRect/>
+              </a:stretch>
+            </p:blipFill>
+            <p:spPr>
+              <a:xfrm>
+                <a:off x="5890970" y="4049884"/>
+                <a:ext cx="211680" cy="155520"/>
+              </a:xfrm>
+              <a:prstGeom prst="rect">
+                <a:avLst/>
+              </a:prstGeom>
+            </p:spPr>
+          </p:pic>
+        </mc:Fallback>
+      </mc:AlternateContent>
     </p:spTree>
     <p:extLst>
       <p:ext uri="{BB962C8B-B14F-4D97-AF65-F5344CB8AC3E}">
@@ -24355,6 +24986,261 @@
           </a:p>
         </p:txBody>
       </p:sp>
+      <mc:AlternateContent xmlns:mc="http://schemas.openxmlformats.org/markup-compatibility/2006">
+        <mc:Choice xmlns:p14="http://schemas.microsoft.com/office/powerpoint/2010/main" Requires="p14">
+          <p:contentPart p14:bwMode="auto" r:id="rId3">
+            <p14:nvContentPartPr>
+              <p14:cNvPr id="5" name="インク 4">
+                <a:extLst>
+                  <a:ext uri="{FF2B5EF4-FFF2-40B4-BE49-F238E27FC236}">
+                    <a16:creationId xmlns:a16="http://schemas.microsoft.com/office/drawing/2014/main" id="{0BB19A34-91BB-79B6-44E3-F9D431E889FB}"/>
+                  </a:ext>
+                </a:extLst>
+              </p14:cNvPr>
+              <p14:cNvContentPartPr/>
+              <p14:nvPr/>
+            </p14:nvContentPartPr>
+            <p14:xfrm>
+              <a:off x="6102650" y="2884924"/>
+              <a:ext cx="163800" cy="67320"/>
+            </p14:xfrm>
+          </p:contentPart>
+        </mc:Choice>
+        <mc:Fallback>
+          <p:pic>
+            <p:nvPicPr>
+              <p:cNvPr id="5" name="インク 4">
+                <a:extLst>
+                  <a:ext uri="{FF2B5EF4-FFF2-40B4-BE49-F238E27FC236}">
+                    <a16:creationId xmlns:a16="http://schemas.microsoft.com/office/drawing/2014/main" id="{0BB19A34-91BB-79B6-44E3-F9D431E889FB}"/>
+                  </a:ext>
+                </a:extLst>
+              </p:cNvPr>
+              <p:cNvPicPr/>
+              <p:nvPr/>
+            </p:nvPicPr>
+            <p:blipFill>
+              <a:blip r:embed="rId4"/>
+              <a:stretch>
+                <a:fillRect/>
+              </a:stretch>
+            </p:blipFill>
+            <p:spPr>
+              <a:xfrm>
+                <a:off x="6066650" y="2812924"/>
+                <a:ext cx="235440" cy="210960"/>
+              </a:xfrm>
+              <a:prstGeom prst="rect">
+                <a:avLst/>
+              </a:prstGeom>
+            </p:spPr>
+          </p:pic>
+        </mc:Fallback>
+      </mc:AlternateContent>
+      <mc:AlternateContent xmlns:mc="http://schemas.openxmlformats.org/markup-compatibility/2006">
+        <mc:Choice xmlns:p14="http://schemas.microsoft.com/office/powerpoint/2010/main" Requires="p14">
+          <p:contentPart p14:bwMode="auto" r:id="rId5">
+            <p14:nvContentPartPr>
+              <p14:cNvPr id="6" name="インク 5">
+                <a:extLst>
+                  <a:ext uri="{FF2B5EF4-FFF2-40B4-BE49-F238E27FC236}">
+                    <a16:creationId xmlns:a16="http://schemas.microsoft.com/office/drawing/2014/main" id="{C33C0404-3F58-F191-503E-845A65B887EC}"/>
+                  </a:ext>
+                </a:extLst>
+              </p14:cNvPr>
+              <p14:cNvContentPartPr/>
+              <p14:nvPr/>
+            </p14:nvContentPartPr>
+            <p14:xfrm>
+              <a:off x="6716090" y="2744524"/>
+              <a:ext cx="375120" cy="320400"/>
+            </p14:xfrm>
+          </p:contentPart>
+        </mc:Choice>
+        <mc:Fallback>
+          <p:pic>
+            <p:nvPicPr>
+              <p:cNvPr id="6" name="インク 5">
+                <a:extLst>
+                  <a:ext uri="{FF2B5EF4-FFF2-40B4-BE49-F238E27FC236}">
+                    <a16:creationId xmlns:a16="http://schemas.microsoft.com/office/drawing/2014/main" id="{C33C0404-3F58-F191-503E-845A65B887EC}"/>
+                  </a:ext>
+                </a:extLst>
+              </p:cNvPr>
+              <p:cNvPicPr/>
+              <p:nvPr/>
+            </p:nvPicPr>
+            <p:blipFill>
+              <a:blip r:embed="rId6"/>
+              <a:stretch>
+                <a:fillRect/>
+              </a:stretch>
+            </p:blipFill>
+            <p:spPr>
+              <a:xfrm>
+                <a:off x="6680450" y="2672884"/>
+                <a:ext cx="446760" cy="464040"/>
+              </a:xfrm>
+              <a:prstGeom prst="rect">
+                <a:avLst/>
+              </a:prstGeom>
+            </p:spPr>
+          </p:pic>
+        </mc:Fallback>
+      </mc:AlternateContent>
+      <mc:AlternateContent xmlns:mc="http://schemas.openxmlformats.org/markup-compatibility/2006">
+        <mc:Choice xmlns:p14="http://schemas.microsoft.com/office/powerpoint/2010/main" Requires="p14">
+          <p:contentPart p14:bwMode="auto" r:id="rId7">
+            <p14:nvContentPartPr>
+              <p14:cNvPr id="7" name="インク 6">
+                <a:extLst>
+                  <a:ext uri="{FF2B5EF4-FFF2-40B4-BE49-F238E27FC236}">
+                    <a16:creationId xmlns:a16="http://schemas.microsoft.com/office/drawing/2014/main" id="{B2453433-203E-8722-BC9B-D3730D8FE8B7}"/>
+                  </a:ext>
+                </a:extLst>
+              </p14:cNvPr>
+              <p14:cNvContentPartPr/>
+              <p14:nvPr/>
+            </p14:nvContentPartPr>
+            <p14:xfrm>
+              <a:off x="2171450" y="3831004"/>
+              <a:ext cx="3944880" cy="62280"/>
+            </p14:xfrm>
+          </p:contentPart>
+        </mc:Choice>
+        <mc:Fallback>
+          <p:pic>
+            <p:nvPicPr>
+              <p:cNvPr id="7" name="インク 6">
+                <a:extLst>
+                  <a:ext uri="{FF2B5EF4-FFF2-40B4-BE49-F238E27FC236}">
+                    <a16:creationId xmlns:a16="http://schemas.microsoft.com/office/drawing/2014/main" id="{B2453433-203E-8722-BC9B-D3730D8FE8B7}"/>
+                  </a:ext>
+                </a:extLst>
+              </p:cNvPr>
+              <p:cNvPicPr/>
+              <p:nvPr/>
+            </p:nvPicPr>
+            <p:blipFill>
+              <a:blip r:embed="rId8"/>
+              <a:stretch>
+                <a:fillRect/>
+              </a:stretch>
+            </p:blipFill>
+            <p:spPr>
+              <a:xfrm>
+                <a:off x="2135810" y="3759364"/>
+                <a:ext cx="4016520" cy="205920"/>
+              </a:xfrm>
+              <a:prstGeom prst="rect">
+                <a:avLst/>
+              </a:prstGeom>
+            </p:spPr>
+          </p:pic>
+        </mc:Fallback>
+      </mc:AlternateContent>
+      <mc:AlternateContent xmlns:mc="http://schemas.openxmlformats.org/markup-compatibility/2006">
+        <mc:Choice xmlns:p14="http://schemas.microsoft.com/office/powerpoint/2010/main" Requires="p14">
+          <p:contentPart p14:bwMode="auto" r:id="rId9">
+            <p14:nvContentPartPr>
+              <p14:cNvPr id="8" name="インク 7">
+                <a:extLst>
+                  <a:ext uri="{FF2B5EF4-FFF2-40B4-BE49-F238E27FC236}">
+                    <a16:creationId xmlns:a16="http://schemas.microsoft.com/office/drawing/2014/main" id="{CB455826-E348-CED8-76B6-820EDC85BCAA}"/>
+                  </a:ext>
+                </a:extLst>
+              </p14:cNvPr>
+              <p14:cNvContentPartPr/>
+              <p14:nvPr/>
+            </p14:nvContentPartPr>
+            <p14:xfrm>
+              <a:off x="5990330" y="2864044"/>
+              <a:ext cx="30960" cy="77400"/>
+            </p14:xfrm>
+          </p:contentPart>
+        </mc:Choice>
+        <mc:Fallback>
+          <p:pic>
+            <p:nvPicPr>
+              <p:cNvPr id="8" name="インク 7">
+                <a:extLst>
+                  <a:ext uri="{FF2B5EF4-FFF2-40B4-BE49-F238E27FC236}">
+                    <a16:creationId xmlns:a16="http://schemas.microsoft.com/office/drawing/2014/main" id="{CB455826-E348-CED8-76B6-820EDC85BCAA}"/>
+                  </a:ext>
+                </a:extLst>
+              </p:cNvPr>
+              <p:cNvPicPr/>
+              <p:nvPr/>
+            </p:nvPicPr>
+            <p:blipFill>
+              <a:blip r:embed="rId10"/>
+              <a:stretch>
+                <a:fillRect/>
+              </a:stretch>
+            </p:blipFill>
+            <p:spPr>
+              <a:xfrm>
+                <a:off x="5954330" y="2792404"/>
+                <a:ext cx="102600" cy="221040"/>
+              </a:xfrm>
+              <a:prstGeom prst="rect">
+                <a:avLst/>
+              </a:prstGeom>
+            </p:spPr>
+          </p:pic>
+        </mc:Fallback>
+      </mc:AlternateContent>
+      <mc:AlternateContent xmlns:mc="http://schemas.openxmlformats.org/markup-compatibility/2006">
+        <mc:Choice xmlns:p14="http://schemas.microsoft.com/office/powerpoint/2010/main" Requires="p14">
+          <p:contentPart p14:bwMode="auto" r:id="rId11">
+            <p14:nvContentPartPr>
+              <p14:cNvPr id="9" name="インク 8">
+                <a:extLst>
+                  <a:ext uri="{FF2B5EF4-FFF2-40B4-BE49-F238E27FC236}">
+                    <a16:creationId xmlns:a16="http://schemas.microsoft.com/office/drawing/2014/main" id="{CED9E246-D0F4-FD0E-F0F9-594F4E908869}"/>
+                  </a:ext>
+                </a:extLst>
+              </p14:cNvPr>
+              <p14:cNvContentPartPr/>
+              <p14:nvPr/>
+            </p14:nvContentPartPr>
+            <p14:xfrm>
+              <a:off x="2749250" y="5709124"/>
+              <a:ext cx="1684080" cy="27720"/>
+            </p14:xfrm>
+          </p:contentPart>
+        </mc:Choice>
+        <mc:Fallback>
+          <p:pic>
+            <p:nvPicPr>
+              <p:cNvPr id="9" name="インク 8">
+                <a:extLst>
+                  <a:ext uri="{FF2B5EF4-FFF2-40B4-BE49-F238E27FC236}">
+                    <a16:creationId xmlns:a16="http://schemas.microsoft.com/office/drawing/2014/main" id="{CED9E246-D0F4-FD0E-F0F9-594F4E908869}"/>
+                  </a:ext>
+                </a:extLst>
+              </p:cNvPr>
+              <p:cNvPicPr/>
+              <p:nvPr/>
+            </p:nvPicPr>
+            <p:blipFill>
+              <a:blip r:embed="rId12"/>
+              <a:stretch>
+                <a:fillRect/>
+              </a:stretch>
+            </p:blipFill>
+            <p:spPr>
+              <a:xfrm>
+                <a:off x="2713610" y="5637484"/>
+                <a:ext cx="1755720" cy="171360"/>
+              </a:xfrm>
+              <a:prstGeom prst="rect">
+                <a:avLst/>
+              </a:prstGeom>
+            </p:spPr>
+          </p:pic>
+        </mc:Fallback>
+      </mc:AlternateContent>
     </p:spTree>
     <p:extLst>
       <p:ext uri="{BB962C8B-B14F-4D97-AF65-F5344CB8AC3E}">
